--- a/E2M2-2019/E2M2_R_Bootcamp_opening.pptx
+++ b/E2M2-2019/E2M2_R_Bootcamp_opening.pptx
@@ -7,7 +7,10 @@
   <p:sldIdLst>
     <p:sldId id="260" r:id="rId2"/>
     <p:sldId id="261" r:id="rId3"/>
-    <p:sldId id="257" r:id="rId4"/>
+    <p:sldId id="262" r:id="rId4"/>
+    <p:sldId id="258" r:id="rId5"/>
+    <p:sldId id="263" r:id="rId6"/>
+    <p:sldId id="257" r:id="rId7"/>
   </p:sldIdLst>
   <p:sldSz cx="12192000" cy="6858000"/>
   <p:notesSz cx="6858000" cy="9144000"/>
@@ -2960,13 +2963,13 @@
         </p:nvSpPr>
         <p:spPr>
           <a:xfrm>
-            <a:off x="838200" y="4855029"/>
+            <a:off x="723900" y="4626429"/>
             <a:ext cx="10515600" cy="1321934"/>
           </a:xfrm>
         </p:spPr>
         <p:txBody>
           <a:bodyPr>
-            <a:normAutofit fontScale="92500" lnSpcReduction="10000"/>
+            <a:noAutofit/>
           </a:bodyPr>
           <a:lstStyle/>
           <a:p>
@@ -2974,11 +2977,11 @@
               <a:buNone/>
             </a:pPr>
             <a:r>
-              <a:rPr lang="en-US" dirty="0" err="1"/>
+              <a:rPr lang="en-US" sz="3000" dirty="0" err="1"/>
               <a:t>Institut</a:t>
             </a:r>
             <a:r>
-              <a:rPr lang="en-US" dirty="0"/>
+              <a:rPr lang="en-US" sz="3000" dirty="0"/>
               <a:t> Pasteur de Madagascar</a:t>
             </a:r>
           </a:p>
@@ -2987,7 +2990,7 @@
               <a:buNone/>
             </a:pPr>
             <a:r>
-              <a:rPr lang="en-US" dirty="0"/>
+              <a:rPr lang="en-US" sz="3000" dirty="0"/>
               <a:t>Antananarivo, Madagascar</a:t>
             </a:r>
           </a:p>
@@ -2996,7 +2999,7 @@
               <a:buNone/>
             </a:pPr>
             <a:r>
-              <a:rPr lang="en-US" dirty="0"/>
+              <a:rPr lang="en-US" sz="3000" dirty="0"/>
               <a:t>12 January 2019</a:t>
             </a:r>
           </a:p>
@@ -3048,33 +3051,47 @@
             <p:ph idx="1"/>
           </p:nvPr>
         </p:nvSpPr>
-        <p:spPr/>
+        <p:spPr>
+          <a:xfrm>
+            <a:off x="838200" y="2374899"/>
+            <a:ext cx="10515600" cy="3802063"/>
+          </a:xfrm>
+        </p:spPr>
         <p:txBody>
-          <a:bodyPr/>
+          <a:bodyPr>
+            <a:normAutofit/>
+          </a:bodyPr>
           <a:lstStyle/>
-          <a:p>
-            <a:r>
-              <a:rPr lang="en-US" dirty="0"/>
-              <a:t>All course materials are available at:</a:t>
-            </a:r>
-          </a:p>
-          <a:p>
-            <a:pPr marL="0" indent="0">
-              <a:buNone/>
-            </a:pPr>
-            <a:endParaRPr lang="en-US" dirty="0"/>
-          </a:p>
           <a:p>
             <a:pPr marL="0" indent="0" algn="ctr">
               <a:buNone/>
             </a:pPr>
             <a:r>
-              <a:rPr lang="en-US" dirty="0">
-                <a:hlinkClick r:id="rId2"/>
-              </a:rPr>
-              <a:t>https://carabrook.github.io/E2M2/E2M2_2019.html</a:t>
-            </a:r>
-            <a:endParaRPr lang="en-US" dirty="0"/>
+              <a:rPr lang="en-US" sz="4000" dirty="0" err="1"/>
+              <a:t>WiFi</a:t>
+            </a:r>
+            <a:r>
+              <a:rPr lang="en-US" sz="4000" dirty="0"/>
+              <a:t> available in the conference room:</a:t>
+            </a:r>
+          </a:p>
+          <a:p>
+            <a:pPr marL="0" indent="0" algn="ctr">
+              <a:buNone/>
+            </a:pPr>
+            <a:r>
+              <a:rPr lang="en-US" sz="4000" dirty="0"/>
+              <a:t>Network: Orange-DD02</a:t>
+            </a:r>
+          </a:p>
+          <a:p>
+            <a:pPr marL="0" indent="0" algn="ctr">
+              <a:buNone/>
+            </a:pPr>
+            <a:r>
+              <a:rPr lang="en-US" sz="4000" dirty="0"/>
+              <a:t>Password: 09BL638JL1Y</a:t>
+            </a:r>
           </a:p>
         </p:txBody>
       </p:sp>
@@ -3092,6 +3109,6214 @@
 </file>
 
 <file path=ppt/slides/slide3.xml><?xml version="1.0" encoding="utf-8"?>
+<p:sld xmlns:a="http://schemas.openxmlformats.org/drawingml/2006/main" xmlns:r="http://schemas.openxmlformats.org/officeDocument/2006/relationships" xmlns:p="http://schemas.openxmlformats.org/presentationml/2006/main">
+  <p:cSld>
+    <p:spTree>
+      <p:nvGrpSpPr>
+        <p:cNvPr id="1" name=""/>
+        <p:cNvGrpSpPr/>
+        <p:nvPr/>
+      </p:nvGrpSpPr>
+      <p:grpSpPr>
+        <a:xfrm>
+          <a:off x="0" y="0"/>
+          <a:ext cx="0" cy="0"/>
+          <a:chOff x="0" y="0"/>
+          <a:chExt cx="0" cy="0"/>
+        </a:xfrm>
+      </p:grpSpPr>
+      <p:sp>
+        <p:nvSpPr>
+          <p:cNvPr id="3" name="Content Placeholder 2">
+            <a:extLst>
+              <a:ext uri="{FF2B5EF4-FFF2-40B4-BE49-F238E27FC236}">
+                <a16:creationId xmlns:a16="http://schemas.microsoft.com/office/drawing/2014/main" id="{AAE59C0F-5F31-9846-B7FD-785AAE4717C5}"/>
+              </a:ext>
+            </a:extLst>
+          </p:cNvPr>
+          <p:cNvSpPr>
+            <a:spLocks noGrp="1"/>
+          </p:cNvSpPr>
+          <p:nvPr>
+            <p:ph idx="1"/>
+          </p:nvPr>
+        </p:nvSpPr>
+        <p:spPr>
+          <a:xfrm>
+            <a:off x="609600" y="1825625"/>
+            <a:ext cx="11087100" cy="4351338"/>
+          </a:xfrm>
+        </p:spPr>
+        <p:txBody>
+          <a:bodyPr>
+            <a:normAutofit/>
+          </a:bodyPr>
+          <a:lstStyle/>
+          <a:p>
+            <a:pPr marL="0" indent="0" algn="ctr">
+              <a:buNone/>
+            </a:pPr>
+            <a:r>
+              <a:rPr lang="en-US" sz="4000" dirty="0"/>
+              <a:t>All course materials are available at:</a:t>
+            </a:r>
+          </a:p>
+          <a:p>
+            <a:pPr marL="0" indent="0">
+              <a:buNone/>
+            </a:pPr>
+            <a:endParaRPr lang="en-US" sz="4000" dirty="0"/>
+          </a:p>
+          <a:p>
+            <a:pPr marL="0" indent="0" algn="ctr">
+              <a:buNone/>
+            </a:pPr>
+            <a:r>
+              <a:rPr lang="en-US" sz="4000" dirty="0">
+                <a:hlinkClick r:id="rId2"/>
+              </a:rPr>
+              <a:t>https://carabrook.github.io/E2M2/E2M2_2019.html</a:t>
+            </a:r>
+            <a:endParaRPr lang="en-US" sz="4000" dirty="0"/>
+          </a:p>
+        </p:txBody>
+      </p:sp>
+    </p:spTree>
+    <p:extLst>
+      <p:ext uri="{BB962C8B-B14F-4D97-AF65-F5344CB8AC3E}">
+        <p14:creationId xmlns:p14="http://schemas.microsoft.com/office/powerpoint/2010/main" val="3544934465"/>
+      </p:ext>
+    </p:extLst>
+  </p:cSld>
+  <p:clrMapOvr>
+    <a:masterClrMapping/>
+  </p:clrMapOvr>
+</p:sld>
+</file>
+
+<file path=ppt/slides/slide4.xml><?xml version="1.0" encoding="utf-8"?>
+<p:sld xmlns:a="http://schemas.openxmlformats.org/drawingml/2006/main" xmlns:r="http://schemas.openxmlformats.org/officeDocument/2006/relationships" xmlns:p="http://schemas.openxmlformats.org/presentationml/2006/main">
+  <p:cSld>
+    <p:spTree>
+      <p:nvGrpSpPr>
+        <p:cNvPr id="1" name=""/>
+        <p:cNvGrpSpPr/>
+        <p:nvPr/>
+      </p:nvGrpSpPr>
+      <p:grpSpPr>
+        <a:xfrm>
+          <a:off x="0" y="0"/>
+          <a:ext cx="0" cy="0"/>
+          <a:chOff x="0" y="0"/>
+          <a:chExt cx="0" cy="0"/>
+        </a:xfrm>
+      </p:grpSpPr>
+      <p:cxnSp>
+        <p:nvCxnSpPr>
+          <p:cNvPr id="23" name="Straight Connector 22">
+            <a:extLst>
+              <a:ext uri="{FF2B5EF4-FFF2-40B4-BE49-F238E27FC236}">
+                <a16:creationId xmlns:a16="http://schemas.microsoft.com/office/drawing/2014/main" id="{96AEA4CD-2FFB-724B-8B9E-64DC167F5A6F}"/>
+              </a:ext>
+            </a:extLst>
+          </p:cNvPr>
+          <p:cNvCxnSpPr>
+            <a:cxnSpLocks/>
+          </p:cNvCxnSpPr>
+          <p:nvPr/>
+        </p:nvCxnSpPr>
+        <p:spPr>
+          <a:xfrm>
+            <a:off x="964524" y="2240948"/>
+            <a:ext cx="34271" cy="509917"/>
+          </a:xfrm>
+          <a:prstGeom prst="line">
+            <a:avLst/>
+          </a:prstGeom>
+          <a:ln w="38100">
+            <a:solidFill>
+              <a:schemeClr val="accent1">
+                <a:lumMod val="40000"/>
+                <a:lumOff val="60000"/>
+              </a:schemeClr>
+            </a:solidFill>
+          </a:ln>
+        </p:spPr>
+        <p:style>
+          <a:lnRef idx="1">
+            <a:schemeClr val="accent1"/>
+          </a:lnRef>
+          <a:fillRef idx="0">
+            <a:schemeClr val="accent1"/>
+          </a:fillRef>
+          <a:effectRef idx="0">
+            <a:schemeClr val="accent1"/>
+          </a:effectRef>
+          <a:fontRef idx="minor">
+            <a:schemeClr val="tx1"/>
+          </a:fontRef>
+        </p:style>
+      </p:cxnSp>
+      <p:cxnSp>
+        <p:nvCxnSpPr>
+          <p:cNvPr id="25" name="Straight Connector 24">
+            <a:extLst>
+              <a:ext uri="{FF2B5EF4-FFF2-40B4-BE49-F238E27FC236}">
+                <a16:creationId xmlns:a16="http://schemas.microsoft.com/office/drawing/2014/main" id="{AC983D53-F666-FE40-9941-5FE1FB18756F}"/>
+              </a:ext>
+            </a:extLst>
+          </p:cNvPr>
+          <p:cNvCxnSpPr>
+            <a:cxnSpLocks/>
+          </p:cNvCxnSpPr>
+          <p:nvPr/>
+        </p:nvCxnSpPr>
+        <p:spPr>
+          <a:xfrm flipH="1">
+            <a:off x="840367" y="2542562"/>
+            <a:ext cx="12949" cy="416606"/>
+          </a:xfrm>
+          <a:prstGeom prst="line">
+            <a:avLst/>
+          </a:prstGeom>
+          <a:ln w="38100">
+            <a:solidFill>
+              <a:schemeClr val="accent1">
+                <a:lumMod val="40000"/>
+                <a:lumOff val="60000"/>
+              </a:schemeClr>
+            </a:solidFill>
+          </a:ln>
+        </p:spPr>
+        <p:style>
+          <a:lnRef idx="1">
+            <a:schemeClr val="accent1"/>
+          </a:lnRef>
+          <a:fillRef idx="0">
+            <a:schemeClr val="accent1"/>
+          </a:fillRef>
+          <a:effectRef idx="0">
+            <a:schemeClr val="accent1"/>
+          </a:effectRef>
+          <a:fontRef idx="minor">
+            <a:schemeClr val="tx1"/>
+          </a:fontRef>
+        </p:style>
+      </p:cxnSp>
+      <p:grpSp>
+        <p:nvGrpSpPr>
+          <p:cNvPr id="6" name="Group 5"/>
+          <p:cNvGrpSpPr/>
+          <p:nvPr/>
+        </p:nvGrpSpPr>
+        <p:grpSpPr>
+          <a:xfrm>
+            <a:off x="3320" y="50836"/>
+            <a:ext cx="12120606" cy="6713461"/>
+            <a:chOff x="-1397716" y="-18132"/>
+            <a:chExt cx="10330995" cy="6713461"/>
+          </a:xfrm>
+        </p:grpSpPr>
+        <p:sp>
+          <p:nvSpPr>
+            <p:cNvPr id="7" name="Rectangle 6"/>
+            <p:cNvSpPr/>
+            <p:nvPr/>
+          </p:nvSpPr>
+          <p:spPr>
+            <a:xfrm rot="5035462">
+              <a:off x="-161772" y="4423513"/>
+              <a:ext cx="1585823" cy="39128"/>
+            </a:xfrm>
+            <a:prstGeom prst="rect">
+              <a:avLst/>
+            </a:prstGeom>
+          </p:spPr>
+          <p:style>
+            <a:lnRef idx="0">
+              <a:schemeClr val="accent1">
+                <a:tint val="60000"/>
+                <a:hueOff val="0"/>
+                <a:satOff val="0"/>
+                <a:lumOff val="0"/>
+                <a:alphaOff val="0"/>
+              </a:schemeClr>
+            </a:lnRef>
+            <a:fillRef idx="3">
+              <a:schemeClr val="accent1">
+                <a:tint val="60000"/>
+                <a:hueOff val="0"/>
+                <a:satOff val="0"/>
+                <a:lumOff val="0"/>
+                <a:alphaOff val="0"/>
+              </a:schemeClr>
+            </a:fillRef>
+            <a:effectRef idx="2">
+              <a:schemeClr val="accent1">
+                <a:tint val="60000"/>
+                <a:hueOff val="0"/>
+                <a:satOff val="0"/>
+                <a:lumOff val="0"/>
+                <a:alphaOff val="0"/>
+              </a:schemeClr>
+            </a:effectRef>
+            <a:fontRef idx="minor">
+              <a:schemeClr val="lt1"/>
+            </a:fontRef>
+          </p:style>
+        </p:sp>
+        <p:sp>
+          <p:nvSpPr>
+            <p:cNvPr id="8" name="Freeform 7"/>
+            <p:cNvSpPr/>
+            <p:nvPr/>
+          </p:nvSpPr>
+          <p:spPr>
+            <a:xfrm>
+              <a:off x="-1397716" y="2401024"/>
+              <a:ext cx="2896421" cy="2254867"/>
+            </a:xfrm>
+            <a:custGeom>
+              <a:avLst/>
+              <a:gdLst>
+                <a:gd name="connsiteX0" fmla="*/ 0 w 1790836"/>
+                <a:gd name="connsiteY0" fmla="*/ 139368 h 1393675"/>
+                <a:gd name="connsiteX1" fmla="*/ 139368 w 1790836"/>
+                <a:gd name="connsiteY1" fmla="*/ 0 h 1393675"/>
+                <a:gd name="connsiteX2" fmla="*/ 1651469 w 1790836"/>
+                <a:gd name="connsiteY2" fmla="*/ 0 h 1393675"/>
+                <a:gd name="connsiteX3" fmla="*/ 1790837 w 1790836"/>
+                <a:gd name="connsiteY3" fmla="*/ 139368 h 1393675"/>
+                <a:gd name="connsiteX4" fmla="*/ 1790836 w 1790836"/>
+                <a:gd name="connsiteY4" fmla="*/ 1254308 h 1393675"/>
+                <a:gd name="connsiteX5" fmla="*/ 1651468 w 1790836"/>
+                <a:gd name="connsiteY5" fmla="*/ 1393676 h 1393675"/>
+                <a:gd name="connsiteX6" fmla="*/ 139368 w 1790836"/>
+                <a:gd name="connsiteY6" fmla="*/ 1393675 h 1393675"/>
+                <a:gd name="connsiteX7" fmla="*/ 0 w 1790836"/>
+                <a:gd name="connsiteY7" fmla="*/ 1254307 h 1393675"/>
+                <a:gd name="connsiteX8" fmla="*/ 0 w 1790836"/>
+                <a:gd name="connsiteY8" fmla="*/ 139368 h 1393675"/>
+              </a:gdLst>
+              <a:ahLst/>
+              <a:cxnLst>
+                <a:cxn ang="0">
+                  <a:pos x="connsiteX0" y="connsiteY0"/>
+                </a:cxn>
+                <a:cxn ang="0">
+                  <a:pos x="connsiteX1" y="connsiteY1"/>
+                </a:cxn>
+                <a:cxn ang="0">
+                  <a:pos x="connsiteX2" y="connsiteY2"/>
+                </a:cxn>
+                <a:cxn ang="0">
+                  <a:pos x="connsiteX3" y="connsiteY3"/>
+                </a:cxn>
+                <a:cxn ang="0">
+                  <a:pos x="connsiteX4" y="connsiteY4"/>
+                </a:cxn>
+                <a:cxn ang="0">
+                  <a:pos x="connsiteX5" y="connsiteY5"/>
+                </a:cxn>
+                <a:cxn ang="0">
+                  <a:pos x="connsiteX6" y="connsiteY6"/>
+                </a:cxn>
+                <a:cxn ang="0">
+                  <a:pos x="connsiteX7" y="connsiteY7"/>
+                </a:cxn>
+                <a:cxn ang="0">
+                  <a:pos x="connsiteX8" y="connsiteY8"/>
+                </a:cxn>
+              </a:cxnLst>
+              <a:rect l="l" t="t" r="r" b="b"/>
+              <a:pathLst>
+                <a:path w="1790836" h="1393675">
+                  <a:moveTo>
+                    <a:pt x="0" y="139368"/>
+                  </a:moveTo>
+                  <a:cubicBezTo>
+                    <a:pt x="0" y="62397"/>
+                    <a:pt x="62397" y="0"/>
+                    <a:pt x="139368" y="0"/>
+                  </a:cubicBezTo>
+                  <a:lnTo>
+                    <a:pt x="1651469" y="0"/>
+                  </a:lnTo>
+                  <a:cubicBezTo>
+                    <a:pt x="1728440" y="0"/>
+                    <a:pt x="1790837" y="62397"/>
+                    <a:pt x="1790837" y="139368"/>
+                  </a:cubicBezTo>
+                  <a:cubicBezTo>
+                    <a:pt x="1790837" y="511015"/>
+                    <a:pt x="1790836" y="882661"/>
+                    <a:pt x="1790836" y="1254308"/>
+                  </a:cubicBezTo>
+                  <a:cubicBezTo>
+                    <a:pt x="1790836" y="1331279"/>
+                    <a:pt x="1728439" y="1393676"/>
+                    <a:pt x="1651468" y="1393676"/>
+                  </a:cubicBezTo>
+                  <a:lnTo>
+                    <a:pt x="139368" y="1393675"/>
+                  </a:lnTo>
+                  <a:cubicBezTo>
+                    <a:pt x="62397" y="1393675"/>
+                    <a:pt x="0" y="1331278"/>
+                    <a:pt x="0" y="1254307"/>
+                  </a:cubicBezTo>
+                  <a:lnTo>
+                    <a:pt x="0" y="139368"/>
+                  </a:lnTo>
+                  <a:close/>
+                </a:path>
+              </a:pathLst>
+            </a:custGeom>
+          </p:spPr>
+          <p:style>
+            <a:lnRef idx="0">
+              <a:schemeClr val="lt1">
+                <a:hueOff val="0"/>
+                <a:satOff val="0"/>
+                <a:lumOff val="0"/>
+                <a:alphaOff val="0"/>
+              </a:schemeClr>
+            </a:lnRef>
+            <a:fillRef idx="3">
+              <a:schemeClr val="accent1">
+                <a:hueOff val="0"/>
+                <a:satOff val="0"/>
+                <a:lumOff val="0"/>
+                <a:alphaOff val="0"/>
+              </a:schemeClr>
+            </a:fillRef>
+            <a:effectRef idx="2">
+              <a:schemeClr val="accent1">
+                <a:hueOff val="0"/>
+                <a:satOff val="0"/>
+                <a:lumOff val="0"/>
+                <a:alphaOff val="0"/>
+              </a:schemeClr>
+            </a:effectRef>
+            <a:fontRef idx="minor">
+              <a:schemeClr val="lt1"/>
+            </a:fontRef>
+          </p:style>
+          <p:txBody>
+            <a:bodyPr spcFirstLastPara="0" vert="horz" wrap="square" lIns="101779" tIns="101779" rIns="101779" bIns="101779" numCol="1" spcCol="1270" anchor="t" anchorCtr="0">
+              <a:noAutofit/>
+            </a:bodyPr>
+            <a:lstStyle/>
+            <a:p>
+              <a:pPr defTabSz="711200">
+                <a:lnSpc>
+                  <a:spcPct val="90000"/>
+                </a:lnSpc>
+                <a:spcBef>
+                  <a:spcPct val="0"/>
+                </a:spcBef>
+                <a:spcAft>
+                  <a:spcPct val="35000"/>
+                </a:spcAft>
+              </a:pPr>
+              <a:r>
+                <a:rPr lang="en-US" sz="1600" b="1" dirty="0"/>
+                <a:t>Monday: “Dealing with Data”</a:t>
+              </a:r>
+            </a:p>
+            <a:p>
+              <a:pPr defTabSz="711200">
+                <a:lnSpc>
+                  <a:spcPct val="90000"/>
+                </a:lnSpc>
+                <a:spcBef>
+                  <a:spcPct val="0"/>
+                </a:spcBef>
+                <a:spcAft>
+                  <a:spcPct val="35000"/>
+                </a:spcAft>
+              </a:pPr>
+              <a:r>
+                <a:rPr lang="en-US" sz="1600" dirty="0">
+                  <a:solidFill>
+                    <a:srgbClr val="FF85FF"/>
+                  </a:solidFill>
+                </a:rPr>
+                <a:t>● Ecology Meets Epidemiology</a:t>
+              </a:r>
+            </a:p>
+            <a:p>
+              <a:pPr defTabSz="711200">
+                <a:lnSpc>
+                  <a:spcPct val="90000"/>
+                </a:lnSpc>
+                <a:spcBef>
+                  <a:spcPct val="0"/>
+                </a:spcBef>
+                <a:spcAft>
+                  <a:spcPct val="35000"/>
+                </a:spcAft>
+              </a:pPr>
+              <a:r>
+                <a:rPr lang="en-US" sz="1600" dirty="0">
+                  <a:solidFill>
+                    <a:srgbClr val="FF85FF"/>
+                  </a:solidFill>
+                </a:rPr>
+                <a:t>● Linear regression &amp; simple stats</a:t>
+              </a:r>
+            </a:p>
+            <a:p>
+              <a:pPr defTabSz="711200">
+                <a:lnSpc>
+                  <a:spcPct val="90000"/>
+                </a:lnSpc>
+                <a:spcBef>
+                  <a:spcPct val="0"/>
+                </a:spcBef>
+                <a:spcAft>
+                  <a:spcPct val="35000"/>
+                </a:spcAft>
+              </a:pPr>
+              <a:r>
+                <a:rPr lang="en-US" sz="1600" dirty="0">
+                  <a:solidFill>
+                    <a:srgbClr val="FF85FF"/>
+                  </a:solidFill>
+                </a:rPr>
+                <a:t>● Study Design and Data Collection</a:t>
+              </a:r>
+            </a:p>
+            <a:p>
+              <a:pPr defTabSz="711200">
+                <a:lnSpc>
+                  <a:spcPct val="90000"/>
+                </a:lnSpc>
+                <a:spcBef>
+                  <a:spcPct val="0"/>
+                </a:spcBef>
+                <a:spcAft>
+                  <a:spcPct val="35000"/>
+                </a:spcAft>
+              </a:pPr>
+              <a:r>
+                <a:rPr lang="en-US" sz="1600" dirty="0">
+                  <a:solidFill>
+                    <a:srgbClr val="8EFA00"/>
+                  </a:solidFill>
+                </a:rPr>
+                <a:t>●</a:t>
+              </a:r>
+              <a:r>
+                <a:rPr lang="en-US" sz="1600" dirty="0">
+                  <a:solidFill>
+                    <a:srgbClr val="FF85FF"/>
+                  </a:solidFill>
+                </a:rPr>
+                <a:t> </a:t>
+              </a:r>
+              <a:r>
+                <a:rPr lang="en-US" sz="1600" dirty="0">
+                  <a:solidFill>
+                    <a:srgbClr val="8EFA00"/>
+                  </a:solidFill>
+                </a:rPr>
+                <a:t>Basic statistical modeling in R</a:t>
+              </a:r>
+            </a:p>
+            <a:p>
+              <a:pPr defTabSz="711200">
+                <a:lnSpc>
+                  <a:spcPct val="90000"/>
+                </a:lnSpc>
+                <a:spcBef>
+                  <a:spcPct val="0"/>
+                </a:spcBef>
+                <a:spcAft>
+                  <a:spcPct val="35000"/>
+                </a:spcAft>
+              </a:pPr>
+              <a:r>
+                <a:rPr lang="en-US" sz="1600" dirty="0">
+                  <a:solidFill>
+                    <a:srgbClr val="FFFF00"/>
+                  </a:solidFill>
+                </a:rPr>
+                <a:t>● Student introductions &amp; presentations</a:t>
+              </a:r>
+            </a:p>
+            <a:p>
+              <a:pPr defTabSz="711200">
+                <a:lnSpc>
+                  <a:spcPct val="90000"/>
+                </a:lnSpc>
+                <a:spcBef>
+                  <a:spcPct val="0"/>
+                </a:spcBef>
+                <a:spcAft>
+                  <a:spcPct val="35000"/>
+                </a:spcAft>
+              </a:pPr>
+              <a:endParaRPr lang="en-US" sz="1600" dirty="0"/>
+            </a:p>
+            <a:p>
+              <a:pPr marL="114300" lvl="1" indent="-114300" defTabSz="577850">
+                <a:lnSpc>
+                  <a:spcPct val="90000"/>
+                </a:lnSpc>
+                <a:spcBef>
+                  <a:spcPct val="0"/>
+                </a:spcBef>
+                <a:spcAft>
+                  <a:spcPct val="15000"/>
+                </a:spcAft>
+                <a:buChar char="•"/>
+              </a:pPr>
+              <a:endParaRPr lang="en-US" sz="1600" dirty="0"/>
+            </a:p>
+          </p:txBody>
+        </p:sp>
+        <p:sp>
+          <p:nvSpPr>
+            <p:cNvPr id="9" name="Rectangle 8"/>
+            <p:cNvSpPr/>
+            <p:nvPr/>
+          </p:nvSpPr>
+          <p:spPr>
+            <a:xfrm rot="20536532" flipV="1">
+              <a:off x="959792" y="5268883"/>
+              <a:ext cx="3551613" cy="45719"/>
+            </a:xfrm>
+            <a:prstGeom prst="rect">
+              <a:avLst/>
+            </a:prstGeom>
+          </p:spPr>
+          <p:style>
+            <a:lnRef idx="0">
+              <a:schemeClr val="accent1">
+                <a:tint val="60000"/>
+                <a:hueOff val="0"/>
+                <a:satOff val="0"/>
+                <a:lumOff val="0"/>
+                <a:alphaOff val="0"/>
+              </a:schemeClr>
+            </a:lnRef>
+            <a:fillRef idx="3">
+              <a:schemeClr val="accent1">
+                <a:tint val="60000"/>
+                <a:hueOff val="0"/>
+                <a:satOff val="0"/>
+                <a:lumOff val="0"/>
+                <a:alphaOff val="0"/>
+              </a:schemeClr>
+            </a:fillRef>
+            <a:effectRef idx="2">
+              <a:schemeClr val="accent1">
+                <a:tint val="60000"/>
+                <a:hueOff val="0"/>
+                <a:satOff val="0"/>
+                <a:lumOff val="0"/>
+                <a:alphaOff val="0"/>
+              </a:schemeClr>
+            </a:effectRef>
+            <a:fontRef idx="minor">
+              <a:schemeClr val="lt1"/>
+            </a:fontRef>
+          </p:style>
+        </p:sp>
+        <p:sp>
+          <p:nvSpPr>
+            <p:cNvPr id="10" name="Freeform 9"/>
+            <p:cNvSpPr/>
+            <p:nvPr/>
+          </p:nvSpPr>
+          <p:spPr>
+            <a:xfrm>
+              <a:off x="-622062" y="5040230"/>
+              <a:ext cx="3194631" cy="1655099"/>
+            </a:xfrm>
+            <a:custGeom>
+              <a:avLst/>
+              <a:gdLst>
+                <a:gd name="connsiteX0" fmla="*/ 0 w 1738912"/>
+                <a:gd name="connsiteY0" fmla="*/ 136981 h 1369809"/>
+                <a:gd name="connsiteX1" fmla="*/ 136981 w 1738912"/>
+                <a:gd name="connsiteY1" fmla="*/ 0 h 1369809"/>
+                <a:gd name="connsiteX2" fmla="*/ 1601931 w 1738912"/>
+                <a:gd name="connsiteY2" fmla="*/ 0 h 1369809"/>
+                <a:gd name="connsiteX3" fmla="*/ 1738912 w 1738912"/>
+                <a:gd name="connsiteY3" fmla="*/ 136981 h 1369809"/>
+                <a:gd name="connsiteX4" fmla="*/ 1738912 w 1738912"/>
+                <a:gd name="connsiteY4" fmla="*/ 1232828 h 1369809"/>
+                <a:gd name="connsiteX5" fmla="*/ 1601931 w 1738912"/>
+                <a:gd name="connsiteY5" fmla="*/ 1369809 h 1369809"/>
+                <a:gd name="connsiteX6" fmla="*/ 136981 w 1738912"/>
+                <a:gd name="connsiteY6" fmla="*/ 1369809 h 1369809"/>
+                <a:gd name="connsiteX7" fmla="*/ 0 w 1738912"/>
+                <a:gd name="connsiteY7" fmla="*/ 1232828 h 1369809"/>
+                <a:gd name="connsiteX8" fmla="*/ 0 w 1738912"/>
+                <a:gd name="connsiteY8" fmla="*/ 136981 h 1369809"/>
+              </a:gdLst>
+              <a:ahLst/>
+              <a:cxnLst>
+                <a:cxn ang="0">
+                  <a:pos x="connsiteX0" y="connsiteY0"/>
+                </a:cxn>
+                <a:cxn ang="0">
+                  <a:pos x="connsiteX1" y="connsiteY1"/>
+                </a:cxn>
+                <a:cxn ang="0">
+                  <a:pos x="connsiteX2" y="connsiteY2"/>
+                </a:cxn>
+                <a:cxn ang="0">
+                  <a:pos x="connsiteX3" y="connsiteY3"/>
+                </a:cxn>
+                <a:cxn ang="0">
+                  <a:pos x="connsiteX4" y="connsiteY4"/>
+                </a:cxn>
+                <a:cxn ang="0">
+                  <a:pos x="connsiteX5" y="connsiteY5"/>
+                </a:cxn>
+                <a:cxn ang="0">
+                  <a:pos x="connsiteX6" y="connsiteY6"/>
+                </a:cxn>
+                <a:cxn ang="0">
+                  <a:pos x="connsiteX7" y="connsiteY7"/>
+                </a:cxn>
+                <a:cxn ang="0">
+                  <a:pos x="connsiteX8" y="connsiteY8"/>
+                </a:cxn>
+              </a:cxnLst>
+              <a:rect l="l" t="t" r="r" b="b"/>
+              <a:pathLst>
+                <a:path w="1738912" h="1369809">
+                  <a:moveTo>
+                    <a:pt x="0" y="136981"/>
+                  </a:moveTo>
+                  <a:cubicBezTo>
+                    <a:pt x="0" y="61328"/>
+                    <a:pt x="61328" y="0"/>
+                    <a:pt x="136981" y="0"/>
+                  </a:cubicBezTo>
+                  <a:lnTo>
+                    <a:pt x="1601931" y="0"/>
+                  </a:lnTo>
+                  <a:cubicBezTo>
+                    <a:pt x="1677584" y="0"/>
+                    <a:pt x="1738912" y="61328"/>
+                    <a:pt x="1738912" y="136981"/>
+                  </a:cubicBezTo>
+                  <a:lnTo>
+                    <a:pt x="1738912" y="1232828"/>
+                  </a:lnTo>
+                  <a:cubicBezTo>
+                    <a:pt x="1738912" y="1308481"/>
+                    <a:pt x="1677584" y="1369809"/>
+                    <a:pt x="1601931" y="1369809"/>
+                  </a:cubicBezTo>
+                  <a:lnTo>
+                    <a:pt x="136981" y="1369809"/>
+                  </a:lnTo>
+                  <a:cubicBezTo>
+                    <a:pt x="61328" y="1369809"/>
+                    <a:pt x="0" y="1308481"/>
+                    <a:pt x="0" y="1232828"/>
+                  </a:cubicBezTo>
+                  <a:lnTo>
+                    <a:pt x="0" y="136981"/>
+                  </a:lnTo>
+                  <a:close/>
+                </a:path>
+              </a:pathLst>
+            </a:custGeom>
+          </p:spPr>
+          <p:style>
+            <a:lnRef idx="0">
+              <a:schemeClr val="lt1">
+                <a:hueOff val="0"/>
+                <a:satOff val="0"/>
+                <a:lumOff val="0"/>
+                <a:alphaOff val="0"/>
+              </a:schemeClr>
+            </a:lnRef>
+            <a:fillRef idx="3">
+              <a:schemeClr val="accent1">
+                <a:hueOff val="0"/>
+                <a:satOff val="0"/>
+                <a:lumOff val="0"/>
+                <a:alphaOff val="0"/>
+              </a:schemeClr>
+            </a:fillRef>
+            <a:effectRef idx="2">
+              <a:schemeClr val="accent1">
+                <a:hueOff val="0"/>
+                <a:satOff val="0"/>
+                <a:lumOff val="0"/>
+                <a:alphaOff val="0"/>
+              </a:schemeClr>
+            </a:effectRef>
+            <a:fontRef idx="minor">
+              <a:schemeClr val="lt1"/>
+            </a:fontRef>
+          </p:style>
+          <p:txBody>
+            <a:bodyPr spcFirstLastPara="0" vert="horz" wrap="square" lIns="101080" tIns="101080" rIns="101080" bIns="101080" numCol="1" spcCol="1270" anchor="t" anchorCtr="0">
+              <a:noAutofit/>
+            </a:bodyPr>
+            <a:lstStyle/>
+            <a:p>
+              <a:pPr defTabSz="711200">
+                <a:lnSpc>
+                  <a:spcPct val="90000"/>
+                </a:lnSpc>
+                <a:spcBef>
+                  <a:spcPct val="0"/>
+                </a:spcBef>
+                <a:spcAft>
+                  <a:spcPct val="35000"/>
+                </a:spcAft>
+              </a:pPr>
+              <a:r>
+                <a:rPr lang="en-US" sz="1600" b="1" dirty="0"/>
+                <a:t>Tuesday: “Deeper Thinking About Data”</a:t>
+              </a:r>
+            </a:p>
+            <a:p>
+              <a:pPr defTabSz="711200">
+                <a:lnSpc>
+                  <a:spcPct val="90000"/>
+                </a:lnSpc>
+                <a:spcBef>
+                  <a:spcPct val="0"/>
+                </a:spcBef>
+                <a:spcAft>
+                  <a:spcPct val="35000"/>
+                </a:spcAft>
+              </a:pPr>
+              <a:r>
+                <a:rPr lang="en-US" sz="1600" dirty="0">
+                  <a:solidFill>
+                    <a:srgbClr val="FF85FF"/>
+                  </a:solidFill>
+                </a:rPr>
+                <a:t>● Intro to Mixed Modeling</a:t>
+              </a:r>
+            </a:p>
+            <a:p>
+              <a:pPr defTabSz="711200">
+                <a:lnSpc>
+                  <a:spcPct val="90000"/>
+                </a:lnSpc>
+                <a:spcBef>
+                  <a:spcPct val="0"/>
+                </a:spcBef>
+                <a:spcAft>
+                  <a:spcPct val="35000"/>
+                </a:spcAft>
+              </a:pPr>
+              <a:r>
+                <a:rPr lang="en-US" sz="1600" dirty="0">
+                  <a:solidFill>
+                    <a:srgbClr val="8EFA00"/>
+                  </a:solidFill>
+                </a:rPr>
+                <a:t>●</a:t>
+              </a:r>
+              <a:r>
+                <a:rPr lang="en-US" sz="1600" dirty="0">
+                  <a:solidFill>
+                    <a:schemeClr val="accent3">
+                      <a:lumMod val="60000"/>
+                      <a:lumOff val="40000"/>
+                    </a:schemeClr>
+                  </a:solidFill>
+                </a:rPr>
+                <a:t> </a:t>
+              </a:r>
+              <a:r>
+                <a:rPr lang="en-US" sz="1600" dirty="0">
+                  <a:solidFill>
+                    <a:srgbClr val="8EFA00"/>
+                  </a:solidFill>
+                </a:rPr>
+                <a:t>Mixed modeling in R</a:t>
+              </a:r>
+            </a:p>
+            <a:p>
+              <a:pPr defTabSz="711200">
+                <a:lnSpc>
+                  <a:spcPct val="90000"/>
+                </a:lnSpc>
+                <a:spcBef>
+                  <a:spcPct val="0"/>
+                </a:spcBef>
+                <a:spcAft>
+                  <a:spcPct val="35000"/>
+                </a:spcAft>
+              </a:pPr>
+              <a:r>
+                <a:rPr lang="en-US" sz="1600" dirty="0">
+                  <a:solidFill>
+                    <a:srgbClr val="8EFA00"/>
+                  </a:solidFill>
+                </a:rPr>
+                <a:t>●</a:t>
+              </a:r>
+              <a:r>
+                <a:rPr lang="en-US" sz="1600" dirty="0">
+                  <a:solidFill>
+                    <a:schemeClr val="accent3">
+                      <a:lumMod val="60000"/>
+                      <a:lumOff val="40000"/>
+                    </a:schemeClr>
+                  </a:solidFill>
+                </a:rPr>
+                <a:t> </a:t>
+              </a:r>
+              <a:r>
+                <a:rPr lang="en-US" sz="1600" dirty="0">
+                  <a:solidFill>
+                    <a:srgbClr val="8EFA00"/>
+                  </a:solidFill>
+                </a:rPr>
+                <a:t>Dynamical Fever</a:t>
+              </a:r>
+            </a:p>
+            <a:p>
+              <a:pPr defTabSz="711200">
+                <a:lnSpc>
+                  <a:spcPct val="90000"/>
+                </a:lnSpc>
+                <a:spcBef>
+                  <a:spcPct val="0"/>
+                </a:spcBef>
+                <a:spcAft>
+                  <a:spcPct val="35000"/>
+                </a:spcAft>
+              </a:pPr>
+              <a:r>
+                <a:rPr lang="en-US" sz="1600" dirty="0">
+                  <a:solidFill>
+                    <a:srgbClr val="FFFF00"/>
+                  </a:solidFill>
+                </a:rPr>
+                <a:t>● Formulating research questions</a:t>
+              </a:r>
+            </a:p>
+          </p:txBody>
+        </p:sp>
+        <p:sp>
+          <p:nvSpPr>
+            <p:cNvPr id="11" name="Rectangle 10"/>
+            <p:cNvSpPr/>
+            <p:nvPr/>
+          </p:nvSpPr>
+          <p:spPr>
+            <a:xfrm rot="13134073">
+              <a:off x="5110411" y="884788"/>
+              <a:ext cx="2300479" cy="53639"/>
+            </a:xfrm>
+            <a:prstGeom prst="rect">
+              <a:avLst/>
+            </a:prstGeom>
+          </p:spPr>
+          <p:style>
+            <a:lnRef idx="0">
+              <a:schemeClr val="accent1">
+                <a:tint val="60000"/>
+                <a:hueOff val="0"/>
+                <a:satOff val="0"/>
+                <a:lumOff val="0"/>
+                <a:alphaOff val="0"/>
+              </a:schemeClr>
+            </a:lnRef>
+            <a:fillRef idx="3">
+              <a:schemeClr val="accent1">
+                <a:tint val="60000"/>
+                <a:hueOff val="0"/>
+                <a:satOff val="0"/>
+                <a:lumOff val="0"/>
+                <a:alphaOff val="0"/>
+              </a:schemeClr>
+            </a:fillRef>
+            <a:effectRef idx="2">
+              <a:schemeClr val="accent1">
+                <a:tint val="60000"/>
+                <a:hueOff val="0"/>
+                <a:satOff val="0"/>
+                <a:lumOff val="0"/>
+                <a:alphaOff val="0"/>
+              </a:schemeClr>
+            </a:effectRef>
+            <a:fontRef idx="minor">
+              <a:schemeClr val="lt1"/>
+            </a:fontRef>
+          </p:style>
+        </p:sp>
+        <p:sp>
+          <p:nvSpPr>
+            <p:cNvPr id="13" name="Rectangle 12"/>
+            <p:cNvSpPr/>
+            <p:nvPr/>
+          </p:nvSpPr>
+          <p:spPr>
+            <a:xfrm rot="16037829">
+              <a:off x="2521147" y="2280011"/>
+              <a:ext cx="4018628" cy="33351"/>
+            </a:xfrm>
+            <a:prstGeom prst="rect">
+              <a:avLst/>
+            </a:prstGeom>
+          </p:spPr>
+          <p:style>
+            <a:lnRef idx="0">
+              <a:schemeClr val="accent1">
+                <a:tint val="60000"/>
+                <a:hueOff val="0"/>
+                <a:satOff val="0"/>
+                <a:lumOff val="0"/>
+                <a:alphaOff val="0"/>
+              </a:schemeClr>
+            </a:lnRef>
+            <a:fillRef idx="3">
+              <a:schemeClr val="accent1">
+                <a:tint val="60000"/>
+                <a:hueOff val="0"/>
+                <a:satOff val="0"/>
+                <a:lumOff val="0"/>
+                <a:alphaOff val="0"/>
+              </a:schemeClr>
+            </a:fillRef>
+            <a:effectRef idx="2">
+              <a:schemeClr val="accent1">
+                <a:tint val="60000"/>
+                <a:hueOff val="0"/>
+                <a:satOff val="0"/>
+                <a:lumOff val="0"/>
+                <a:alphaOff val="0"/>
+              </a:schemeClr>
+            </a:effectRef>
+            <a:fontRef idx="minor">
+              <a:schemeClr val="lt1"/>
+            </a:fontRef>
+          </p:style>
+        </p:sp>
+        <p:sp>
+          <p:nvSpPr>
+            <p:cNvPr id="14" name="Freeform 13"/>
+            <p:cNvSpPr/>
+            <p:nvPr/>
+          </p:nvSpPr>
+          <p:spPr>
+            <a:xfrm>
+              <a:off x="2448140" y="-18132"/>
+              <a:ext cx="3581816" cy="2598368"/>
+            </a:xfrm>
+            <a:custGeom>
+              <a:avLst/>
+              <a:gdLst>
+                <a:gd name="connsiteX0" fmla="*/ 0 w 2391641"/>
+                <a:gd name="connsiteY0" fmla="*/ 237651 h 2376514"/>
+                <a:gd name="connsiteX1" fmla="*/ 237651 w 2391641"/>
+                <a:gd name="connsiteY1" fmla="*/ 0 h 2376514"/>
+                <a:gd name="connsiteX2" fmla="*/ 2153990 w 2391641"/>
+                <a:gd name="connsiteY2" fmla="*/ 0 h 2376514"/>
+                <a:gd name="connsiteX3" fmla="*/ 2391641 w 2391641"/>
+                <a:gd name="connsiteY3" fmla="*/ 237651 h 2376514"/>
+                <a:gd name="connsiteX4" fmla="*/ 2391641 w 2391641"/>
+                <a:gd name="connsiteY4" fmla="*/ 2138863 h 2376514"/>
+                <a:gd name="connsiteX5" fmla="*/ 2153990 w 2391641"/>
+                <a:gd name="connsiteY5" fmla="*/ 2376514 h 2376514"/>
+                <a:gd name="connsiteX6" fmla="*/ 237651 w 2391641"/>
+                <a:gd name="connsiteY6" fmla="*/ 2376514 h 2376514"/>
+                <a:gd name="connsiteX7" fmla="*/ 0 w 2391641"/>
+                <a:gd name="connsiteY7" fmla="*/ 2138863 h 2376514"/>
+                <a:gd name="connsiteX8" fmla="*/ 0 w 2391641"/>
+                <a:gd name="connsiteY8" fmla="*/ 237651 h 2376514"/>
+              </a:gdLst>
+              <a:ahLst/>
+              <a:cxnLst>
+                <a:cxn ang="0">
+                  <a:pos x="connsiteX0" y="connsiteY0"/>
+                </a:cxn>
+                <a:cxn ang="0">
+                  <a:pos x="connsiteX1" y="connsiteY1"/>
+                </a:cxn>
+                <a:cxn ang="0">
+                  <a:pos x="connsiteX2" y="connsiteY2"/>
+                </a:cxn>
+                <a:cxn ang="0">
+                  <a:pos x="connsiteX3" y="connsiteY3"/>
+                </a:cxn>
+                <a:cxn ang="0">
+                  <a:pos x="connsiteX4" y="connsiteY4"/>
+                </a:cxn>
+                <a:cxn ang="0">
+                  <a:pos x="connsiteX5" y="connsiteY5"/>
+                </a:cxn>
+                <a:cxn ang="0">
+                  <a:pos x="connsiteX6" y="connsiteY6"/>
+                </a:cxn>
+                <a:cxn ang="0">
+                  <a:pos x="connsiteX7" y="connsiteY7"/>
+                </a:cxn>
+                <a:cxn ang="0">
+                  <a:pos x="connsiteX8" y="connsiteY8"/>
+                </a:cxn>
+              </a:cxnLst>
+              <a:rect l="l" t="t" r="r" b="b"/>
+              <a:pathLst>
+                <a:path w="2391641" h="2376514">
+                  <a:moveTo>
+                    <a:pt x="0" y="237651"/>
+                  </a:moveTo>
+                  <a:cubicBezTo>
+                    <a:pt x="0" y="106400"/>
+                    <a:pt x="106400" y="0"/>
+                    <a:pt x="237651" y="0"/>
+                  </a:cubicBezTo>
+                  <a:lnTo>
+                    <a:pt x="2153990" y="0"/>
+                  </a:lnTo>
+                  <a:cubicBezTo>
+                    <a:pt x="2285241" y="0"/>
+                    <a:pt x="2391641" y="106400"/>
+                    <a:pt x="2391641" y="237651"/>
+                  </a:cubicBezTo>
+                  <a:lnTo>
+                    <a:pt x="2391641" y="2138863"/>
+                  </a:lnTo>
+                  <a:cubicBezTo>
+                    <a:pt x="2391641" y="2270114"/>
+                    <a:pt x="2285241" y="2376514"/>
+                    <a:pt x="2153990" y="2376514"/>
+                  </a:cubicBezTo>
+                  <a:lnTo>
+                    <a:pt x="237651" y="2376514"/>
+                  </a:lnTo>
+                  <a:cubicBezTo>
+                    <a:pt x="106400" y="2376514"/>
+                    <a:pt x="0" y="2270114"/>
+                    <a:pt x="0" y="2138863"/>
+                  </a:cubicBezTo>
+                  <a:lnTo>
+                    <a:pt x="0" y="237651"/>
+                  </a:lnTo>
+                  <a:close/>
+                </a:path>
+              </a:pathLst>
+            </a:custGeom>
+          </p:spPr>
+          <p:style>
+            <a:lnRef idx="0">
+              <a:schemeClr val="lt1">
+                <a:hueOff val="0"/>
+                <a:satOff val="0"/>
+                <a:lumOff val="0"/>
+                <a:alphaOff val="0"/>
+              </a:schemeClr>
+            </a:lnRef>
+            <a:fillRef idx="3">
+              <a:schemeClr val="accent1">
+                <a:hueOff val="0"/>
+                <a:satOff val="0"/>
+                <a:lumOff val="0"/>
+                <a:alphaOff val="0"/>
+              </a:schemeClr>
+            </a:fillRef>
+            <a:effectRef idx="2">
+              <a:schemeClr val="accent1">
+                <a:hueOff val="0"/>
+                <a:satOff val="0"/>
+                <a:lumOff val="0"/>
+                <a:alphaOff val="0"/>
+              </a:schemeClr>
+            </a:effectRef>
+            <a:fontRef idx="minor">
+              <a:schemeClr val="lt1"/>
+            </a:fontRef>
+          </p:style>
+          <p:txBody>
+            <a:bodyPr spcFirstLastPara="0" vert="horz" wrap="square" lIns="130566" tIns="130566" rIns="130566" bIns="130566" numCol="1" spcCol="1270" anchor="t" anchorCtr="0">
+              <a:noAutofit/>
+            </a:bodyPr>
+            <a:lstStyle/>
+            <a:p>
+              <a:pPr defTabSz="711200">
+                <a:lnSpc>
+                  <a:spcPct val="90000"/>
+                </a:lnSpc>
+                <a:spcBef>
+                  <a:spcPct val="0"/>
+                </a:spcBef>
+                <a:spcAft>
+                  <a:spcPct val="35000"/>
+                </a:spcAft>
+              </a:pPr>
+              <a:r>
+                <a:rPr lang="en-US" sz="1600" b="1" dirty="0"/>
+                <a:t>Thursday: “Fitting Models to Data”</a:t>
+              </a:r>
+            </a:p>
+            <a:p>
+              <a:pPr defTabSz="711200">
+                <a:lnSpc>
+                  <a:spcPct val="90000"/>
+                </a:lnSpc>
+                <a:spcBef>
+                  <a:spcPct val="0"/>
+                </a:spcBef>
+                <a:spcAft>
+                  <a:spcPct val="35000"/>
+                </a:spcAft>
+              </a:pPr>
+              <a:r>
+                <a:rPr lang="en-US" sz="1600" dirty="0">
+                  <a:solidFill>
+                    <a:srgbClr val="FF85FF"/>
+                  </a:solidFill>
+                </a:rPr>
+                <a:t>● Model Fitting in Practice </a:t>
+              </a:r>
+              <a:r>
+                <a:rPr lang="mr-IN" sz="1600" dirty="0">
+                  <a:solidFill>
+                    <a:srgbClr val="FF85FF"/>
+                  </a:solidFill>
+                </a:rPr>
+                <a:t>–</a:t>
+              </a:r>
+              <a:r>
+                <a:rPr lang="en-US" sz="1600" dirty="0">
+                  <a:solidFill>
+                    <a:srgbClr val="FF85FF"/>
+                  </a:solidFill>
+                </a:rPr>
+                <a:t> the Basic Concept</a:t>
+              </a:r>
+            </a:p>
+            <a:p>
+              <a:pPr defTabSz="711200">
+                <a:lnSpc>
+                  <a:spcPct val="90000"/>
+                </a:lnSpc>
+                <a:spcBef>
+                  <a:spcPct val="0"/>
+                </a:spcBef>
+                <a:spcAft>
+                  <a:spcPct val="35000"/>
+                </a:spcAft>
+              </a:pPr>
+              <a:r>
+                <a:rPr lang="en-US" sz="1600" dirty="0">
+                  <a:solidFill>
+                    <a:srgbClr val="FF85FF"/>
+                  </a:solidFill>
+                </a:rPr>
+                <a:t>● Introduction to Occupancy Modeling</a:t>
+              </a:r>
+            </a:p>
+            <a:p>
+              <a:pPr defTabSz="711200">
+                <a:lnSpc>
+                  <a:spcPct val="90000"/>
+                </a:lnSpc>
+                <a:spcBef>
+                  <a:spcPct val="0"/>
+                </a:spcBef>
+                <a:spcAft>
+                  <a:spcPct val="35000"/>
+                </a:spcAft>
+              </a:pPr>
+              <a:r>
+                <a:rPr lang="en-US" sz="1600" dirty="0">
+                  <a:solidFill>
+                    <a:srgbClr val="8EFA00"/>
+                  </a:solidFill>
+                </a:rPr>
+                <a:t>● Occupancy modeling in R</a:t>
+              </a:r>
+              <a:endParaRPr lang="en-US" sz="1600" dirty="0">
+                <a:solidFill>
+                  <a:srgbClr val="FF85FF"/>
+                </a:solidFill>
+              </a:endParaRPr>
+            </a:p>
+            <a:p>
+              <a:pPr defTabSz="711200">
+                <a:lnSpc>
+                  <a:spcPct val="90000"/>
+                </a:lnSpc>
+                <a:spcBef>
+                  <a:spcPct val="0"/>
+                </a:spcBef>
+                <a:spcAft>
+                  <a:spcPct val="35000"/>
+                </a:spcAft>
+              </a:pPr>
+              <a:r>
+                <a:rPr lang="en-US" sz="1600" dirty="0">
+                  <a:solidFill>
+                    <a:srgbClr val="8EFA00"/>
+                  </a:solidFill>
+                </a:rPr>
+                <a:t>● Epidemic Cards</a:t>
+              </a:r>
+            </a:p>
+            <a:p>
+              <a:pPr defTabSz="711200">
+                <a:lnSpc>
+                  <a:spcPct val="90000"/>
+                </a:lnSpc>
+                <a:spcBef>
+                  <a:spcPct val="0"/>
+                </a:spcBef>
+                <a:spcAft>
+                  <a:spcPct val="35000"/>
+                </a:spcAft>
+              </a:pPr>
+              <a:r>
+                <a:rPr lang="en-US" sz="1600" dirty="0">
+                  <a:solidFill>
+                    <a:srgbClr val="8EFA00"/>
+                  </a:solidFill>
+                </a:rPr>
+                <a:t>● Model Fitting with Epidemic Cards</a:t>
+              </a:r>
+            </a:p>
+            <a:p>
+              <a:pPr defTabSz="711200">
+                <a:lnSpc>
+                  <a:spcPct val="90000"/>
+                </a:lnSpc>
+                <a:spcBef>
+                  <a:spcPct val="0"/>
+                </a:spcBef>
+                <a:spcAft>
+                  <a:spcPct val="35000"/>
+                </a:spcAft>
+              </a:pPr>
+              <a:r>
+                <a:rPr lang="en-US" sz="1600" dirty="0">
+                  <a:solidFill>
+                    <a:srgbClr val="8EFA00"/>
+                  </a:solidFill>
+                </a:rPr>
+                <a:t>● Model Selection and Comparison</a:t>
+              </a:r>
+              <a:endParaRPr lang="en-US" sz="1600" dirty="0">
+                <a:solidFill>
+                  <a:srgbClr val="FFFF00"/>
+                </a:solidFill>
+              </a:endParaRPr>
+            </a:p>
+            <a:p>
+              <a:pPr defTabSz="711200">
+                <a:lnSpc>
+                  <a:spcPct val="90000"/>
+                </a:lnSpc>
+                <a:spcBef>
+                  <a:spcPct val="0"/>
+                </a:spcBef>
+                <a:spcAft>
+                  <a:spcPct val="35000"/>
+                </a:spcAft>
+              </a:pPr>
+              <a:r>
+                <a:rPr lang="en-US" sz="1600" dirty="0">
+                  <a:solidFill>
+                    <a:srgbClr val="FFFF00"/>
+                  </a:solidFill>
+                </a:rPr>
+                <a:t>● Model Telephone</a:t>
+              </a:r>
+            </a:p>
+            <a:p>
+              <a:pPr defTabSz="711200">
+                <a:lnSpc>
+                  <a:spcPct val="90000"/>
+                </a:lnSpc>
+                <a:spcBef>
+                  <a:spcPct val="0"/>
+                </a:spcBef>
+                <a:spcAft>
+                  <a:spcPct val="35000"/>
+                </a:spcAft>
+              </a:pPr>
+              <a:endParaRPr lang="en-US" sz="1300" dirty="0"/>
+            </a:p>
+          </p:txBody>
+        </p:sp>
+        <p:sp>
+          <p:nvSpPr>
+            <p:cNvPr id="15" name="Rectangle 14"/>
+            <p:cNvSpPr/>
+            <p:nvPr/>
+          </p:nvSpPr>
+          <p:spPr>
+            <a:xfrm rot="5846445">
+              <a:off x="6689146" y="2667287"/>
+              <a:ext cx="2447242" cy="39128"/>
+            </a:xfrm>
+            <a:prstGeom prst="rect">
+              <a:avLst/>
+            </a:prstGeom>
+          </p:spPr>
+          <p:style>
+            <a:lnRef idx="0">
+              <a:schemeClr val="accent1">
+                <a:tint val="60000"/>
+                <a:hueOff val="0"/>
+                <a:satOff val="0"/>
+                <a:lumOff val="0"/>
+                <a:alphaOff val="0"/>
+              </a:schemeClr>
+            </a:lnRef>
+            <a:fillRef idx="3">
+              <a:schemeClr val="accent1">
+                <a:tint val="60000"/>
+                <a:hueOff val="0"/>
+                <a:satOff val="0"/>
+                <a:lumOff val="0"/>
+                <a:alphaOff val="0"/>
+              </a:schemeClr>
+            </a:fillRef>
+            <a:effectRef idx="2">
+              <a:schemeClr val="accent1">
+                <a:tint val="60000"/>
+                <a:hueOff val="0"/>
+                <a:satOff val="0"/>
+                <a:lumOff val="0"/>
+                <a:alphaOff val="0"/>
+              </a:schemeClr>
+            </a:effectRef>
+            <a:fontRef idx="minor">
+              <a:schemeClr val="lt1"/>
+            </a:fontRef>
+          </p:style>
+        </p:sp>
+        <p:sp>
+          <p:nvSpPr>
+            <p:cNvPr id="16" name="Freeform 15"/>
+            <p:cNvSpPr/>
+            <p:nvPr/>
+          </p:nvSpPr>
+          <p:spPr>
+            <a:xfrm>
+              <a:off x="6127377" y="1290468"/>
+              <a:ext cx="2785884" cy="2154759"/>
+            </a:xfrm>
+            <a:custGeom>
+              <a:avLst/>
+              <a:gdLst>
+                <a:gd name="connsiteX0" fmla="*/ 0 w 2743248"/>
+                <a:gd name="connsiteY0" fmla="*/ 240621 h 2406205"/>
+                <a:gd name="connsiteX1" fmla="*/ 240621 w 2743248"/>
+                <a:gd name="connsiteY1" fmla="*/ 0 h 2406205"/>
+                <a:gd name="connsiteX2" fmla="*/ 2502628 w 2743248"/>
+                <a:gd name="connsiteY2" fmla="*/ 0 h 2406205"/>
+                <a:gd name="connsiteX3" fmla="*/ 2743249 w 2743248"/>
+                <a:gd name="connsiteY3" fmla="*/ 240621 h 2406205"/>
+                <a:gd name="connsiteX4" fmla="*/ 2743248 w 2743248"/>
+                <a:gd name="connsiteY4" fmla="*/ 2165585 h 2406205"/>
+                <a:gd name="connsiteX5" fmla="*/ 2502627 w 2743248"/>
+                <a:gd name="connsiteY5" fmla="*/ 2406206 h 2406205"/>
+                <a:gd name="connsiteX6" fmla="*/ 240621 w 2743248"/>
+                <a:gd name="connsiteY6" fmla="*/ 2406205 h 2406205"/>
+                <a:gd name="connsiteX7" fmla="*/ 0 w 2743248"/>
+                <a:gd name="connsiteY7" fmla="*/ 2165584 h 2406205"/>
+                <a:gd name="connsiteX8" fmla="*/ 0 w 2743248"/>
+                <a:gd name="connsiteY8" fmla="*/ 240621 h 2406205"/>
+              </a:gdLst>
+              <a:ahLst/>
+              <a:cxnLst>
+                <a:cxn ang="0">
+                  <a:pos x="connsiteX0" y="connsiteY0"/>
+                </a:cxn>
+                <a:cxn ang="0">
+                  <a:pos x="connsiteX1" y="connsiteY1"/>
+                </a:cxn>
+                <a:cxn ang="0">
+                  <a:pos x="connsiteX2" y="connsiteY2"/>
+                </a:cxn>
+                <a:cxn ang="0">
+                  <a:pos x="connsiteX3" y="connsiteY3"/>
+                </a:cxn>
+                <a:cxn ang="0">
+                  <a:pos x="connsiteX4" y="connsiteY4"/>
+                </a:cxn>
+                <a:cxn ang="0">
+                  <a:pos x="connsiteX5" y="connsiteY5"/>
+                </a:cxn>
+                <a:cxn ang="0">
+                  <a:pos x="connsiteX6" y="connsiteY6"/>
+                </a:cxn>
+                <a:cxn ang="0">
+                  <a:pos x="connsiteX7" y="connsiteY7"/>
+                </a:cxn>
+                <a:cxn ang="0">
+                  <a:pos x="connsiteX8" y="connsiteY8"/>
+                </a:cxn>
+              </a:cxnLst>
+              <a:rect l="l" t="t" r="r" b="b"/>
+              <a:pathLst>
+                <a:path w="2743248" h="2406205">
+                  <a:moveTo>
+                    <a:pt x="0" y="240621"/>
+                  </a:moveTo>
+                  <a:cubicBezTo>
+                    <a:pt x="0" y="107730"/>
+                    <a:pt x="107730" y="0"/>
+                    <a:pt x="240621" y="0"/>
+                  </a:cubicBezTo>
+                  <a:lnTo>
+                    <a:pt x="2502628" y="0"/>
+                  </a:lnTo>
+                  <a:cubicBezTo>
+                    <a:pt x="2635519" y="0"/>
+                    <a:pt x="2743249" y="107730"/>
+                    <a:pt x="2743249" y="240621"/>
+                  </a:cubicBezTo>
+                  <a:cubicBezTo>
+                    <a:pt x="2743249" y="882276"/>
+                    <a:pt x="2743248" y="1523930"/>
+                    <a:pt x="2743248" y="2165585"/>
+                  </a:cubicBezTo>
+                  <a:cubicBezTo>
+                    <a:pt x="2743248" y="2298476"/>
+                    <a:pt x="2635518" y="2406206"/>
+                    <a:pt x="2502627" y="2406206"/>
+                  </a:cubicBezTo>
+                  <a:lnTo>
+                    <a:pt x="240621" y="2406205"/>
+                  </a:lnTo>
+                  <a:cubicBezTo>
+                    <a:pt x="107730" y="2406205"/>
+                    <a:pt x="0" y="2298475"/>
+                    <a:pt x="0" y="2165584"/>
+                  </a:cubicBezTo>
+                  <a:lnTo>
+                    <a:pt x="0" y="240621"/>
+                  </a:lnTo>
+                  <a:close/>
+                </a:path>
+              </a:pathLst>
+            </a:custGeom>
+          </p:spPr>
+          <p:style>
+            <a:lnRef idx="0">
+              <a:schemeClr val="lt1">
+                <a:hueOff val="0"/>
+                <a:satOff val="0"/>
+                <a:lumOff val="0"/>
+                <a:alphaOff val="0"/>
+              </a:schemeClr>
+            </a:lnRef>
+            <a:fillRef idx="3">
+              <a:schemeClr val="accent1">
+                <a:hueOff val="0"/>
+                <a:satOff val="0"/>
+                <a:lumOff val="0"/>
+                <a:alphaOff val="0"/>
+              </a:schemeClr>
+            </a:fillRef>
+            <a:effectRef idx="2">
+              <a:schemeClr val="accent1">
+                <a:hueOff val="0"/>
+                <a:satOff val="0"/>
+                <a:lumOff val="0"/>
+                <a:alphaOff val="0"/>
+              </a:schemeClr>
+            </a:effectRef>
+            <a:fontRef idx="minor">
+              <a:schemeClr val="lt1"/>
+            </a:fontRef>
+          </p:style>
+          <p:txBody>
+            <a:bodyPr spcFirstLastPara="0" vert="horz" wrap="square" lIns="131435" tIns="131435" rIns="131435" bIns="131435" numCol="1" spcCol="1270" anchor="t" anchorCtr="0">
+              <a:noAutofit/>
+            </a:bodyPr>
+            <a:lstStyle/>
+            <a:p>
+              <a:pPr defTabSz="711200">
+                <a:lnSpc>
+                  <a:spcPct val="90000"/>
+                </a:lnSpc>
+                <a:spcBef>
+                  <a:spcPct val="0"/>
+                </a:spcBef>
+                <a:spcAft>
+                  <a:spcPct val="35000"/>
+                </a:spcAft>
+              </a:pPr>
+              <a:r>
+                <a:rPr lang="en-US" sz="1600" b="1" dirty="0"/>
+                <a:t>Friday: “Refining Your Work” </a:t>
+              </a:r>
+            </a:p>
+            <a:p>
+              <a:pPr defTabSz="711200">
+                <a:lnSpc>
+                  <a:spcPct val="90000"/>
+                </a:lnSpc>
+                <a:spcBef>
+                  <a:spcPct val="0"/>
+                </a:spcBef>
+                <a:spcAft>
+                  <a:spcPct val="35000"/>
+                </a:spcAft>
+              </a:pPr>
+              <a:r>
+                <a:rPr lang="en-US" sz="1600" dirty="0">
+                  <a:solidFill>
+                    <a:srgbClr val="FF85FF"/>
+                  </a:solidFill>
+                </a:rPr>
+                <a:t>● Intro to Network Modeling</a:t>
+              </a:r>
+            </a:p>
+            <a:p>
+              <a:pPr defTabSz="711200">
+                <a:lnSpc>
+                  <a:spcPct val="90000"/>
+                </a:lnSpc>
+                <a:spcBef>
+                  <a:spcPct val="0"/>
+                </a:spcBef>
+                <a:spcAft>
+                  <a:spcPct val="35000"/>
+                </a:spcAft>
+              </a:pPr>
+              <a:r>
+                <a:rPr lang="en-US" sz="1600" dirty="0">
+                  <a:solidFill>
+                    <a:srgbClr val="FF85FF"/>
+                  </a:solidFill>
+                </a:rPr>
+                <a:t>● Intro to Spatial Modeling</a:t>
+              </a:r>
+              <a:endParaRPr lang="en-US" sz="1600" dirty="0">
+                <a:solidFill>
+                  <a:srgbClr val="8EFA00"/>
+                </a:solidFill>
+              </a:endParaRPr>
+            </a:p>
+            <a:p>
+              <a:pPr defTabSz="711200">
+                <a:lnSpc>
+                  <a:spcPct val="90000"/>
+                </a:lnSpc>
+                <a:spcBef>
+                  <a:spcPct val="0"/>
+                </a:spcBef>
+                <a:spcAft>
+                  <a:spcPct val="35000"/>
+                </a:spcAft>
+              </a:pPr>
+              <a:r>
+                <a:rPr lang="en-US" sz="1600" dirty="0">
+                  <a:solidFill>
+                    <a:srgbClr val="FF85FF"/>
+                  </a:solidFill>
+                </a:rPr>
+                <a:t>● Reading a Scientific Paper</a:t>
+              </a:r>
+            </a:p>
+            <a:p>
+              <a:pPr defTabSz="711200">
+                <a:lnSpc>
+                  <a:spcPct val="90000"/>
+                </a:lnSpc>
+                <a:spcBef>
+                  <a:spcPct val="0"/>
+                </a:spcBef>
+                <a:spcAft>
+                  <a:spcPct val="35000"/>
+                </a:spcAft>
+              </a:pPr>
+              <a:r>
+                <a:rPr lang="en-US" sz="1600" dirty="0">
+                  <a:solidFill>
+                    <a:srgbClr val="8EFA00"/>
+                  </a:solidFill>
+                </a:rPr>
+                <a:t>● Modeling Vector-Borne Disease</a:t>
+              </a:r>
+            </a:p>
+            <a:p>
+              <a:pPr defTabSz="711200">
+                <a:lnSpc>
+                  <a:spcPct val="90000"/>
+                </a:lnSpc>
+                <a:spcBef>
+                  <a:spcPct val="0"/>
+                </a:spcBef>
+                <a:spcAft>
+                  <a:spcPct val="35000"/>
+                </a:spcAft>
+              </a:pPr>
+              <a:r>
+                <a:rPr lang="en-US" sz="1600" dirty="0">
+                  <a:solidFill>
+                    <a:srgbClr val="FFFF00"/>
+                  </a:solidFill>
+                </a:rPr>
+                <a:t>● Final research plans</a:t>
+              </a:r>
+            </a:p>
+          </p:txBody>
+        </p:sp>
+        <p:sp>
+          <p:nvSpPr>
+            <p:cNvPr id="17" name="Rectangle 16"/>
+            <p:cNvSpPr/>
+            <p:nvPr/>
+          </p:nvSpPr>
+          <p:spPr>
+            <a:xfrm rot="8127676">
+              <a:off x="6265673" y="5009131"/>
+              <a:ext cx="2075619" cy="53639"/>
+            </a:xfrm>
+            <a:prstGeom prst="rect">
+              <a:avLst/>
+            </a:prstGeom>
+          </p:spPr>
+          <p:style>
+            <a:lnRef idx="0">
+              <a:schemeClr val="accent1">
+                <a:tint val="60000"/>
+                <a:hueOff val="0"/>
+                <a:satOff val="0"/>
+                <a:lumOff val="0"/>
+                <a:alphaOff val="0"/>
+              </a:schemeClr>
+            </a:lnRef>
+            <a:fillRef idx="3">
+              <a:schemeClr val="accent1">
+                <a:tint val="60000"/>
+                <a:hueOff val="0"/>
+                <a:satOff val="0"/>
+                <a:lumOff val="0"/>
+                <a:alphaOff val="0"/>
+              </a:schemeClr>
+            </a:fillRef>
+            <a:effectRef idx="2">
+              <a:schemeClr val="accent1">
+                <a:tint val="60000"/>
+                <a:hueOff val="0"/>
+                <a:satOff val="0"/>
+                <a:lumOff val="0"/>
+                <a:alphaOff val="0"/>
+              </a:schemeClr>
+            </a:effectRef>
+            <a:fontRef idx="minor">
+              <a:schemeClr val="lt1"/>
+            </a:fontRef>
+          </p:style>
+        </p:sp>
+        <p:sp>
+          <p:nvSpPr>
+            <p:cNvPr id="18" name="Freeform 17"/>
+            <p:cNvSpPr/>
+            <p:nvPr/>
+          </p:nvSpPr>
+          <p:spPr>
+            <a:xfrm>
+              <a:off x="5820977" y="3810127"/>
+              <a:ext cx="3112302" cy="1635502"/>
+            </a:xfrm>
+            <a:custGeom>
+              <a:avLst/>
+              <a:gdLst>
+                <a:gd name="connsiteX0" fmla="*/ 0 w 2615623"/>
+                <a:gd name="connsiteY0" fmla="*/ 193785 h 1937852"/>
+                <a:gd name="connsiteX1" fmla="*/ 193785 w 2615623"/>
+                <a:gd name="connsiteY1" fmla="*/ 0 h 1937852"/>
+                <a:gd name="connsiteX2" fmla="*/ 2421838 w 2615623"/>
+                <a:gd name="connsiteY2" fmla="*/ 0 h 1937852"/>
+                <a:gd name="connsiteX3" fmla="*/ 2615623 w 2615623"/>
+                <a:gd name="connsiteY3" fmla="*/ 193785 h 1937852"/>
+                <a:gd name="connsiteX4" fmla="*/ 2615623 w 2615623"/>
+                <a:gd name="connsiteY4" fmla="*/ 1744067 h 1937852"/>
+                <a:gd name="connsiteX5" fmla="*/ 2421838 w 2615623"/>
+                <a:gd name="connsiteY5" fmla="*/ 1937852 h 1937852"/>
+                <a:gd name="connsiteX6" fmla="*/ 193785 w 2615623"/>
+                <a:gd name="connsiteY6" fmla="*/ 1937852 h 1937852"/>
+                <a:gd name="connsiteX7" fmla="*/ 0 w 2615623"/>
+                <a:gd name="connsiteY7" fmla="*/ 1744067 h 1937852"/>
+                <a:gd name="connsiteX8" fmla="*/ 0 w 2615623"/>
+                <a:gd name="connsiteY8" fmla="*/ 193785 h 1937852"/>
+              </a:gdLst>
+              <a:ahLst/>
+              <a:cxnLst>
+                <a:cxn ang="0">
+                  <a:pos x="connsiteX0" y="connsiteY0"/>
+                </a:cxn>
+                <a:cxn ang="0">
+                  <a:pos x="connsiteX1" y="connsiteY1"/>
+                </a:cxn>
+                <a:cxn ang="0">
+                  <a:pos x="connsiteX2" y="connsiteY2"/>
+                </a:cxn>
+                <a:cxn ang="0">
+                  <a:pos x="connsiteX3" y="connsiteY3"/>
+                </a:cxn>
+                <a:cxn ang="0">
+                  <a:pos x="connsiteX4" y="connsiteY4"/>
+                </a:cxn>
+                <a:cxn ang="0">
+                  <a:pos x="connsiteX5" y="connsiteY5"/>
+                </a:cxn>
+                <a:cxn ang="0">
+                  <a:pos x="connsiteX6" y="connsiteY6"/>
+                </a:cxn>
+                <a:cxn ang="0">
+                  <a:pos x="connsiteX7" y="connsiteY7"/>
+                </a:cxn>
+                <a:cxn ang="0">
+                  <a:pos x="connsiteX8" y="connsiteY8"/>
+                </a:cxn>
+              </a:cxnLst>
+              <a:rect l="l" t="t" r="r" b="b"/>
+              <a:pathLst>
+                <a:path w="2615623" h="1937852">
+                  <a:moveTo>
+                    <a:pt x="0" y="193785"/>
+                  </a:moveTo>
+                  <a:cubicBezTo>
+                    <a:pt x="0" y="86760"/>
+                    <a:pt x="86760" y="0"/>
+                    <a:pt x="193785" y="0"/>
+                  </a:cubicBezTo>
+                  <a:lnTo>
+                    <a:pt x="2421838" y="0"/>
+                  </a:lnTo>
+                  <a:cubicBezTo>
+                    <a:pt x="2528863" y="0"/>
+                    <a:pt x="2615623" y="86760"/>
+                    <a:pt x="2615623" y="193785"/>
+                  </a:cubicBezTo>
+                  <a:lnTo>
+                    <a:pt x="2615623" y="1744067"/>
+                  </a:lnTo>
+                  <a:cubicBezTo>
+                    <a:pt x="2615623" y="1851092"/>
+                    <a:pt x="2528863" y="1937852"/>
+                    <a:pt x="2421838" y="1937852"/>
+                  </a:cubicBezTo>
+                  <a:lnTo>
+                    <a:pt x="193785" y="1937852"/>
+                  </a:lnTo>
+                  <a:cubicBezTo>
+                    <a:pt x="86760" y="1937852"/>
+                    <a:pt x="0" y="1851092"/>
+                    <a:pt x="0" y="1744067"/>
+                  </a:cubicBezTo>
+                  <a:lnTo>
+                    <a:pt x="0" y="193785"/>
+                  </a:lnTo>
+                  <a:close/>
+                </a:path>
+              </a:pathLst>
+            </a:custGeom>
+          </p:spPr>
+          <p:style>
+            <a:lnRef idx="0">
+              <a:schemeClr val="lt1">
+                <a:hueOff val="0"/>
+                <a:satOff val="0"/>
+                <a:lumOff val="0"/>
+                <a:alphaOff val="0"/>
+              </a:schemeClr>
+            </a:lnRef>
+            <a:fillRef idx="3">
+              <a:schemeClr val="accent1">
+                <a:hueOff val="0"/>
+                <a:satOff val="0"/>
+                <a:lumOff val="0"/>
+                <a:alphaOff val="0"/>
+              </a:schemeClr>
+            </a:fillRef>
+            <a:effectRef idx="2">
+              <a:schemeClr val="accent1">
+                <a:hueOff val="0"/>
+                <a:satOff val="0"/>
+                <a:lumOff val="0"/>
+                <a:alphaOff val="0"/>
+              </a:schemeClr>
+            </a:effectRef>
+            <a:fontRef idx="minor">
+              <a:schemeClr val="lt1"/>
+            </a:fontRef>
+          </p:style>
+          <p:txBody>
+            <a:bodyPr spcFirstLastPara="0" vert="horz" wrap="square" lIns="117718" tIns="117718" rIns="117718" bIns="117718" numCol="1" spcCol="1270" anchor="t" anchorCtr="0">
+              <a:noAutofit/>
+            </a:bodyPr>
+            <a:lstStyle/>
+            <a:p>
+              <a:pPr defTabSz="711200">
+                <a:lnSpc>
+                  <a:spcPct val="90000"/>
+                </a:lnSpc>
+                <a:spcBef>
+                  <a:spcPct val="0"/>
+                </a:spcBef>
+                <a:spcAft>
+                  <a:spcPct val="35000"/>
+                </a:spcAft>
+              </a:pPr>
+              <a:r>
+                <a:rPr lang="en-US" sz="1600" b="1" dirty="0"/>
+                <a:t>Saturday: “Putting it All in Perspective”</a:t>
+              </a:r>
+            </a:p>
+            <a:p>
+              <a:pPr defTabSz="711200">
+                <a:lnSpc>
+                  <a:spcPct val="90000"/>
+                </a:lnSpc>
+                <a:spcBef>
+                  <a:spcPct val="0"/>
+                </a:spcBef>
+                <a:spcAft>
+                  <a:spcPct val="35000"/>
+                </a:spcAft>
+              </a:pPr>
+              <a:r>
+                <a:rPr lang="en-US" sz="1600" dirty="0">
+                  <a:solidFill>
+                    <a:srgbClr val="FF85FF"/>
+                  </a:solidFill>
+                </a:rPr>
+                <a:t>● Modeling in Practice: The Lifecycle of a Modeling Project</a:t>
+              </a:r>
+            </a:p>
+            <a:p>
+              <a:pPr defTabSz="711200">
+                <a:lnSpc>
+                  <a:spcPct val="90000"/>
+                </a:lnSpc>
+                <a:spcBef>
+                  <a:spcPct val="0"/>
+                </a:spcBef>
+                <a:spcAft>
+                  <a:spcPct val="35000"/>
+                </a:spcAft>
+              </a:pPr>
+              <a:r>
+                <a:rPr lang="en-US" sz="1600" dirty="0">
+                  <a:solidFill>
+                    <a:srgbClr val="FFFF00"/>
+                  </a:solidFill>
+                </a:rPr>
+                <a:t>● Research plan work time</a:t>
+              </a:r>
+            </a:p>
+            <a:p>
+              <a:pPr defTabSz="711200">
+                <a:lnSpc>
+                  <a:spcPct val="90000"/>
+                </a:lnSpc>
+                <a:spcBef>
+                  <a:spcPct val="0"/>
+                </a:spcBef>
+                <a:spcAft>
+                  <a:spcPct val="35000"/>
+                </a:spcAft>
+              </a:pPr>
+              <a:r>
+                <a:rPr lang="en-US" sz="1600" dirty="0">
+                  <a:solidFill>
+                    <a:srgbClr val="FFFF00"/>
+                  </a:solidFill>
+                </a:rPr>
+                <a:t>● Research snapshots</a:t>
+              </a:r>
+            </a:p>
+            <a:p>
+              <a:pPr defTabSz="711200">
+                <a:lnSpc>
+                  <a:spcPct val="90000"/>
+                </a:lnSpc>
+                <a:spcBef>
+                  <a:spcPct val="0"/>
+                </a:spcBef>
+                <a:spcAft>
+                  <a:spcPct val="35000"/>
+                </a:spcAft>
+              </a:pPr>
+              <a:endParaRPr lang="en-US" sz="1600" dirty="0">
+                <a:solidFill>
+                  <a:srgbClr val="FFFF00"/>
+                </a:solidFill>
+              </a:endParaRPr>
+            </a:p>
+          </p:txBody>
+        </p:sp>
+        <p:sp>
+          <p:nvSpPr>
+            <p:cNvPr id="19" name="Freeform 18"/>
+            <p:cNvSpPr/>
+            <p:nvPr/>
+          </p:nvSpPr>
+          <p:spPr>
+            <a:xfrm>
+              <a:off x="3875889" y="5580566"/>
+              <a:ext cx="2946461" cy="672206"/>
+            </a:xfrm>
+            <a:custGeom>
+              <a:avLst/>
+              <a:gdLst>
+                <a:gd name="connsiteX0" fmla="*/ 0 w 2168164"/>
+                <a:gd name="connsiteY0" fmla="*/ 81885 h 818852"/>
+                <a:gd name="connsiteX1" fmla="*/ 81885 w 2168164"/>
+                <a:gd name="connsiteY1" fmla="*/ 0 h 818852"/>
+                <a:gd name="connsiteX2" fmla="*/ 2086279 w 2168164"/>
+                <a:gd name="connsiteY2" fmla="*/ 0 h 818852"/>
+                <a:gd name="connsiteX3" fmla="*/ 2168164 w 2168164"/>
+                <a:gd name="connsiteY3" fmla="*/ 81885 h 818852"/>
+                <a:gd name="connsiteX4" fmla="*/ 2168164 w 2168164"/>
+                <a:gd name="connsiteY4" fmla="*/ 736967 h 818852"/>
+                <a:gd name="connsiteX5" fmla="*/ 2086279 w 2168164"/>
+                <a:gd name="connsiteY5" fmla="*/ 818852 h 818852"/>
+                <a:gd name="connsiteX6" fmla="*/ 81885 w 2168164"/>
+                <a:gd name="connsiteY6" fmla="*/ 818852 h 818852"/>
+                <a:gd name="connsiteX7" fmla="*/ 0 w 2168164"/>
+                <a:gd name="connsiteY7" fmla="*/ 736967 h 818852"/>
+                <a:gd name="connsiteX8" fmla="*/ 0 w 2168164"/>
+                <a:gd name="connsiteY8" fmla="*/ 81885 h 818852"/>
+              </a:gdLst>
+              <a:ahLst/>
+              <a:cxnLst>
+                <a:cxn ang="0">
+                  <a:pos x="connsiteX0" y="connsiteY0"/>
+                </a:cxn>
+                <a:cxn ang="0">
+                  <a:pos x="connsiteX1" y="connsiteY1"/>
+                </a:cxn>
+                <a:cxn ang="0">
+                  <a:pos x="connsiteX2" y="connsiteY2"/>
+                </a:cxn>
+                <a:cxn ang="0">
+                  <a:pos x="connsiteX3" y="connsiteY3"/>
+                </a:cxn>
+                <a:cxn ang="0">
+                  <a:pos x="connsiteX4" y="connsiteY4"/>
+                </a:cxn>
+                <a:cxn ang="0">
+                  <a:pos x="connsiteX5" y="connsiteY5"/>
+                </a:cxn>
+                <a:cxn ang="0">
+                  <a:pos x="connsiteX6" y="connsiteY6"/>
+                </a:cxn>
+                <a:cxn ang="0">
+                  <a:pos x="connsiteX7" y="connsiteY7"/>
+                </a:cxn>
+                <a:cxn ang="0">
+                  <a:pos x="connsiteX8" y="connsiteY8"/>
+                </a:cxn>
+              </a:cxnLst>
+              <a:rect l="l" t="t" r="r" b="b"/>
+              <a:pathLst>
+                <a:path w="2168164" h="818852">
+                  <a:moveTo>
+                    <a:pt x="0" y="81885"/>
+                  </a:moveTo>
+                  <a:cubicBezTo>
+                    <a:pt x="0" y="36661"/>
+                    <a:pt x="36661" y="0"/>
+                    <a:pt x="81885" y="0"/>
+                  </a:cubicBezTo>
+                  <a:lnTo>
+                    <a:pt x="2086279" y="0"/>
+                  </a:lnTo>
+                  <a:cubicBezTo>
+                    <a:pt x="2131503" y="0"/>
+                    <a:pt x="2168164" y="36661"/>
+                    <a:pt x="2168164" y="81885"/>
+                  </a:cubicBezTo>
+                  <a:lnTo>
+                    <a:pt x="2168164" y="736967"/>
+                  </a:lnTo>
+                  <a:cubicBezTo>
+                    <a:pt x="2168164" y="782191"/>
+                    <a:pt x="2131503" y="818852"/>
+                    <a:pt x="2086279" y="818852"/>
+                  </a:cubicBezTo>
+                  <a:lnTo>
+                    <a:pt x="81885" y="818852"/>
+                  </a:lnTo>
+                  <a:cubicBezTo>
+                    <a:pt x="36661" y="818852"/>
+                    <a:pt x="0" y="782191"/>
+                    <a:pt x="0" y="736967"/>
+                  </a:cubicBezTo>
+                  <a:lnTo>
+                    <a:pt x="0" y="81885"/>
+                  </a:lnTo>
+                  <a:close/>
+                </a:path>
+              </a:pathLst>
+            </a:custGeom>
+          </p:spPr>
+          <p:style>
+            <a:lnRef idx="0">
+              <a:schemeClr val="lt1">
+                <a:hueOff val="0"/>
+                <a:satOff val="0"/>
+                <a:lumOff val="0"/>
+                <a:alphaOff val="0"/>
+              </a:schemeClr>
+            </a:lnRef>
+            <a:fillRef idx="3">
+              <a:schemeClr val="accent1">
+                <a:hueOff val="0"/>
+                <a:satOff val="0"/>
+                <a:lumOff val="0"/>
+                <a:alphaOff val="0"/>
+              </a:schemeClr>
+            </a:fillRef>
+            <a:effectRef idx="2">
+              <a:schemeClr val="accent1">
+                <a:hueOff val="0"/>
+                <a:satOff val="0"/>
+                <a:lumOff val="0"/>
+                <a:alphaOff val="0"/>
+              </a:schemeClr>
+            </a:effectRef>
+            <a:fontRef idx="minor">
+              <a:schemeClr val="lt1"/>
+            </a:fontRef>
+          </p:style>
+          <p:txBody>
+            <a:bodyPr spcFirstLastPara="0" vert="horz" wrap="square" lIns="84943" tIns="84943" rIns="84943" bIns="84943" numCol="1" spcCol="1270" anchor="t" anchorCtr="0">
+              <a:noAutofit/>
+            </a:bodyPr>
+            <a:lstStyle/>
+            <a:p>
+              <a:pPr defTabSz="711200">
+                <a:lnSpc>
+                  <a:spcPct val="90000"/>
+                </a:lnSpc>
+                <a:spcBef>
+                  <a:spcPct val="0"/>
+                </a:spcBef>
+                <a:spcAft>
+                  <a:spcPct val="35000"/>
+                </a:spcAft>
+              </a:pPr>
+              <a:r>
+                <a:rPr lang="en-US" sz="1600" b="1" dirty="0"/>
+                <a:t>Monday: “Sharing Your Work”</a:t>
+              </a:r>
+            </a:p>
+            <a:p>
+              <a:pPr defTabSz="711200">
+                <a:lnSpc>
+                  <a:spcPct val="90000"/>
+                </a:lnSpc>
+                <a:spcBef>
+                  <a:spcPct val="0"/>
+                </a:spcBef>
+                <a:spcAft>
+                  <a:spcPct val="35000"/>
+                </a:spcAft>
+              </a:pPr>
+              <a:r>
+                <a:rPr lang="en-US" sz="1600" dirty="0">
+                  <a:solidFill>
+                    <a:srgbClr val="FFFF00"/>
+                  </a:solidFill>
+                </a:rPr>
+                <a:t>● Final student presentations</a:t>
+              </a:r>
+            </a:p>
+          </p:txBody>
+        </p:sp>
+        <p:sp>
+          <p:nvSpPr>
+            <p:cNvPr id="12" name="Freeform 11"/>
+            <p:cNvSpPr/>
+            <p:nvPr/>
+          </p:nvSpPr>
+          <p:spPr>
+            <a:xfrm>
+              <a:off x="1755728" y="2745737"/>
+              <a:ext cx="3593392" cy="2216078"/>
+            </a:xfrm>
+            <a:custGeom>
+              <a:avLst/>
+              <a:gdLst>
+                <a:gd name="connsiteX0" fmla="*/ 0 w 2362534"/>
+                <a:gd name="connsiteY0" fmla="*/ 174937 h 1749374"/>
+                <a:gd name="connsiteX1" fmla="*/ 174937 w 2362534"/>
+                <a:gd name="connsiteY1" fmla="*/ 0 h 1749374"/>
+                <a:gd name="connsiteX2" fmla="*/ 2187597 w 2362534"/>
+                <a:gd name="connsiteY2" fmla="*/ 0 h 1749374"/>
+                <a:gd name="connsiteX3" fmla="*/ 2362534 w 2362534"/>
+                <a:gd name="connsiteY3" fmla="*/ 174937 h 1749374"/>
+                <a:gd name="connsiteX4" fmla="*/ 2362534 w 2362534"/>
+                <a:gd name="connsiteY4" fmla="*/ 1574437 h 1749374"/>
+                <a:gd name="connsiteX5" fmla="*/ 2187597 w 2362534"/>
+                <a:gd name="connsiteY5" fmla="*/ 1749374 h 1749374"/>
+                <a:gd name="connsiteX6" fmla="*/ 174937 w 2362534"/>
+                <a:gd name="connsiteY6" fmla="*/ 1749374 h 1749374"/>
+                <a:gd name="connsiteX7" fmla="*/ 0 w 2362534"/>
+                <a:gd name="connsiteY7" fmla="*/ 1574437 h 1749374"/>
+                <a:gd name="connsiteX8" fmla="*/ 0 w 2362534"/>
+                <a:gd name="connsiteY8" fmla="*/ 174937 h 1749374"/>
+              </a:gdLst>
+              <a:ahLst/>
+              <a:cxnLst>
+                <a:cxn ang="0">
+                  <a:pos x="connsiteX0" y="connsiteY0"/>
+                </a:cxn>
+                <a:cxn ang="0">
+                  <a:pos x="connsiteX1" y="connsiteY1"/>
+                </a:cxn>
+                <a:cxn ang="0">
+                  <a:pos x="connsiteX2" y="connsiteY2"/>
+                </a:cxn>
+                <a:cxn ang="0">
+                  <a:pos x="connsiteX3" y="connsiteY3"/>
+                </a:cxn>
+                <a:cxn ang="0">
+                  <a:pos x="connsiteX4" y="connsiteY4"/>
+                </a:cxn>
+                <a:cxn ang="0">
+                  <a:pos x="connsiteX5" y="connsiteY5"/>
+                </a:cxn>
+                <a:cxn ang="0">
+                  <a:pos x="connsiteX6" y="connsiteY6"/>
+                </a:cxn>
+                <a:cxn ang="0">
+                  <a:pos x="connsiteX7" y="connsiteY7"/>
+                </a:cxn>
+                <a:cxn ang="0">
+                  <a:pos x="connsiteX8" y="connsiteY8"/>
+                </a:cxn>
+              </a:cxnLst>
+              <a:rect l="l" t="t" r="r" b="b"/>
+              <a:pathLst>
+                <a:path w="2362534" h="1749374">
+                  <a:moveTo>
+                    <a:pt x="0" y="174937"/>
+                  </a:moveTo>
+                  <a:cubicBezTo>
+                    <a:pt x="0" y="78322"/>
+                    <a:pt x="78322" y="0"/>
+                    <a:pt x="174937" y="0"/>
+                  </a:cubicBezTo>
+                  <a:lnTo>
+                    <a:pt x="2187597" y="0"/>
+                  </a:lnTo>
+                  <a:cubicBezTo>
+                    <a:pt x="2284212" y="0"/>
+                    <a:pt x="2362534" y="78322"/>
+                    <a:pt x="2362534" y="174937"/>
+                  </a:cubicBezTo>
+                  <a:lnTo>
+                    <a:pt x="2362534" y="1574437"/>
+                  </a:lnTo>
+                  <a:cubicBezTo>
+                    <a:pt x="2362534" y="1671052"/>
+                    <a:pt x="2284212" y="1749374"/>
+                    <a:pt x="2187597" y="1749374"/>
+                  </a:cubicBezTo>
+                  <a:lnTo>
+                    <a:pt x="174937" y="1749374"/>
+                  </a:lnTo>
+                  <a:cubicBezTo>
+                    <a:pt x="78322" y="1749374"/>
+                    <a:pt x="0" y="1671052"/>
+                    <a:pt x="0" y="1574437"/>
+                  </a:cubicBezTo>
+                  <a:lnTo>
+                    <a:pt x="0" y="174937"/>
+                  </a:lnTo>
+                  <a:close/>
+                </a:path>
+              </a:pathLst>
+            </a:custGeom>
+          </p:spPr>
+          <p:style>
+            <a:lnRef idx="0">
+              <a:schemeClr val="lt1">
+                <a:hueOff val="0"/>
+                <a:satOff val="0"/>
+                <a:lumOff val="0"/>
+                <a:alphaOff val="0"/>
+              </a:schemeClr>
+            </a:lnRef>
+            <a:fillRef idx="3">
+              <a:schemeClr val="accent1">
+                <a:hueOff val="0"/>
+                <a:satOff val="0"/>
+                <a:lumOff val="0"/>
+                <a:alphaOff val="0"/>
+              </a:schemeClr>
+            </a:fillRef>
+            <a:effectRef idx="2">
+              <a:schemeClr val="accent1">
+                <a:hueOff val="0"/>
+                <a:satOff val="0"/>
+                <a:lumOff val="0"/>
+                <a:alphaOff val="0"/>
+              </a:schemeClr>
+            </a:effectRef>
+            <a:fontRef idx="minor">
+              <a:schemeClr val="lt1"/>
+            </a:fontRef>
+          </p:style>
+          <p:txBody>
+            <a:bodyPr spcFirstLastPara="0" vert="horz" wrap="square" lIns="112197" tIns="112197" rIns="112197" bIns="112197" numCol="1" spcCol="1270" anchor="t" anchorCtr="0">
+              <a:noAutofit/>
+            </a:bodyPr>
+            <a:lstStyle/>
+            <a:p>
+              <a:pPr defTabSz="711200">
+                <a:lnSpc>
+                  <a:spcPct val="90000"/>
+                </a:lnSpc>
+                <a:spcBef>
+                  <a:spcPct val="0"/>
+                </a:spcBef>
+                <a:spcAft>
+                  <a:spcPct val="35000"/>
+                </a:spcAft>
+              </a:pPr>
+              <a:r>
+                <a:rPr lang="en-US" sz="1600" b="1" dirty="0"/>
+                <a:t>Wednesday: “Thinking About Mechanism”</a:t>
+              </a:r>
+            </a:p>
+            <a:p>
+              <a:pPr defTabSz="711200">
+                <a:lnSpc>
+                  <a:spcPct val="90000"/>
+                </a:lnSpc>
+                <a:spcBef>
+                  <a:spcPct val="0"/>
+                </a:spcBef>
+                <a:spcAft>
+                  <a:spcPct val="35000"/>
+                </a:spcAft>
+              </a:pPr>
+              <a:r>
+                <a:rPr lang="en-US" sz="1600" dirty="0">
+                  <a:solidFill>
+                    <a:srgbClr val="FF85FF"/>
+                  </a:solidFill>
+                </a:rPr>
+                <a:t>● Intro to Compartmental Models &amp; Differential Equations</a:t>
+              </a:r>
+            </a:p>
+            <a:p>
+              <a:pPr defTabSz="711200">
+                <a:lnSpc>
+                  <a:spcPct val="90000"/>
+                </a:lnSpc>
+                <a:spcBef>
+                  <a:spcPct val="0"/>
+                </a:spcBef>
+                <a:spcAft>
+                  <a:spcPct val="35000"/>
+                </a:spcAft>
+              </a:pPr>
+              <a:r>
+                <a:rPr lang="en-US" sz="1600" dirty="0">
+                  <a:solidFill>
+                    <a:srgbClr val="8EFA00"/>
+                  </a:solidFill>
+                </a:rPr>
+                <a:t>● Building mechanistic models in R</a:t>
+              </a:r>
+            </a:p>
+            <a:p>
+              <a:pPr defTabSz="711200">
+                <a:lnSpc>
+                  <a:spcPct val="90000"/>
+                </a:lnSpc>
+                <a:spcBef>
+                  <a:spcPct val="0"/>
+                </a:spcBef>
+                <a:spcAft>
+                  <a:spcPct val="35000"/>
+                </a:spcAft>
+              </a:pPr>
+              <a:r>
+                <a:rPr lang="en-US" sz="1600" dirty="0">
+                  <a:solidFill>
+                    <a:srgbClr val="FFFF00"/>
+                  </a:solidFill>
+                </a:rPr>
+                <a:t>● Refining research questions for modeling</a:t>
+              </a:r>
+            </a:p>
+            <a:p>
+              <a:pPr defTabSz="711200">
+                <a:lnSpc>
+                  <a:spcPct val="90000"/>
+                </a:lnSpc>
+                <a:spcBef>
+                  <a:spcPct val="0"/>
+                </a:spcBef>
+                <a:spcAft>
+                  <a:spcPct val="35000"/>
+                </a:spcAft>
+              </a:pPr>
+              <a:r>
+                <a:rPr lang="en-US" sz="1600" dirty="0">
+                  <a:solidFill>
+                    <a:srgbClr val="FFFF00"/>
+                  </a:solidFill>
+                </a:rPr>
+                <a:t>● Defining a model world</a:t>
+              </a:r>
+            </a:p>
+            <a:p>
+              <a:pPr defTabSz="711200">
+                <a:lnSpc>
+                  <a:spcPct val="90000"/>
+                </a:lnSpc>
+                <a:spcBef>
+                  <a:spcPct val="0"/>
+                </a:spcBef>
+                <a:spcAft>
+                  <a:spcPct val="35000"/>
+                </a:spcAft>
+              </a:pPr>
+              <a:r>
+                <a:rPr lang="en-US" sz="1600" dirty="0">
+                  <a:solidFill>
+                    <a:srgbClr val="FFFF00"/>
+                  </a:solidFill>
+                </a:rPr>
+                <a:t>● Mentor research presentations</a:t>
+              </a:r>
+            </a:p>
+          </p:txBody>
+        </p:sp>
+      </p:grpSp>
+      <p:sp>
+        <p:nvSpPr>
+          <p:cNvPr id="20" name="Freeform 19"/>
+          <p:cNvSpPr/>
+          <p:nvPr/>
+        </p:nvSpPr>
+        <p:spPr>
+          <a:xfrm>
+            <a:off x="9817882" y="5713145"/>
+            <a:ext cx="2717073" cy="885432"/>
+          </a:xfrm>
+          <a:custGeom>
+            <a:avLst/>
+            <a:gdLst>
+              <a:gd name="connsiteX0" fmla="*/ 0 w 1790836"/>
+              <a:gd name="connsiteY0" fmla="*/ 139368 h 1393675"/>
+              <a:gd name="connsiteX1" fmla="*/ 139368 w 1790836"/>
+              <a:gd name="connsiteY1" fmla="*/ 0 h 1393675"/>
+              <a:gd name="connsiteX2" fmla="*/ 1651469 w 1790836"/>
+              <a:gd name="connsiteY2" fmla="*/ 0 h 1393675"/>
+              <a:gd name="connsiteX3" fmla="*/ 1790837 w 1790836"/>
+              <a:gd name="connsiteY3" fmla="*/ 139368 h 1393675"/>
+              <a:gd name="connsiteX4" fmla="*/ 1790836 w 1790836"/>
+              <a:gd name="connsiteY4" fmla="*/ 1254308 h 1393675"/>
+              <a:gd name="connsiteX5" fmla="*/ 1651468 w 1790836"/>
+              <a:gd name="connsiteY5" fmla="*/ 1393676 h 1393675"/>
+              <a:gd name="connsiteX6" fmla="*/ 139368 w 1790836"/>
+              <a:gd name="connsiteY6" fmla="*/ 1393675 h 1393675"/>
+              <a:gd name="connsiteX7" fmla="*/ 0 w 1790836"/>
+              <a:gd name="connsiteY7" fmla="*/ 1254307 h 1393675"/>
+              <a:gd name="connsiteX8" fmla="*/ 0 w 1790836"/>
+              <a:gd name="connsiteY8" fmla="*/ 139368 h 1393675"/>
+            </a:gdLst>
+            <a:ahLst/>
+            <a:cxnLst>
+              <a:cxn ang="0">
+                <a:pos x="connsiteX0" y="connsiteY0"/>
+              </a:cxn>
+              <a:cxn ang="0">
+                <a:pos x="connsiteX1" y="connsiteY1"/>
+              </a:cxn>
+              <a:cxn ang="0">
+                <a:pos x="connsiteX2" y="connsiteY2"/>
+              </a:cxn>
+              <a:cxn ang="0">
+                <a:pos x="connsiteX3" y="connsiteY3"/>
+              </a:cxn>
+              <a:cxn ang="0">
+                <a:pos x="connsiteX4" y="connsiteY4"/>
+              </a:cxn>
+              <a:cxn ang="0">
+                <a:pos x="connsiteX5" y="connsiteY5"/>
+              </a:cxn>
+              <a:cxn ang="0">
+                <a:pos x="connsiteX6" y="connsiteY6"/>
+              </a:cxn>
+              <a:cxn ang="0">
+                <a:pos x="connsiteX7" y="connsiteY7"/>
+              </a:cxn>
+              <a:cxn ang="0">
+                <a:pos x="connsiteX8" y="connsiteY8"/>
+              </a:cxn>
+            </a:cxnLst>
+            <a:rect l="l" t="t" r="r" b="b"/>
+            <a:pathLst>
+              <a:path w="1790836" h="1393675">
+                <a:moveTo>
+                  <a:pt x="0" y="139368"/>
+                </a:moveTo>
+                <a:cubicBezTo>
+                  <a:pt x="0" y="62397"/>
+                  <a:pt x="62397" y="0"/>
+                  <a:pt x="139368" y="0"/>
+                </a:cubicBezTo>
+                <a:lnTo>
+                  <a:pt x="1651469" y="0"/>
+                </a:lnTo>
+                <a:cubicBezTo>
+                  <a:pt x="1728440" y="0"/>
+                  <a:pt x="1790837" y="62397"/>
+                  <a:pt x="1790837" y="139368"/>
+                </a:cubicBezTo>
+                <a:cubicBezTo>
+                  <a:pt x="1790837" y="511015"/>
+                  <a:pt x="1790836" y="882661"/>
+                  <a:pt x="1790836" y="1254308"/>
+                </a:cubicBezTo>
+                <a:cubicBezTo>
+                  <a:pt x="1790836" y="1331279"/>
+                  <a:pt x="1728439" y="1393676"/>
+                  <a:pt x="1651468" y="1393676"/>
+                </a:cubicBezTo>
+                <a:lnTo>
+                  <a:pt x="139368" y="1393675"/>
+                </a:lnTo>
+                <a:cubicBezTo>
+                  <a:pt x="62397" y="1393675"/>
+                  <a:pt x="0" y="1331278"/>
+                  <a:pt x="0" y="1254307"/>
+                </a:cubicBezTo>
+                <a:lnTo>
+                  <a:pt x="0" y="139368"/>
+                </a:lnTo>
+                <a:close/>
+              </a:path>
+            </a:pathLst>
+          </a:custGeom>
+          <a:noFill/>
+          <a:ln>
+            <a:noFill/>
+          </a:ln>
+        </p:spPr>
+        <p:style>
+          <a:lnRef idx="0">
+            <a:schemeClr val="lt1">
+              <a:hueOff val="0"/>
+              <a:satOff val="0"/>
+              <a:lumOff val="0"/>
+              <a:alphaOff val="0"/>
+            </a:schemeClr>
+          </a:lnRef>
+          <a:fillRef idx="3">
+            <a:schemeClr val="accent1">
+              <a:hueOff val="0"/>
+              <a:satOff val="0"/>
+              <a:lumOff val="0"/>
+              <a:alphaOff val="0"/>
+            </a:schemeClr>
+          </a:fillRef>
+          <a:effectRef idx="2">
+            <a:schemeClr val="accent1">
+              <a:hueOff val="0"/>
+              <a:satOff val="0"/>
+              <a:lumOff val="0"/>
+              <a:alphaOff val="0"/>
+            </a:schemeClr>
+          </a:effectRef>
+          <a:fontRef idx="minor">
+            <a:schemeClr val="lt1"/>
+          </a:fontRef>
+        </p:style>
+        <p:txBody>
+          <a:bodyPr spcFirstLastPara="0" vert="horz" wrap="square" lIns="101779" tIns="101779" rIns="101779" bIns="101779" numCol="1" spcCol="1270" anchor="t" anchorCtr="0">
+            <a:noAutofit/>
+          </a:bodyPr>
+          <a:lstStyle/>
+          <a:p>
+            <a:pPr defTabSz="711200">
+              <a:lnSpc>
+                <a:spcPct val="90000"/>
+              </a:lnSpc>
+              <a:spcBef>
+                <a:spcPct val="0"/>
+              </a:spcBef>
+              <a:spcAft>
+                <a:spcPct val="35000"/>
+              </a:spcAft>
+            </a:pPr>
+            <a:r>
+              <a:rPr lang="en-US" sz="1600" b="1" dirty="0">
+                <a:solidFill>
+                  <a:srgbClr val="8EFA00"/>
+                </a:solidFill>
+              </a:rPr>
+              <a:t>● Programming</a:t>
+            </a:r>
+          </a:p>
+          <a:p>
+            <a:pPr defTabSz="711200">
+              <a:lnSpc>
+                <a:spcPct val="90000"/>
+              </a:lnSpc>
+              <a:spcBef>
+                <a:spcPct val="0"/>
+              </a:spcBef>
+              <a:spcAft>
+                <a:spcPct val="35000"/>
+              </a:spcAft>
+            </a:pPr>
+            <a:r>
+              <a:rPr lang="en-US" sz="1600" b="1" dirty="0">
+                <a:solidFill>
+                  <a:srgbClr val="FF85FF"/>
+                </a:solidFill>
+              </a:rPr>
+              <a:t>● Modeling</a:t>
+            </a:r>
+          </a:p>
+          <a:p>
+            <a:pPr defTabSz="711200">
+              <a:lnSpc>
+                <a:spcPct val="90000"/>
+              </a:lnSpc>
+              <a:spcBef>
+                <a:spcPct val="0"/>
+              </a:spcBef>
+              <a:spcAft>
+                <a:spcPct val="35000"/>
+              </a:spcAft>
+            </a:pPr>
+            <a:r>
+              <a:rPr lang="en-US" sz="1600" b="1" dirty="0">
+                <a:solidFill>
+                  <a:srgbClr val="FFFF00"/>
+                </a:solidFill>
+              </a:rPr>
+              <a:t>● Research Development</a:t>
+            </a:r>
+          </a:p>
+          <a:p>
+            <a:pPr marL="114300" lvl="1" indent="-114300" defTabSz="577850">
+              <a:lnSpc>
+                <a:spcPct val="90000"/>
+              </a:lnSpc>
+              <a:spcBef>
+                <a:spcPct val="0"/>
+              </a:spcBef>
+              <a:spcAft>
+                <a:spcPct val="15000"/>
+              </a:spcAft>
+              <a:buChar char="•"/>
+            </a:pPr>
+            <a:endParaRPr lang="en-US" sz="1600" b="1" dirty="0"/>
+          </a:p>
+        </p:txBody>
+      </p:sp>
+      <p:sp>
+        <p:nvSpPr>
+          <p:cNvPr id="21" name="Freeform 20">
+            <a:extLst>
+              <a:ext uri="{FF2B5EF4-FFF2-40B4-BE49-F238E27FC236}">
+                <a16:creationId xmlns:a16="http://schemas.microsoft.com/office/drawing/2014/main" id="{95F3768C-8D54-684C-8DAA-809F30D5E83A}"/>
+              </a:ext>
+            </a:extLst>
+          </p:cNvPr>
+          <p:cNvSpPr/>
+          <p:nvPr/>
+        </p:nvSpPr>
+        <p:spPr>
+          <a:xfrm>
+            <a:off x="44500" y="746643"/>
+            <a:ext cx="3356980" cy="1567234"/>
+          </a:xfrm>
+          <a:custGeom>
+            <a:avLst/>
+            <a:gdLst>
+              <a:gd name="connsiteX0" fmla="*/ 0 w 1790836"/>
+              <a:gd name="connsiteY0" fmla="*/ 139368 h 1393675"/>
+              <a:gd name="connsiteX1" fmla="*/ 139368 w 1790836"/>
+              <a:gd name="connsiteY1" fmla="*/ 0 h 1393675"/>
+              <a:gd name="connsiteX2" fmla="*/ 1651469 w 1790836"/>
+              <a:gd name="connsiteY2" fmla="*/ 0 h 1393675"/>
+              <a:gd name="connsiteX3" fmla="*/ 1790837 w 1790836"/>
+              <a:gd name="connsiteY3" fmla="*/ 139368 h 1393675"/>
+              <a:gd name="connsiteX4" fmla="*/ 1790836 w 1790836"/>
+              <a:gd name="connsiteY4" fmla="*/ 1254308 h 1393675"/>
+              <a:gd name="connsiteX5" fmla="*/ 1651468 w 1790836"/>
+              <a:gd name="connsiteY5" fmla="*/ 1393676 h 1393675"/>
+              <a:gd name="connsiteX6" fmla="*/ 139368 w 1790836"/>
+              <a:gd name="connsiteY6" fmla="*/ 1393675 h 1393675"/>
+              <a:gd name="connsiteX7" fmla="*/ 0 w 1790836"/>
+              <a:gd name="connsiteY7" fmla="*/ 1254307 h 1393675"/>
+              <a:gd name="connsiteX8" fmla="*/ 0 w 1790836"/>
+              <a:gd name="connsiteY8" fmla="*/ 139368 h 1393675"/>
+            </a:gdLst>
+            <a:ahLst/>
+            <a:cxnLst>
+              <a:cxn ang="0">
+                <a:pos x="connsiteX0" y="connsiteY0"/>
+              </a:cxn>
+              <a:cxn ang="0">
+                <a:pos x="connsiteX1" y="connsiteY1"/>
+              </a:cxn>
+              <a:cxn ang="0">
+                <a:pos x="connsiteX2" y="connsiteY2"/>
+              </a:cxn>
+              <a:cxn ang="0">
+                <a:pos x="connsiteX3" y="connsiteY3"/>
+              </a:cxn>
+              <a:cxn ang="0">
+                <a:pos x="connsiteX4" y="connsiteY4"/>
+              </a:cxn>
+              <a:cxn ang="0">
+                <a:pos x="connsiteX5" y="connsiteY5"/>
+              </a:cxn>
+              <a:cxn ang="0">
+                <a:pos x="connsiteX6" y="connsiteY6"/>
+              </a:cxn>
+              <a:cxn ang="0">
+                <a:pos x="connsiteX7" y="connsiteY7"/>
+              </a:cxn>
+              <a:cxn ang="0">
+                <a:pos x="connsiteX8" y="connsiteY8"/>
+              </a:cxn>
+            </a:cxnLst>
+            <a:rect l="l" t="t" r="r" b="b"/>
+            <a:pathLst>
+              <a:path w="1790836" h="1393675">
+                <a:moveTo>
+                  <a:pt x="0" y="139368"/>
+                </a:moveTo>
+                <a:cubicBezTo>
+                  <a:pt x="0" y="62397"/>
+                  <a:pt x="62397" y="0"/>
+                  <a:pt x="139368" y="0"/>
+                </a:cubicBezTo>
+                <a:lnTo>
+                  <a:pt x="1651469" y="0"/>
+                </a:lnTo>
+                <a:cubicBezTo>
+                  <a:pt x="1728440" y="0"/>
+                  <a:pt x="1790837" y="62397"/>
+                  <a:pt x="1790837" y="139368"/>
+                </a:cubicBezTo>
+                <a:cubicBezTo>
+                  <a:pt x="1790837" y="511015"/>
+                  <a:pt x="1790836" y="882661"/>
+                  <a:pt x="1790836" y="1254308"/>
+                </a:cubicBezTo>
+                <a:cubicBezTo>
+                  <a:pt x="1790836" y="1331279"/>
+                  <a:pt x="1728439" y="1393676"/>
+                  <a:pt x="1651468" y="1393676"/>
+                </a:cubicBezTo>
+                <a:lnTo>
+                  <a:pt x="139368" y="1393675"/>
+                </a:lnTo>
+                <a:cubicBezTo>
+                  <a:pt x="62397" y="1393675"/>
+                  <a:pt x="0" y="1331278"/>
+                  <a:pt x="0" y="1254307"/>
+                </a:cubicBezTo>
+                <a:lnTo>
+                  <a:pt x="0" y="139368"/>
+                </a:lnTo>
+                <a:close/>
+              </a:path>
+            </a:pathLst>
+          </a:custGeom>
+        </p:spPr>
+        <p:style>
+          <a:lnRef idx="0">
+            <a:schemeClr val="lt1">
+              <a:hueOff val="0"/>
+              <a:satOff val="0"/>
+              <a:lumOff val="0"/>
+              <a:alphaOff val="0"/>
+            </a:schemeClr>
+          </a:lnRef>
+          <a:fillRef idx="3">
+            <a:schemeClr val="accent1">
+              <a:hueOff val="0"/>
+              <a:satOff val="0"/>
+              <a:lumOff val="0"/>
+              <a:alphaOff val="0"/>
+            </a:schemeClr>
+          </a:fillRef>
+          <a:effectRef idx="2">
+            <a:schemeClr val="accent1">
+              <a:hueOff val="0"/>
+              <a:satOff val="0"/>
+              <a:lumOff val="0"/>
+              <a:alphaOff val="0"/>
+            </a:schemeClr>
+          </a:effectRef>
+          <a:fontRef idx="minor">
+            <a:schemeClr val="lt1"/>
+          </a:fontRef>
+        </p:style>
+        <p:txBody>
+          <a:bodyPr spcFirstLastPara="0" vert="horz" wrap="square" lIns="101779" tIns="101779" rIns="101779" bIns="101779" numCol="1" spcCol="1270" anchor="t" anchorCtr="0">
+            <a:noAutofit/>
+          </a:bodyPr>
+          <a:lstStyle/>
+          <a:p>
+            <a:pPr defTabSz="711200">
+              <a:lnSpc>
+                <a:spcPct val="90000"/>
+              </a:lnSpc>
+              <a:spcBef>
+                <a:spcPct val="0"/>
+              </a:spcBef>
+              <a:spcAft>
+                <a:spcPct val="35000"/>
+              </a:spcAft>
+            </a:pPr>
+            <a:r>
+              <a:rPr lang="en-US" sz="1600" b="1" dirty="0"/>
+              <a:t>Saturday: R Bootcamp</a:t>
+            </a:r>
+          </a:p>
+          <a:p>
+            <a:pPr marL="285750" indent="-285750" defTabSz="711200">
+              <a:lnSpc>
+                <a:spcPct val="90000"/>
+              </a:lnSpc>
+              <a:spcBef>
+                <a:spcPct val="0"/>
+              </a:spcBef>
+              <a:spcAft>
+                <a:spcPct val="35000"/>
+              </a:spcAft>
+              <a:buFont typeface="Arial" panose="020B0604020202020204" pitchFamily="34" charset="0"/>
+              <a:buChar char="•"/>
+            </a:pPr>
+            <a:r>
+              <a:rPr lang="en-US" sz="1600" dirty="0">
+                <a:solidFill>
+                  <a:srgbClr val="8EFA00"/>
+                </a:solidFill>
+              </a:rPr>
+              <a:t>Intro to R Studio</a:t>
+            </a:r>
+          </a:p>
+          <a:p>
+            <a:pPr marL="285750" indent="-285750" defTabSz="711200">
+              <a:lnSpc>
+                <a:spcPct val="90000"/>
+              </a:lnSpc>
+              <a:spcBef>
+                <a:spcPct val="0"/>
+              </a:spcBef>
+              <a:spcAft>
+                <a:spcPct val="35000"/>
+              </a:spcAft>
+              <a:buFont typeface="Arial" panose="020B0604020202020204" pitchFamily="34" charset="0"/>
+              <a:buChar char="•"/>
+            </a:pPr>
+            <a:r>
+              <a:rPr lang="en-US" sz="1600" dirty="0">
+                <a:solidFill>
+                  <a:srgbClr val="8EFA00"/>
+                </a:solidFill>
+              </a:rPr>
+              <a:t>Exploring and Visualizing Data in R</a:t>
+            </a:r>
+          </a:p>
+          <a:p>
+            <a:pPr marL="285750" indent="-285750" defTabSz="711200">
+              <a:lnSpc>
+                <a:spcPct val="90000"/>
+              </a:lnSpc>
+              <a:spcBef>
+                <a:spcPct val="0"/>
+              </a:spcBef>
+              <a:spcAft>
+                <a:spcPct val="35000"/>
+              </a:spcAft>
+              <a:buFont typeface="Arial" panose="020B0604020202020204" pitchFamily="34" charset="0"/>
+              <a:buChar char="•"/>
+            </a:pPr>
+            <a:r>
+              <a:rPr lang="en-US" sz="1600" dirty="0">
+                <a:solidFill>
+                  <a:srgbClr val="8EFA00"/>
+                </a:solidFill>
+              </a:rPr>
+              <a:t>For-loops, Functions, and If-Else Statements</a:t>
+            </a:r>
+          </a:p>
+          <a:p>
+            <a:pPr defTabSz="711200">
+              <a:lnSpc>
+                <a:spcPct val="90000"/>
+              </a:lnSpc>
+              <a:spcBef>
+                <a:spcPct val="0"/>
+              </a:spcBef>
+              <a:spcAft>
+                <a:spcPct val="35000"/>
+              </a:spcAft>
+            </a:pPr>
+            <a:endParaRPr lang="en-US" sz="1600" b="1" dirty="0"/>
+          </a:p>
+          <a:p>
+            <a:pPr defTabSz="711200">
+              <a:lnSpc>
+                <a:spcPct val="90000"/>
+              </a:lnSpc>
+              <a:spcBef>
+                <a:spcPct val="0"/>
+              </a:spcBef>
+              <a:spcAft>
+                <a:spcPct val="35000"/>
+              </a:spcAft>
+            </a:pPr>
+            <a:endParaRPr lang="en-US" sz="1600" dirty="0"/>
+          </a:p>
+          <a:p>
+            <a:pPr marL="114300" lvl="1" indent="-114300" defTabSz="577850">
+              <a:lnSpc>
+                <a:spcPct val="90000"/>
+              </a:lnSpc>
+              <a:spcBef>
+                <a:spcPct val="0"/>
+              </a:spcBef>
+              <a:spcAft>
+                <a:spcPct val="15000"/>
+              </a:spcAft>
+              <a:buChar char="•"/>
+            </a:pPr>
+            <a:endParaRPr lang="en-US" sz="1600" dirty="0"/>
+          </a:p>
+        </p:txBody>
+      </p:sp>
+      <p:sp>
+        <p:nvSpPr>
+          <p:cNvPr id="22" name="Freeform 21">
+            <a:extLst>
+              <a:ext uri="{FF2B5EF4-FFF2-40B4-BE49-F238E27FC236}">
+                <a16:creationId xmlns:a16="http://schemas.microsoft.com/office/drawing/2014/main" id="{150D94E9-9096-6745-970D-4EEACAD01273}"/>
+              </a:ext>
+            </a:extLst>
+          </p:cNvPr>
+          <p:cNvSpPr/>
+          <p:nvPr/>
+        </p:nvSpPr>
+        <p:spPr>
+          <a:xfrm>
+            <a:off x="52674" y="80442"/>
+            <a:ext cx="1828080" cy="561421"/>
+          </a:xfrm>
+          <a:custGeom>
+            <a:avLst/>
+            <a:gdLst>
+              <a:gd name="connsiteX0" fmla="*/ 0 w 1790836"/>
+              <a:gd name="connsiteY0" fmla="*/ 139368 h 1393675"/>
+              <a:gd name="connsiteX1" fmla="*/ 139368 w 1790836"/>
+              <a:gd name="connsiteY1" fmla="*/ 0 h 1393675"/>
+              <a:gd name="connsiteX2" fmla="*/ 1651469 w 1790836"/>
+              <a:gd name="connsiteY2" fmla="*/ 0 h 1393675"/>
+              <a:gd name="connsiteX3" fmla="*/ 1790837 w 1790836"/>
+              <a:gd name="connsiteY3" fmla="*/ 139368 h 1393675"/>
+              <a:gd name="connsiteX4" fmla="*/ 1790836 w 1790836"/>
+              <a:gd name="connsiteY4" fmla="*/ 1254308 h 1393675"/>
+              <a:gd name="connsiteX5" fmla="*/ 1651468 w 1790836"/>
+              <a:gd name="connsiteY5" fmla="*/ 1393676 h 1393675"/>
+              <a:gd name="connsiteX6" fmla="*/ 139368 w 1790836"/>
+              <a:gd name="connsiteY6" fmla="*/ 1393675 h 1393675"/>
+              <a:gd name="connsiteX7" fmla="*/ 0 w 1790836"/>
+              <a:gd name="connsiteY7" fmla="*/ 1254307 h 1393675"/>
+              <a:gd name="connsiteX8" fmla="*/ 0 w 1790836"/>
+              <a:gd name="connsiteY8" fmla="*/ 139368 h 1393675"/>
+            </a:gdLst>
+            <a:ahLst/>
+            <a:cxnLst>
+              <a:cxn ang="0">
+                <a:pos x="connsiteX0" y="connsiteY0"/>
+              </a:cxn>
+              <a:cxn ang="0">
+                <a:pos x="connsiteX1" y="connsiteY1"/>
+              </a:cxn>
+              <a:cxn ang="0">
+                <a:pos x="connsiteX2" y="connsiteY2"/>
+              </a:cxn>
+              <a:cxn ang="0">
+                <a:pos x="connsiteX3" y="connsiteY3"/>
+              </a:cxn>
+              <a:cxn ang="0">
+                <a:pos x="connsiteX4" y="connsiteY4"/>
+              </a:cxn>
+              <a:cxn ang="0">
+                <a:pos x="connsiteX5" y="connsiteY5"/>
+              </a:cxn>
+              <a:cxn ang="0">
+                <a:pos x="connsiteX6" y="connsiteY6"/>
+              </a:cxn>
+              <a:cxn ang="0">
+                <a:pos x="connsiteX7" y="connsiteY7"/>
+              </a:cxn>
+              <a:cxn ang="0">
+                <a:pos x="connsiteX8" y="connsiteY8"/>
+              </a:cxn>
+            </a:cxnLst>
+            <a:rect l="l" t="t" r="r" b="b"/>
+            <a:pathLst>
+              <a:path w="1790836" h="1393675">
+                <a:moveTo>
+                  <a:pt x="0" y="139368"/>
+                </a:moveTo>
+                <a:cubicBezTo>
+                  <a:pt x="0" y="62397"/>
+                  <a:pt x="62397" y="0"/>
+                  <a:pt x="139368" y="0"/>
+                </a:cubicBezTo>
+                <a:lnTo>
+                  <a:pt x="1651469" y="0"/>
+                </a:lnTo>
+                <a:cubicBezTo>
+                  <a:pt x="1728440" y="0"/>
+                  <a:pt x="1790837" y="62397"/>
+                  <a:pt x="1790837" y="139368"/>
+                </a:cubicBezTo>
+                <a:cubicBezTo>
+                  <a:pt x="1790837" y="511015"/>
+                  <a:pt x="1790836" y="882661"/>
+                  <a:pt x="1790836" y="1254308"/>
+                </a:cubicBezTo>
+                <a:cubicBezTo>
+                  <a:pt x="1790836" y="1331279"/>
+                  <a:pt x="1728439" y="1393676"/>
+                  <a:pt x="1651468" y="1393676"/>
+                </a:cubicBezTo>
+                <a:lnTo>
+                  <a:pt x="139368" y="1393675"/>
+                </a:lnTo>
+                <a:cubicBezTo>
+                  <a:pt x="62397" y="1393675"/>
+                  <a:pt x="0" y="1331278"/>
+                  <a:pt x="0" y="1254307"/>
+                </a:cubicBezTo>
+                <a:lnTo>
+                  <a:pt x="0" y="139368"/>
+                </a:lnTo>
+                <a:close/>
+              </a:path>
+            </a:pathLst>
+          </a:custGeom>
+        </p:spPr>
+        <p:style>
+          <a:lnRef idx="0">
+            <a:schemeClr val="lt1">
+              <a:hueOff val="0"/>
+              <a:satOff val="0"/>
+              <a:lumOff val="0"/>
+              <a:alphaOff val="0"/>
+            </a:schemeClr>
+          </a:lnRef>
+          <a:fillRef idx="3">
+            <a:schemeClr val="accent1">
+              <a:hueOff val="0"/>
+              <a:satOff val="0"/>
+              <a:lumOff val="0"/>
+              <a:alphaOff val="0"/>
+            </a:schemeClr>
+          </a:fillRef>
+          <a:effectRef idx="2">
+            <a:schemeClr val="accent1">
+              <a:hueOff val="0"/>
+              <a:satOff val="0"/>
+              <a:lumOff val="0"/>
+              <a:alphaOff val="0"/>
+            </a:schemeClr>
+          </a:effectRef>
+          <a:fontRef idx="minor">
+            <a:schemeClr val="lt1"/>
+          </a:fontRef>
+        </p:style>
+        <p:txBody>
+          <a:bodyPr spcFirstLastPara="0" vert="horz" wrap="square" lIns="101779" tIns="101779" rIns="101779" bIns="101779" numCol="1" spcCol="1270" anchor="t" anchorCtr="0">
+            <a:noAutofit/>
+          </a:bodyPr>
+          <a:lstStyle/>
+          <a:p>
+            <a:pPr defTabSz="711200">
+              <a:lnSpc>
+                <a:spcPct val="90000"/>
+              </a:lnSpc>
+              <a:spcBef>
+                <a:spcPct val="0"/>
+              </a:spcBef>
+              <a:spcAft>
+                <a:spcPct val="35000"/>
+              </a:spcAft>
+            </a:pPr>
+            <a:r>
+              <a:rPr lang="en-US" sz="1600" b="1" dirty="0"/>
+              <a:t>Sunday: Travel</a:t>
+            </a:r>
+            <a:endParaRPr lang="en-US" sz="1300" dirty="0"/>
+          </a:p>
+        </p:txBody>
+      </p:sp>
+      <p:cxnSp>
+        <p:nvCxnSpPr>
+          <p:cNvPr id="24" name="Straight Connector 23">
+            <a:extLst>
+              <a:ext uri="{FF2B5EF4-FFF2-40B4-BE49-F238E27FC236}">
+                <a16:creationId xmlns:a16="http://schemas.microsoft.com/office/drawing/2014/main" id="{F468F7D6-D5D7-FF4C-8FB9-7B3CF61F6F3E}"/>
+              </a:ext>
+            </a:extLst>
+          </p:cNvPr>
+          <p:cNvCxnSpPr/>
+          <p:nvPr/>
+        </p:nvCxnSpPr>
+        <p:spPr>
+          <a:xfrm flipH="1">
+            <a:off x="773995" y="532428"/>
+            <a:ext cx="57355" cy="238429"/>
+          </a:xfrm>
+          <a:prstGeom prst="line">
+            <a:avLst/>
+          </a:prstGeom>
+          <a:ln w="38100">
+            <a:solidFill>
+              <a:schemeClr val="accent1">
+                <a:lumMod val="40000"/>
+                <a:lumOff val="60000"/>
+              </a:schemeClr>
+            </a:solidFill>
+          </a:ln>
+        </p:spPr>
+        <p:style>
+          <a:lnRef idx="1">
+            <a:schemeClr val="accent1"/>
+          </a:lnRef>
+          <a:fillRef idx="0">
+            <a:schemeClr val="accent1"/>
+          </a:fillRef>
+          <a:effectRef idx="0">
+            <a:schemeClr val="accent1"/>
+          </a:effectRef>
+          <a:fontRef idx="minor">
+            <a:schemeClr val="tx1"/>
+          </a:fontRef>
+        </p:style>
+      </p:cxnSp>
+    </p:spTree>
+    <p:extLst>
+      <p:ext uri="{BB962C8B-B14F-4D97-AF65-F5344CB8AC3E}">
+        <p14:creationId xmlns:p14="http://schemas.microsoft.com/office/powerpoint/2010/main" val="3365197614"/>
+      </p:ext>
+    </p:extLst>
+  </p:cSld>
+  <p:clrMapOvr>
+    <a:masterClrMapping/>
+  </p:clrMapOvr>
+</p:sld>
+</file>
+
+<file path=ppt/slides/slide5.xml><?xml version="1.0" encoding="utf-8"?>
+<p:sld xmlns:a="http://schemas.openxmlformats.org/drawingml/2006/main" xmlns:r="http://schemas.openxmlformats.org/officeDocument/2006/relationships" xmlns:p="http://schemas.openxmlformats.org/presentationml/2006/main">
+  <p:cSld>
+    <p:spTree>
+      <p:nvGrpSpPr>
+        <p:cNvPr id="1" name=""/>
+        <p:cNvGrpSpPr/>
+        <p:nvPr/>
+      </p:nvGrpSpPr>
+      <p:grpSpPr>
+        <a:xfrm>
+          <a:off x="0" y="0"/>
+          <a:ext cx="0" cy="0"/>
+          <a:chOff x="0" y="0"/>
+          <a:chExt cx="0" cy="0"/>
+        </a:xfrm>
+      </p:grpSpPr>
+      <p:cxnSp>
+        <p:nvCxnSpPr>
+          <p:cNvPr id="23" name="Straight Connector 22">
+            <a:extLst>
+              <a:ext uri="{FF2B5EF4-FFF2-40B4-BE49-F238E27FC236}">
+                <a16:creationId xmlns:a16="http://schemas.microsoft.com/office/drawing/2014/main" id="{96AEA4CD-2FFB-724B-8B9E-64DC167F5A6F}"/>
+              </a:ext>
+            </a:extLst>
+          </p:cNvPr>
+          <p:cNvCxnSpPr>
+            <a:cxnSpLocks/>
+          </p:cNvCxnSpPr>
+          <p:nvPr/>
+        </p:nvCxnSpPr>
+        <p:spPr>
+          <a:xfrm>
+            <a:off x="964524" y="2240948"/>
+            <a:ext cx="34271" cy="509917"/>
+          </a:xfrm>
+          <a:prstGeom prst="line">
+            <a:avLst/>
+          </a:prstGeom>
+          <a:ln w="38100">
+            <a:solidFill>
+              <a:schemeClr val="accent1">
+                <a:lumMod val="40000"/>
+                <a:lumOff val="60000"/>
+              </a:schemeClr>
+            </a:solidFill>
+          </a:ln>
+        </p:spPr>
+        <p:style>
+          <a:lnRef idx="1">
+            <a:schemeClr val="accent1"/>
+          </a:lnRef>
+          <a:fillRef idx="0">
+            <a:schemeClr val="accent1"/>
+          </a:fillRef>
+          <a:effectRef idx="0">
+            <a:schemeClr val="accent1"/>
+          </a:effectRef>
+          <a:fontRef idx="minor">
+            <a:schemeClr val="tx1"/>
+          </a:fontRef>
+        </p:style>
+      </p:cxnSp>
+      <p:cxnSp>
+        <p:nvCxnSpPr>
+          <p:cNvPr id="25" name="Straight Connector 24">
+            <a:extLst>
+              <a:ext uri="{FF2B5EF4-FFF2-40B4-BE49-F238E27FC236}">
+                <a16:creationId xmlns:a16="http://schemas.microsoft.com/office/drawing/2014/main" id="{AC983D53-F666-FE40-9941-5FE1FB18756F}"/>
+              </a:ext>
+            </a:extLst>
+          </p:cNvPr>
+          <p:cNvCxnSpPr>
+            <a:cxnSpLocks/>
+          </p:cNvCxnSpPr>
+          <p:nvPr/>
+        </p:nvCxnSpPr>
+        <p:spPr>
+          <a:xfrm flipH="1">
+            <a:off x="840367" y="2542562"/>
+            <a:ext cx="12949" cy="416606"/>
+          </a:xfrm>
+          <a:prstGeom prst="line">
+            <a:avLst/>
+          </a:prstGeom>
+          <a:ln w="38100">
+            <a:solidFill>
+              <a:schemeClr val="accent1">
+                <a:lumMod val="40000"/>
+                <a:lumOff val="60000"/>
+              </a:schemeClr>
+            </a:solidFill>
+          </a:ln>
+        </p:spPr>
+        <p:style>
+          <a:lnRef idx="1">
+            <a:schemeClr val="accent1"/>
+          </a:lnRef>
+          <a:fillRef idx="0">
+            <a:schemeClr val="accent1"/>
+          </a:fillRef>
+          <a:effectRef idx="0">
+            <a:schemeClr val="accent1"/>
+          </a:effectRef>
+          <a:fontRef idx="minor">
+            <a:schemeClr val="tx1"/>
+          </a:fontRef>
+        </p:style>
+      </p:cxnSp>
+      <p:grpSp>
+        <p:nvGrpSpPr>
+          <p:cNvPr id="6" name="Group 5"/>
+          <p:cNvGrpSpPr/>
+          <p:nvPr/>
+        </p:nvGrpSpPr>
+        <p:grpSpPr>
+          <a:xfrm>
+            <a:off x="3320" y="50836"/>
+            <a:ext cx="12120606" cy="6713461"/>
+            <a:chOff x="-1397716" y="-18132"/>
+            <a:chExt cx="10330995" cy="6713461"/>
+          </a:xfrm>
+        </p:grpSpPr>
+        <p:sp>
+          <p:nvSpPr>
+            <p:cNvPr id="7" name="Rectangle 6"/>
+            <p:cNvSpPr/>
+            <p:nvPr/>
+          </p:nvSpPr>
+          <p:spPr>
+            <a:xfrm rot="5035462">
+              <a:off x="-161772" y="4423513"/>
+              <a:ext cx="1585823" cy="39128"/>
+            </a:xfrm>
+            <a:prstGeom prst="rect">
+              <a:avLst/>
+            </a:prstGeom>
+          </p:spPr>
+          <p:style>
+            <a:lnRef idx="0">
+              <a:schemeClr val="accent1">
+                <a:tint val="60000"/>
+                <a:hueOff val="0"/>
+                <a:satOff val="0"/>
+                <a:lumOff val="0"/>
+                <a:alphaOff val="0"/>
+              </a:schemeClr>
+            </a:lnRef>
+            <a:fillRef idx="3">
+              <a:schemeClr val="accent1">
+                <a:tint val="60000"/>
+                <a:hueOff val="0"/>
+                <a:satOff val="0"/>
+                <a:lumOff val="0"/>
+                <a:alphaOff val="0"/>
+              </a:schemeClr>
+            </a:fillRef>
+            <a:effectRef idx="2">
+              <a:schemeClr val="accent1">
+                <a:tint val="60000"/>
+                <a:hueOff val="0"/>
+                <a:satOff val="0"/>
+                <a:lumOff val="0"/>
+                <a:alphaOff val="0"/>
+              </a:schemeClr>
+            </a:effectRef>
+            <a:fontRef idx="minor">
+              <a:schemeClr val="lt1"/>
+            </a:fontRef>
+          </p:style>
+        </p:sp>
+        <p:sp>
+          <p:nvSpPr>
+            <p:cNvPr id="8" name="Freeform 7"/>
+            <p:cNvSpPr/>
+            <p:nvPr/>
+          </p:nvSpPr>
+          <p:spPr>
+            <a:xfrm>
+              <a:off x="-1397716" y="2401024"/>
+              <a:ext cx="2896421" cy="2254867"/>
+            </a:xfrm>
+            <a:custGeom>
+              <a:avLst/>
+              <a:gdLst>
+                <a:gd name="connsiteX0" fmla="*/ 0 w 1790836"/>
+                <a:gd name="connsiteY0" fmla="*/ 139368 h 1393675"/>
+                <a:gd name="connsiteX1" fmla="*/ 139368 w 1790836"/>
+                <a:gd name="connsiteY1" fmla="*/ 0 h 1393675"/>
+                <a:gd name="connsiteX2" fmla="*/ 1651469 w 1790836"/>
+                <a:gd name="connsiteY2" fmla="*/ 0 h 1393675"/>
+                <a:gd name="connsiteX3" fmla="*/ 1790837 w 1790836"/>
+                <a:gd name="connsiteY3" fmla="*/ 139368 h 1393675"/>
+                <a:gd name="connsiteX4" fmla="*/ 1790836 w 1790836"/>
+                <a:gd name="connsiteY4" fmla="*/ 1254308 h 1393675"/>
+                <a:gd name="connsiteX5" fmla="*/ 1651468 w 1790836"/>
+                <a:gd name="connsiteY5" fmla="*/ 1393676 h 1393675"/>
+                <a:gd name="connsiteX6" fmla="*/ 139368 w 1790836"/>
+                <a:gd name="connsiteY6" fmla="*/ 1393675 h 1393675"/>
+                <a:gd name="connsiteX7" fmla="*/ 0 w 1790836"/>
+                <a:gd name="connsiteY7" fmla="*/ 1254307 h 1393675"/>
+                <a:gd name="connsiteX8" fmla="*/ 0 w 1790836"/>
+                <a:gd name="connsiteY8" fmla="*/ 139368 h 1393675"/>
+              </a:gdLst>
+              <a:ahLst/>
+              <a:cxnLst>
+                <a:cxn ang="0">
+                  <a:pos x="connsiteX0" y="connsiteY0"/>
+                </a:cxn>
+                <a:cxn ang="0">
+                  <a:pos x="connsiteX1" y="connsiteY1"/>
+                </a:cxn>
+                <a:cxn ang="0">
+                  <a:pos x="connsiteX2" y="connsiteY2"/>
+                </a:cxn>
+                <a:cxn ang="0">
+                  <a:pos x="connsiteX3" y="connsiteY3"/>
+                </a:cxn>
+                <a:cxn ang="0">
+                  <a:pos x="connsiteX4" y="connsiteY4"/>
+                </a:cxn>
+                <a:cxn ang="0">
+                  <a:pos x="connsiteX5" y="connsiteY5"/>
+                </a:cxn>
+                <a:cxn ang="0">
+                  <a:pos x="connsiteX6" y="connsiteY6"/>
+                </a:cxn>
+                <a:cxn ang="0">
+                  <a:pos x="connsiteX7" y="connsiteY7"/>
+                </a:cxn>
+                <a:cxn ang="0">
+                  <a:pos x="connsiteX8" y="connsiteY8"/>
+                </a:cxn>
+              </a:cxnLst>
+              <a:rect l="l" t="t" r="r" b="b"/>
+              <a:pathLst>
+                <a:path w="1790836" h="1393675">
+                  <a:moveTo>
+                    <a:pt x="0" y="139368"/>
+                  </a:moveTo>
+                  <a:cubicBezTo>
+                    <a:pt x="0" y="62397"/>
+                    <a:pt x="62397" y="0"/>
+                    <a:pt x="139368" y="0"/>
+                  </a:cubicBezTo>
+                  <a:lnTo>
+                    <a:pt x="1651469" y="0"/>
+                  </a:lnTo>
+                  <a:cubicBezTo>
+                    <a:pt x="1728440" y="0"/>
+                    <a:pt x="1790837" y="62397"/>
+                    <a:pt x="1790837" y="139368"/>
+                  </a:cubicBezTo>
+                  <a:cubicBezTo>
+                    <a:pt x="1790837" y="511015"/>
+                    <a:pt x="1790836" y="882661"/>
+                    <a:pt x="1790836" y="1254308"/>
+                  </a:cubicBezTo>
+                  <a:cubicBezTo>
+                    <a:pt x="1790836" y="1331279"/>
+                    <a:pt x="1728439" y="1393676"/>
+                    <a:pt x="1651468" y="1393676"/>
+                  </a:cubicBezTo>
+                  <a:lnTo>
+                    <a:pt x="139368" y="1393675"/>
+                  </a:lnTo>
+                  <a:cubicBezTo>
+                    <a:pt x="62397" y="1393675"/>
+                    <a:pt x="0" y="1331278"/>
+                    <a:pt x="0" y="1254307"/>
+                  </a:cubicBezTo>
+                  <a:lnTo>
+                    <a:pt x="0" y="139368"/>
+                  </a:lnTo>
+                  <a:close/>
+                </a:path>
+              </a:pathLst>
+            </a:custGeom>
+          </p:spPr>
+          <p:style>
+            <a:lnRef idx="0">
+              <a:schemeClr val="lt1">
+                <a:hueOff val="0"/>
+                <a:satOff val="0"/>
+                <a:lumOff val="0"/>
+                <a:alphaOff val="0"/>
+              </a:schemeClr>
+            </a:lnRef>
+            <a:fillRef idx="3">
+              <a:schemeClr val="accent1">
+                <a:hueOff val="0"/>
+                <a:satOff val="0"/>
+                <a:lumOff val="0"/>
+                <a:alphaOff val="0"/>
+              </a:schemeClr>
+            </a:fillRef>
+            <a:effectRef idx="2">
+              <a:schemeClr val="accent1">
+                <a:hueOff val="0"/>
+                <a:satOff val="0"/>
+                <a:lumOff val="0"/>
+                <a:alphaOff val="0"/>
+              </a:schemeClr>
+            </a:effectRef>
+            <a:fontRef idx="minor">
+              <a:schemeClr val="lt1"/>
+            </a:fontRef>
+          </p:style>
+          <p:txBody>
+            <a:bodyPr spcFirstLastPara="0" vert="horz" wrap="square" lIns="101779" tIns="101779" rIns="101779" bIns="101779" numCol="1" spcCol="1270" anchor="t" anchorCtr="0">
+              <a:noAutofit/>
+            </a:bodyPr>
+            <a:lstStyle/>
+            <a:p>
+              <a:pPr defTabSz="711200">
+                <a:lnSpc>
+                  <a:spcPct val="90000"/>
+                </a:lnSpc>
+                <a:spcBef>
+                  <a:spcPct val="0"/>
+                </a:spcBef>
+                <a:spcAft>
+                  <a:spcPct val="35000"/>
+                </a:spcAft>
+              </a:pPr>
+              <a:r>
+                <a:rPr lang="en-US" sz="1600" b="1" dirty="0"/>
+                <a:t>Monday: “Dealing with Data”</a:t>
+              </a:r>
+            </a:p>
+            <a:p>
+              <a:pPr defTabSz="711200">
+                <a:lnSpc>
+                  <a:spcPct val="90000"/>
+                </a:lnSpc>
+                <a:spcBef>
+                  <a:spcPct val="0"/>
+                </a:spcBef>
+                <a:spcAft>
+                  <a:spcPct val="35000"/>
+                </a:spcAft>
+              </a:pPr>
+              <a:r>
+                <a:rPr lang="en-US" sz="1600" dirty="0">
+                  <a:solidFill>
+                    <a:srgbClr val="FF85FF"/>
+                  </a:solidFill>
+                </a:rPr>
+                <a:t>● Ecology Meets Epidemiology</a:t>
+              </a:r>
+            </a:p>
+            <a:p>
+              <a:pPr defTabSz="711200">
+                <a:lnSpc>
+                  <a:spcPct val="90000"/>
+                </a:lnSpc>
+                <a:spcBef>
+                  <a:spcPct val="0"/>
+                </a:spcBef>
+                <a:spcAft>
+                  <a:spcPct val="35000"/>
+                </a:spcAft>
+              </a:pPr>
+              <a:r>
+                <a:rPr lang="en-US" sz="1600" dirty="0">
+                  <a:solidFill>
+                    <a:srgbClr val="FF85FF"/>
+                  </a:solidFill>
+                </a:rPr>
+                <a:t>● Linear regression &amp; simple stats</a:t>
+              </a:r>
+            </a:p>
+            <a:p>
+              <a:pPr defTabSz="711200">
+                <a:lnSpc>
+                  <a:spcPct val="90000"/>
+                </a:lnSpc>
+                <a:spcBef>
+                  <a:spcPct val="0"/>
+                </a:spcBef>
+                <a:spcAft>
+                  <a:spcPct val="35000"/>
+                </a:spcAft>
+              </a:pPr>
+              <a:r>
+                <a:rPr lang="en-US" sz="1600" dirty="0">
+                  <a:solidFill>
+                    <a:srgbClr val="FF85FF"/>
+                  </a:solidFill>
+                </a:rPr>
+                <a:t>● Study Design and Data Collection</a:t>
+              </a:r>
+            </a:p>
+            <a:p>
+              <a:pPr defTabSz="711200">
+                <a:lnSpc>
+                  <a:spcPct val="90000"/>
+                </a:lnSpc>
+                <a:spcBef>
+                  <a:spcPct val="0"/>
+                </a:spcBef>
+                <a:spcAft>
+                  <a:spcPct val="35000"/>
+                </a:spcAft>
+              </a:pPr>
+              <a:r>
+                <a:rPr lang="en-US" sz="1600" dirty="0">
+                  <a:solidFill>
+                    <a:srgbClr val="8EFA00"/>
+                  </a:solidFill>
+                </a:rPr>
+                <a:t>●</a:t>
+              </a:r>
+              <a:r>
+                <a:rPr lang="en-US" sz="1600" dirty="0">
+                  <a:solidFill>
+                    <a:srgbClr val="FF85FF"/>
+                  </a:solidFill>
+                </a:rPr>
+                <a:t> </a:t>
+              </a:r>
+              <a:r>
+                <a:rPr lang="en-US" sz="1600" dirty="0">
+                  <a:solidFill>
+                    <a:srgbClr val="8EFA00"/>
+                  </a:solidFill>
+                </a:rPr>
+                <a:t>Basic statistical modeling in R</a:t>
+              </a:r>
+            </a:p>
+            <a:p>
+              <a:pPr defTabSz="711200">
+                <a:lnSpc>
+                  <a:spcPct val="90000"/>
+                </a:lnSpc>
+                <a:spcBef>
+                  <a:spcPct val="0"/>
+                </a:spcBef>
+                <a:spcAft>
+                  <a:spcPct val="35000"/>
+                </a:spcAft>
+              </a:pPr>
+              <a:r>
+                <a:rPr lang="en-US" sz="1600" dirty="0">
+                  <a:solidFill>
+                    <a:srgbClr val="FFFF00"/>
+                  </a:solidFill>
+                </a:rPr>
+                <a:t>● Student introductions &amp; presentations</a:t>
+              </a:r>
+            </a:p>
+            <a:p>
+              <a:pPr defTabSz="711200">
+                <a:lnSpc>
+                  <a:spcPct val="90000"/>
+                </a:lnSpc>
+                <a:spcBef>
+                  <a:spcPct val="0"/>
+                </a:spcBef>
+                <a:spcAft>
+                  <a:spcPct val="35000"/>
+                </a:spcAft>
+              </a:pPr>
+              <a:endParaRPr lang="en-US" sz="1600" dirty="0"/>
+            </a:p>
+            <a:p>
+              <a:pPr marL="114300" lvl="1" indent="-114300" defTabSz="577850">
+                <a:lnSpc>
+                  <a:spcPct val="90000"/>
+                </a:lnSpc>
+                <a:spcBef>
+                  <a:spcPct val="0"/>
+                </a:spcBef>
+                <a:spcAft>
+                  <a:spcPct val="15000"/>
+                </a:spcAft>
+                <a:buChar char="•"/>
+              </a:pPr>
+              <a:endParaRPr lang="en-US" sz="1600" dirty="0"/>
+            </a:p>
+          </p:txBody>
+        </p:sp>
+        <p:sp>
+          <p:nvSpPr>
+            <p:cNvPr id="9" name="Rectangle 8"/>
+            <p:cNvSpPr/>
+            <p:nvPr/>
+          </p:nvSpPr>
+          <p:spPr>
+            <a:xfrm rot="20536532" flipV="1">
+              <a:off x="959792" y="5268883"/>
+              <a:ext cx="3551613" cy="45719"/>
+            </a:xfrm>
+            <a:prstGeom prst="rect">
+              <a:avLst/>
+            </a:prstGeom>
+          </p:spPr>
+          <p:style>
+            <a:lnRef idx="0">
+              <a:schemeClr val="accent1">
+                <a:tint val="60000"/>
+                <a:hueOff val="0"/>
+                <a:satOff val="0"/>
+                <a:lumOff val="0"/>
+                <a:alphaOff val="0"/>
+              </a:schemeClr>
+            </a:lnRef>
+            <a:fillRef idx="3">
+              <a:schemeClr val="accent1">
+                <a:tint val="60000"/>
+                <a:hueOff val="0"/>
+                <a:satOff val="0"/>
+                <a:lumOff val="0"/>
+                <a:alphaOff val="0"/>
+              </a:schemeClr>
+            </a:fillRef>
+            <a:effectRef idx="2">
+              <a:schemeClr val="accent1">
+                <a:tint val="60000"/>
+                <a:hueOff val="0"/>
+                <a:satOff val="0"/>
+                <a:lumOff val="0"/>
+                <a:alphaOff val="0"/>
+              </a:schemeClr>
+            </a:effectRef>
+            <a:fontRef idx="minor">
+              <a:schemeClr val="lt1"/>
+            </a:fontRef>
+          </p:style>
+        </p:sp>
+        <p:sp>
+          <p:nvSpPr>
+            <p:cNvPr id="10" name="Freeform 9"/>
+            <p:cNvSpPr/>
+            <p:nvPr/>
+          </p:nvSpPr>
+          <p:spPr>
+            <a:xfrm>
+              <a:off x="-622062" y="5040230"/>
+              <a:ext cx="3194631" cy="1655099"/>
+            </a:xfrm>
+            <a:custGeom>
+              <a:avLst/>
+              <a:gdLst>
+                <a:gd name="connsiteX0" fmla="*/ 0 w 1738912"/>
+                <a:gd name="connsiteY0" fmla="*/ 136981 h 1369809"/>
+                <a:gd name="connsiteX1" fmla="*/ 136981 w 1738912"/>
+                <a:gd name="connsiteY1" fmla="*/ 0 h 1369809"/>
+                <a:gd name="connsiteX2" fmla="*/ 1601931 w 1738912"/>
+                <a:gd name="connsiteY2" fmla="*/ 0 h 1369809"/>
+                <a:gd name="connsiteX3" fmla="*/ 1738912 w 1738912"/>
+                <a:gd name="connsiteY3" fmla="*/ 136981 h 1369809"/>
+                <a:gd name="connsiteX4" fmla="*/ 1738912 w 1738912"/>
+                <a:gd name="connsiteY4" fmla="*/ 1232828 h 1369809"/>
+                <a:gd name="connsiteX5" fmla="*/ 1601931 w 1738912"/>
+                <a:gd name="connsiteY5" fmla="*/ 1369809 h 1369809"/>
+                <a:gd name="connsiteX6" fmla="*/ 136981 w 1738912"/>
+                <a:gd name="connsiteY6" fmla="*/ 1369809 h 1369809"/>
+                <a:gd name="connsiteX7" fmla="*/ 0 w 1738912"/>
+                <a:gd name="connsiteY7" fmla="*/ 1232828 h 1369809"/>
+                <a:gd name="connsiteX8" fmla="*/ 0 w 1738912"/>
+                <a:gd name="connsiteY8" fmla="*/ 136981 h 1369809"/>
+              </a:gdLst>
+              <a:ahLst/>
+              <a:cxnLst>
+                <a:cxn ang="0">
+                  <a:pos x="connsiteX0" y="connsiteY0"/>
+                </a:cxn>
+                <a:cxn ang="0">
+                  <a:pos x="connsiteX1" y="connsiteY1"/>
+                </a:cxn>
+                <a:cxn ang="0">
+                  <a:pos x="connsiteX2" y="connsiteY2"/>
+                </a:cxn>
+                <a:cxn ang="0">
+                  <a:pos x="connsiteX3" y="connsiteY3"/>
+                </a:cxn>
+                <a:cxn ang="0">
+                  <a:pos x="connsiteX4" y="connsiteY4"/>
+                </a:cxn>
+                <a:cxn ang="0">
+                  <a:pos x="connsiteX5" y="connsiteY5"/>
+                </a:cxn>
+                <a:cxn ang="0">
+                  <a:pos x="connsiteX6" y="connsiteY6"/>
+                </a:cxn>
+                <a:cxn ang="0">
+                  <a:pos x="connsiteX7" y="connsiteY7"/>
+                </a:cxn>
+                <a:cxn ang="0">
+                  <a:pos x="connsiteX8" y="connsiteY8"/>
+                </a:cxn>
+              </a:cxnLst>
+              <a:rect l="l" t="t" r="r" b="b"/>
+              <a:pathLst>
+                <a:path w="1738912" h="1369809">
+                  <a:moveTo>
+                    <a:pt x="0" y="136981"/>
+                  </a:moveTo>
+                  <a:cubicBezTo>
+                    <a:pt x="0" y="61328"/>
+                    <a:pt x="61328" y="0"/>
+                    <a:pt x="136981" y="0"/>
+                  </a:cubicBezTo>
+                  <a:lnTo>
+                    <a:pt x="1601931" y="0"/>
+                  </a:lnTo>
+                  <a:cubicBezTo>
+                    <a:pt x="1677584" y="0"/>
+                    <a:pt x="1738912" y="61328"/>
+                    <a:pt x="1738912" y="136981"/>
+                  </a:cubicBezTo>
+                  <a:lnTo>
+                    <a:pt x="1738912" y="1232828"/>
+                  </a:lnTo>
+                  <a:cubicBezTo>
+                    <a:pt x="1738912" y="1308481"/>
+                    <a:pt x="1677584" y="1369809"/>
+                    <a:pt x="1601931" y="1369809"/>
+                  </a:cubicBezTo>
+                  <a:lnTo>
+                    <a:pt x="136981" y="1369809"/>
+                  </a:lnTo>
+                  <a:cubicBezTo>
+                    <a:pt x="61328" y="1369809"/>
+                    <a:pt x="0" y="1308481"/>
+                    <a:pt x="0" y="1232828"/>
+                  </a:cubicBezTo>
+                  <a:lnTo>
+                    <a:pt x="0" y="136981"/>
+                  </a:lnTo>
+                  <a:close/>
+                </a:path>
+              </a:pathLst>
+            </a:custGeom>
+          </p:spPr>
+          <p:style>
+            <a:lnRef idx="0">
+              <a:schemeClr val="lt1">
+                <a:hueOff val="0"/>
+                <a:satOff val="0"/>
+                <a:lumOff val="0"/>
+                <a:alphaOff val="0"/>
+              </a:schemeClr>
+            </a:lnRef>
+            <a:fillRef idx="3">
+              <a:schemeClr val="accent1">
+                <a:hueOff val="0"/>
+                <a:satOff val="0"/>
+                <a:lumOff val="0"/>
+                <a:alphaOff val="0"/>
+              </a:schemeClr>
+            </a:fillRef>
+            <a:effectRef idx="2">
+              <a:schemeClr val="accent1">
+                <a:hueOff val="0"/>
+                <a:satOff val="0"/>
+                <a:lumOff val="0"/>
+                <a:alphaOff val="0"/>
+              </a:schemeClr>
+            </a:effectRef>
+            <a:fontRef idx="minor">
+              <a:schemeClr val="lt1"/>
+            </a:fontRef>
+          </p:style>
+          <p:txBody>
+            <a:bodyPr spcFirstLastPara="0" vert="horz" wrap="square" lIns="101080" tIns="101080" rIns="101080" bIns="101080" numCol="1" spcCol="1270" anchor="t" anchorCtr="0">
+              <a:noAutofit/>
+            </a:bodyPr>
+            <a:lstStyle/>
+            <a:p>
+              <a:pPr defTabSz="711200">
+                <a:lnSpc>
+                  <a:spcPct val="90000"/>
+                </a:lnSpc>
+                <a:spcBef>
+                  <a:spcPct val="0"/>
+                </a:spcBef>
+                <a:spcAft>
+                  <a:spcPct val="35000"/>
+                </a:spcAft>
+              </a:pPr>
+              <a:r>
+                <a:rPr lang="en-US" sz="1600" b="1" dirty="0"/>
+                <a:t>Tuesday: “Deeper Thinking About Data”</a:t>
+              </a:r>
+            </a:p>
+            <a:p>
+              <a:pPr defTabSz="711200">
+                <a:lnSpc>
+                  <a:spcPct val="90000"/>
+                </a:lnSpc>
+                <a:spcBef>
+                  <a:spcPct val="0"/>
+                </a:spcBef>
+                <a:spcAft>
+                  <a:spcPct val="35000"/>
+                </a:spcAft>
+              </a:pPr>
+              <a:r>
+                <a:rPr lang="en-US" sz="1600" dirty="0">
+                  <a:solidFill>
+                    <a:srgbClr val="FF85FF"/>
+                  </a:solidFill>
+                </a:rPr>
+                <a:t>● Intro to Mixed Modeling</a:t>
+              </a:r>
+            </a:p>
+            <a:p>
+              <a:pPr defTabSz="711200">
+                <a:lnSpc>
+                  <a:spcPct val="90000"/>
+                </a:lnSpc>
+                <a:spcBef>
+                  <a:spcPct val="0"/>
+                </a:spcBef>
+                <a:spcAft>
+                  <a:spcPct val="35000"/>
+                </a:spcAft>
+              </a:pPr>
+              <a:r>
+                <a:rPr lang="en-US" sz="1600" dirty="0">
+                  <a:solidFill>
+                    <a:srgbClr val="8EFA00"/>
+                  </a:solidFill>
+                </a:rPr>
+                <a:t>●</a:t>
+              </a:r>
+              <a:r>
+                <a:rPr lang="en-US" sz="1600" dirty="0">
+                  <a:solidFill>
+                    <a:schemeClr val="accent3">
+                      <a:lumMod val="60000"/>
+                      <a:lumOff val="40000"/>
+                    </a:schemeClr>
+                  </a:solidFill>
+                </a:rPr>
+                <a:t> </a:t>
+              </a:r>
+              <a:r>
+                <a:rPr lang="en-US" sz="1600" dirty="0">
+                  <a:solidFill>
+                    <a:srgbClr val="8EFA00"/>
+                  </a:solidFill>
+                </a:rPr>
+                <a:t>Mixed modeling in R</a:t>
+              </a:r>
+            </a:p>
+            <a:p>
+              <a:pPr defTabSz="711200">
+                <a:lnSpc>
+                  <a:spcPct val="90000"/>
+                </a:lnSpc>
+                <a:spcBef>
+                  <a:spcPct val="0"/>
+                </a:spcBef>
+                <a:spcAft>
+                  <a:spcPct val="35000"/>
+                </a:spcAft>
+              </a:pPr>
+              <a:r>
+                <a:rPr lang="en-US" sz="1600" dirty="0">
+                  <a:solidFill>
+                    <a:srgbClr val="8EFA00"/>
+                  </a:solidFill>
+                </a:rPr>
+                <a:t>●</a:t>
+              </a:r>
+              <a:r>
+                <a:rPr lang="en-US" sz="1600" dirty="0">
+                  <a:solidFill>
+                    <a:schemeClr val="accent3">
+                      <a:lumMod val="60000"/>
+                      <a:lumOff val="40000"/>
+                    </a:schemeClr>
+                  </a:solidFill>
+                </a:rPr>
+                <a:t> </a:t>
+              </a:r>
+              <a:r>
+                <a:rPr lang="en-US" sz="1600" dirty="0">
+                  <a:solidFill>
+                    <a:srgbClr val="8EFA00"/>
+                  </a:solidFill>
+                </a:rPr>
+                <a:t>Dynamical Fever</a:t>
+              </a:r>
+            </a:p>
+            <a:p>
+              <a:pPr defTabSz="711200">
+                <a:lnSpc>
+                  <a:spcPct val="90000"/>
+                </a:lnSpc>
+                <a:spcBef>
+                  <a:spcPct val="0"/>
+                </a:spcBef>
+                <a:spcAft>
+                  <a:spcPct val="35000"/>
+                </a:spcAft>
+              </a:pPr>
+              <a:r>
+                <a:rPr lang="en-US" sz="1600" dirty="0">
+                  <a:solidFill>
+                    <a:srgbClr val="FFFF00"/>
+                  </a:solidFill>
+                </a:rPr>
+                <a:t>● Formulating research questions</a:t>
+              </a:r>
+            </a:p>
+          </p:txBody>
+        </p:sp>
+        <p:sp>
+          <p:nvSpPr>
+            <p:cNvPr id="11" name="Rectangle 10"/>
+            <p:cNvSpPr/>
+            <p:nvPr/>
+          </p:nvSpPr>
+          <p:spPr>
+            <a:xfrm rot="13134073">
+              <a:off x="5110411" y="884788"/>
+              <a:ext cx="2300479" cy="53639"/>
+            </a:xfrm>
+            <a:prstGeom prst="rect">
+              <a:avLst/>
+            </a:prstGeom>
+          </p:spPr>
+          <p:style>
+            <a:lnRef idx="0">
+              <a:schemeClr val="accent1">
+                <a:tint val="60000"/>
+                <a:hueOff val="0"/>
+                <a:satOff val="0"/>
+                <a:lumOff val="0"/>
+                <a:alphaOff val="0"/>
+              </a:schemeClr>
+            </a:lnRef>
+            <a:fillRef idx="3">
+              <a:schemeClr val="accent1">
+                <a:tint val="60000"/>
+                <a:hueOff val="0"/>
+                <a:satOff val="0"/>
+                <a:lumOff val="0"/>
+                <a:alphaOff val="0"/>
+              </a:schemeClr>
+            </a:fillRef>
+            <a:effectRef idx="2">
+              <a:schemeClr val="accent1">
+                <a:tint val="60000"/>
+                <a:hueOff val="0"/>
+                <a:satOff val="0"/>
+                <a:lumOff val="0"/>
+                <a:alphaOff val="0"/>
+              </a:schemeClr>
+            </a:effectRef>
+            <a:fontRef idx="minor">
+              <a:schemeClr val="lt1"/>
+            </a:fontRef>
+          </p:style>
+        </p:sp>
+        <p:sp>
+          <p:nvSpPr>
+            <p:cNvPr id="13" name="Rectangle 12"/>
+            <p:cNvSpPr/>
+            <p:nvPr/>
+          </p:nvSpPr>
+          <p:spPr>
+            <a:xfrm rot="16037829">
+              <a:off x="2521147" y="2280011"/>
+              <a:ext cx="4018628" cy="33351"/>
+            </a:xfrm>
+            <a:prstGeom prst="rect">
+              <a:avLst/>
+            </a:prstGeom>
+          </p:spPr>
+          <p:style>
+            <a:lnRef idx="0">
+              <a:schemeClr val="accent1">
+                <a:tint val="60000"/>
+                <a:hueOff val="0"/>
+                <a:satOff val="0"/>
+                <a:lumOff val="0"/>
+                <a:alphaOff val="0"/>
+              </a:schemeClr>
+            </a:lnRef>
+            <a:fillRef idx="3">
+              <a:schemeClr val="accent1">
+                <a:tint val="60000"/>
+                <a:hueOff val="0"/>
+                <a:satOff val="0"/>
+                <a:lumOff val="0"/>
+                <a:alphaOff val="0"/>
+              </a:schemeClr>
+            </a:fillRef>
+            <a:effectRef idx="2">
+              <a:schemeClr val="accent1">
+                <a:tint val="60000"/>
+                <a:hueOff val="0"/>
+                <a:satOff val="0"/>
+                <a:lumOff val="0"/>
+                <a:alphaOff val="0"/>
+              </a:schemeClr>
+            </a:effectRef>
+            <a:fontRef idx="minor">
+              <a:schemeClr val="lt1"/>
+            </a:fontRef>
+          </p:style>
+        </p:sp>
+        <p:sp>
+          <p:nvSpPr>
+            <p:cNvPr id="14" name="Freeform 13"/>
+            <p:cNvSpPr/>
+            <p:nvPr/>
+          </p:nvSpPr>
+          <p:spPr>
+            <a:xfrm>
+              <a:off x="2448140" y="-18132"/>
+              <a:ext cx="3581816" cy="2598368"/>
+            </a:xfrm>
+            <a:custGeom>
+              <a:avLst/>
+              <a:gdLst>
+                <a:gd name="connsiteX0" fmla="*/ 0 w 2391641"/>
+                <a:gd name="connsiteY0" fmla="*/ 237651 h 2376514"/>
+                <a:gd name="connsiteX1" fmla="*/ 237651 w 2391641"/>
+                <a:gd name="connsiteY1" fmla="*/ 0 h 2376514"/>
+                <a:gd name="connsiteX2" fmla="*/ 2153990 w 2391641"/>
+                <a:gd name="connsiteY2" fmla="*/ 0 h 2376514"/>
+                <a:gd name="connsiteX3" fmla="*/ 2391641 w 2391641"/>
+                <a:gd name="connsiteY3" fmla="*/ 237651 h 2376514"/>
+                <a:gd name="connsiteX4" fmla="*/ 2391641 w 2391641"/>
+                <a:gd name="connsiteY4" fmla="*/ 2138863 h 2376514"/>
+                <a:gd name="connsiteX5" fmla="*/ 2153990 w 2391641"/>
+                <a:gd name="connsiteY5" fmla="*/ 2376514 h 2376514"/>
+                <a:gd name="connsiteX6" fmla="*/ 237651 w 2391641"/>
+                <a:gd name="connsiteY6" fmla="*/ 2376514 h 2376514"/>
+                <a:gd name="connsiteX7" fmla="*/ 0 w 2391641"/>
+                <a:gd name="connsiteY7" fmla="*/ 2138863 h 2376514"/>
+                <a:gd name="connsiteX8" fmla="*/ 0 w 2391641"/>
+                <a:gd name="connsiteY8" fmla="*/ 237651 h 2376514"/>
+              </a:gdLst>
+              <a:ahLst/>
+              <a:cxnLst>
+                <a:cxn ang="0">
+                  <a:pos x="connsiteX0" y="connsiteY0"/>
+                </a:cxn>
+                <a:cxn ang="0">
+                  <a:pos x="connsiteX1" y="connsiteY1"/>
+                </a:cxn>
+                <a:cxn ang="0">
+                  <a:pos x="connsiteX2" y="connsiteY2"/>
+                </a:cxn>
+                <a:cxn ang="0">
+                  <a:pos x="connsiteX3" y="connsiteY3"/>
+                </a:cxn>
+                <a:cxn ang="0">
+                  <a:pos x="connsiteX4" y="connsiteY4"/>
+                </a:cxn>
+                <a:cxn ang="0">
+                  <a:pos x="connsiteX5" y="connsiteY5"/>
+                </a:cxn>
+                <a:cxn ang="0">
+                  <a:pos x="connsiteX6" y="connsiteY6"/>
+                </a:cxn>
+                <a:cxn ang="0">
+                  <a:pos x="connsiteX7" y="connsiteY7"/>
+                </a:cxn>
+                <a:cxn ang="0">
+                  <a:pos x="connsiteX8" y="connsiteY8"/>
+                </a:cxn>
+              </a:cxnLst>
+              <a:rect l="l" t="t" r="r" b="b"/>
+              <a:pathLst>
+                <a:path w="2391641" h="2376514">
+                  <a:moveTo>
+                    <a:pt x="0" y="237651"/>
+                  </a:moveTo>
+                  <a:cubicBezTo>
+                    <a:pt x="0" y="106400"/>
+                    <a:pt x="106400" y="0"/>
+                    <a:pt x="237651" y="0"/>
+                  </a:cubicBezTo>
+                  <a:lnTo>
+                    <a:pt x="2153990" y="0"/>
+                  </a:lnTo>
+                  <a:cubicBezTo>
+                    <a:pt x="2285241" y="0"/>
+                    <a:pt x="2391641" y="106400"/>
+                    <a:pt x="2391641" y="237651"/>
+                  </a:cubicBezTo>
+                  <a:lnTo>
+                    <a:pt x="2391641" y="2138863"/>
+                  </a:lnTo>
+                  <a:cubicBezTo>
+                    <a:pt x="2391641" y="2270114"/>
+                    <a:pt x="2285241" y="2376514"/>
+                    <a:pt x="2153990" y="2376514"/>
+                  </a:cubicBezTo>
+                  <a:lnTo>
+                    <a:pt x="237651" y="2376514"/>
+                  </a:lnTo>
+                  <a:cubicBezTo>
+                    <a:pt x="106400" y="2376514"/>
+                    <a:pt x="0" y="2270114"/>
+                    <a:pt x="0" y="2138863"/>
+                  </a:cubicBezTo>
+                  <a:lnTo>
+                    <a:pt x="0" y="237651"/>
+                  </a:lnTo>
+                  <a:close/>
+                </a:path>
+              </a:pathLst>
+            </a:custGeom>
+          </p:spPr>
+          <p:style>
+            <a:lnRef idx="0">
+              <a:schemeClr val="lt1">
+                <a:hueOff val="0"/>
+                <a:satOff val="0"/>
+                <a:lumOff val="0"/>
+                <a:alphaOff val="0"/>
+              </a:schemeClr>
+            </a:lnRef>
+            <a:fillRef idx="3">
+              <a:schemeClr val="accent1">
+                <a:hueOff val="0"/>
+                <a:satOff val="0"/>
+                <a:lumOff val="0"/>
+                <a:alphaOff val="0"/>
+              </a:schemeClr>
+            </a:fillRef>
+            <a:effectRef idx="2">
+              <a:schemeClr val="accent1">
+                <a:hueOff val="0"/>
+                <a:satOff val="0"/>
+                <a:lumOff val="0"/>
+                <a:alphaOff val="0"/>
+              </a:schemeClr>
+            </a:effectRef>
+            <a:fontRef idx="minor">
+              <a:schemeClr val="lt1"/>
+            </a:fontRef>
+          </p:style>
+          <p:txBody>
+            <a:bodyPr spcFirstLastPara="0" vert="horz" wrap="square" lIns="130566" tIns="130566" rIns="130566" bIns="130566" numCol="1" spcCol="1270" anchor="t" anchorCtr="0">
+              <a:noAutofit/>
+            </a:bodyPr>
+            <a:lstStyle/>
+            <a:p>
+              <a:pPr defTabSz="711200">
+                <a:lnSpc>
+                  <a:spcPct val="90000"/>
+                </a:lnSpc>
+                <a:spcBef>
+                  <a:spcPct val="0"/>
+                </a:spcBef>
+                <a:spcAft>
+                  <a:spcPct val="35000"/>
+                </a:spcAft>
+              </a:pPr>
+              <a:r>
+                <a:rPr lang="en-US" sz="1600" b="1" dirty="0"/>
+                <a:t>Thursday: “Fitting Models to Data”</a:t>
+              </a:r>
+            </a:p>
+            <a:p>
+              <a:pPr defTabSz="711200">
+                <a:lnSpc>
+                  <a:spcPct val="90000"/>
+                </a:lnSpc>
+                <a:spcBef>
+                  <a:spcPct val="0"/>
+                </a:spcBef>
+                <a:spcAft>
+                  <a:spcPct val="35000"/>
+                </a:spcAft>
+              </a:pPr>
+              <a:r>
+                <a:rPr lang="en-US" sz="1600" dirty="0">
+                  <a:solidFill>
+                    <a:srgbClr val="FF85FF"/>
+                  </a:solidFill>
+                </a:rPr>
+                <a:t>● Model Fitting in Practice </a:t>
+              </a:r>
+              <a:r>
+                <a:rPr lang="mr-IN" sz="1600" dirty="0">
+                  <a:solidFill>
+                    <a:srgbClr val="FF85FF"/>
+                  </a:solidFill>
+                </a:rPr>
+                <a:t>–</a:t>
+              </a:r>
+              <a:r>
+                <a:rPr lang="en-US" sz="1600" dirty="0">
+                  <a:solidFill>
+                    <a:srgbClr val="FF85FF"/>
+                  </a:solidFill>
+                </a:rPr>
+                <a:t> the Basic Concept</a:t>
+              </a:r>
+            </a:p>
+            <a:p>
+              <a:pPr defTabSz="711200">
+                <a:lnSpc>
+                  <a:spcPct val="90000"/>
+                </a:lnSpc>
+                <a:spcBef>
+                  <a:spcPct val="0"/>
+                </a:spcBef>
+                <a:spcAft>
+                  <a:spcPct val="35000"/>
+                </a:spcAft>
+              </a:pPr>
+              <a:r>
+                <a:rPr lang="en-US" sz="1600" dirty="0">
+                  <a:solidFill>
+                    <a:srgbClr val="FF85FF"/>
+                  </a:solidFill>
+                </a:rPr>
+                <a:t>● Introduction to Occupancy Modeling</a:t>
+              </a:r>
+            </a:p>
+            <a:p>
+              <a:pPr defTabSz="711200">
+                <a:lnSpc>
+                  <a:spcPct val="90000"/>
+                </a:lnSpc>
+                <a:spcBef>
+                  <a:spcPct val="0"/>
+                </a:spcBef>
+                <a:spcAft>
+                  <a:spcPct val="35000"/>
+                </a:spcAft>
+              </a:pPr>
+              <a:r>
+                <a:rPr lang="en-US" sz="1600" dirty="0">
+                  <a:solidFill>
+                    <a:srgbClr val="8EFA00"/>
+                  </a:solidFill>
+                </a:rPr>
+                <a:t>● Occupancy modeling in R</a:t>
+              </a:r>
+              <a:endParaRPr lang="en-US" sz="1600" dirty="0">
+                <a:solidFill>
+                  <a:srgbClr val="FF85FF"/>
+                </a:solidFill>
+              </a:endParaRPr>
+            </a:p>
+            <a:p>
+              <a:pPr defTabSz="711200">
+                <a:lnSpc>
+                  <a:spcPct val="90000"/>
+                </a:lnSpc>
+                <a:spcBef>
+                  <a:spcPct val="0"/>
+                </a:spcBef>
+                <a:spcAft>
+                  <a:spcPct val="35000"/>
+                </a:spcAft>
+              </a:pPr>
+              <a:r>
+                <a:rPr lang="en-US" sz="1600" dirty="0">
+                  <a:solidFill>
+                    <a:srgbClr val="8EFA00"/>
+                  </a:solidFill>
+                </a:rPr>
+                <a:t>● Epidemic Cards</a:t>
+              </a:r>
+            </a:p>
+            <a:p>
+              <a:pPr defTabSz="711200">
+                <a:lnSpc>
+                  <a:spcPct val="90000"/>
+                </a:lnSpc>
+                <a:spcBef>
+                  <a:spcPct val="0"/>
+                </a:spcBef>
+                <a:spcAft>
+                  <a:spcPct val="35000"/>
+                </a:spcAft>
+              </a:pPr>
+              <a:r>
+                <a:rPr lang="en-US" sz="1600" dirty="0">
+                  <a:solidFill>
+                    <a:srgbClr val="8EFA00"/>
+                  </a:solidFill>
+                </a:rPr>
+                <a:t>● Model Fitting with Epidemic Cards</a:t>
+              </a:r>
+            </a:p>
+            <a:p>
+              <a:pPr defTabSz="711200">
+                <a:lnSpc>
+                  <a:spcPct val="90000"/>
+                </a:lnSpc>
+                <a:spcBef>
+                  <a:spcPct val="0"/>
+                </a:spcBef>
+                <a:spcAft>
+                  <a:spcPct val="35000"/>
+                </a:spcAft>
+              </a:pPr>
+              <a:r>
+                <a:rPr lang="en-US" sz="1600" dirty="0">
+                  <a:solidFill>
+                    <a:srgbClr val="8EFA00"/>
+                  </a:solidFill>
+                </a:rPr>
+                <a:t>● Model Selection and Comparison</a:t>
+              </a:r>
+              <a:endParaRPr lang="en-US" sz="1600" dirty="0">
+                <a:solidFill>
+                  <a:srgbClr val="FFFF00"/>
+                </a:solidFill>
+              </a:endParaRPr>
+            </a:p>
+            <a:p>
+              <a:pPr defTabSz="711200">
+                <a:lnSpc>
+                  <a:spcPct val="90000"/>
+                </a:lnSpc>
+                <a:spcBef>
+                  <a:spcPct val="0"/>
+                </a:spcBef>
+                <a:spcAft>
+                  <a:spcPct val="35000"/>
+                </a:spcAft>
+              </a:pPr>
+              <a:r>
+                <a:rPr lang="en-US" sz="1600" dirty="0">
+                  <a:solidFill>
+                    <a:srgbClr val="FFFF00"/>
+                  </a:solidFill>
+                </a:rPr>
+                <a:t>● Model Telephone</a:t>
+              </a:r>
+            </a:p>
+            <a:p>
+              <a:pPr defTabSz="711200">
+                <a:lnSpc>
+                  <a:spcPct val="90000"/>
+                </a:lnSpc>
+                <a:spcBef>
+                  <a:spcPct val="0"/>
+                </a:spcBef>
+                <a:spcAft>
+                  <a:spcPct val="35000"/>
+                </a:spcAft>
+              </a:pPr>
+              <a:endParaRPr lang="en-US" sz="1300" dirty="0"/>
+            </a:p>
+          </p:txBody>
+        </p:sp>
+        <p:sp>
+          <p:nvSpPr>
+            <p:cNvPr id="15" name="Rectangle 14"/>
+            <p:cNvSpPr/>
+            <p:nvPr/>
+          </p:nvSpPr>
+          <p:spPr>
+            <a:xfrm rot="5846445">
+              <a:off x="6689146" y="2667287"/>
+              <a:ext cx="2447242" cy="39128"/>
+            </a:xfrm>
+            <a:prstGeom prst="rect">
+              <a:avLst/>
+            </a:prstGeom>
+          </p:spPr>
+          <p:style>
+            <a:lnRef idx="0">
+              <a:schemeClr val="accent1">
+                <a:tint val="60000"/>
+                <a:hueOff val="0"/>
+                <a:satOff val="0"/>
+                <a:lumOff val="0"/>
+                <a:alphaOff val="0"/>
+              </a:schemeClr>
+            </a:lnRef>
+            <a:fillRef idx="3">
+              <a:schemeClr val="accent1">
+                <a:tint val="60000"/>
+                <a:hueOff val="0"/>
+                <a:satOff val="0"/>
+                <a:lumOff val="0"/>
+                <a:alphaOff val="0"/>
+              </a:schemeClr>
+            </a:fillRef>
+            <a:effectRef idx="2">
+              <a:schemeClr val="accent1">
+                <a:tint val="60000"/>
+                <a:hueOff val="0"/>
+                <a:satOff val="0"/>
+                <a:lumOff val="0"/>
+                <a:alphaOff val="0"/>
+              </a:schemeClr>
+            </a:effectRef>
+            <a:fontRef idx="minor">
+              <a:schemeClr val="lt1"/>
+            </a:fontRef>
+          </p:style>
+        </p:sp>
+        <p:sp>
+          <p:nvSpPr>
+            <p:cNvPr id="16" name="Freeform 15"/>
+            <p:cNvSpPr/>
+            <p:nvPr/>
+          </p:nvSpPr>
+          <p:spPr>
+            <a:xfrm>
+              <a:off x="6127377" y="1290468"/>
+              <a:ext cx="2785884" cy="2154759"/>
+            </a:xfrm>
+            <a:custGeom>
+              <a:avLst/>
+              <a:gdLst>
+                <a:gd name="connsiteX0" fmla="*/ 0 w 2743248"/>
+                <a:gd name="connsiteY0" fmla="*/ 240621 h 2406205"/>
+                <a:gd name="connsiteX1" fmla="*/ 240621 w 2743248"/>
+                <a:gd name="connsiteY1" fmla="*/ 0 h 2406205"/>
+                <a:gd name="connsiteX2" fmla="*/ 2502628 w 2743248"/>
+                <a:gd name="connsiteY2" fmla="*/ 0 h 2406205"/>
+                <a:gd name="connsiteX3" fmla="*/ 2743249 w 2743248"/>
+                <a:gd name="connsiteY3" fmla="*/ 240621 h 2406205"/>
+                <a:gd name="connsiteX4" fmla="*/ 2743248 w 2743248"/>
+                <a:gd name="connsiteY4" fmla="*/ 2165585 h 2406205"/>
+                <a:gd name="connsiteX5" fmla="*/ 2502627 w 2743248"/>
+                <a:gd name="connsiteY5" fmla="*/ 2406206 h 2406205"/>
+                <a:gd name="connsiteX6" fmla="*/ 240621 w 2743248"/>
+                <a:gd name="connsiteY6" fmla="*/ 2406205 h 2406205"/>
+                <a:gd name="connsiteX7" fmla="*/ 0 w 2743248"/>
+                <a:gd name="connsiteY7" fmla="*/ 2165584 h 2406205"/>
+                <a:gd name="connsiteX8" fmla="*/ 0 w 2743248"/>
+                <a:gd name="connsiteY8" fmla="*/ 240621 h 2406205"/>
+              </a:gdLst>
+              <a:ahLst/>
+              <a:cxnLst>
+                <a:cxn ang="0">
+                  <a:pos x="connsiteX0" y="connsiteY0"/>
+                </a:cxn>
+                <a:cxn ang="0">
+                  <a:pos x="connsiteX1" y="connsiteY1"/>
+                </a:cxn>
+                <a:cxn ang="0">
+                  <a:pos x="connsiteX2" y="connsiteY2"/>
+                </a:cxn>
+                <a:cxn ang="0">
+                  <a:pos x="connsiteX3" y="connsiteY3"/>
+                </a:cxn>
+                <a:cxn ang="0">
+                  <a:pos x="connsiteX4" y="connsiteY4"/>
+                </a:cxn>
+                <a:cxn ang="0">
+                  <a:pos x="connsiteX5" y="connsiteY5"/>
+                </a:cxn>
+                <a:cxn ang="0">
+                  <a:pos x="connsiteX6" y="connsiteY6"/>
+                </a:cxn>
+                <a:cxn ang="0">
+                  <a:pos x="connsiteX7" y="connsiteY7"/>
+                </a:cxn>
+                <a:cxn ang="0">
+                  <a:pos x="connsiteX8" y="connsiteY8"/>
+                </a:cxn>
+              </a:cxnLst>
+              <a:rect l="l" t="t" r="r" b="b"/>
+              <a:pathLst>
+                <a:path w="2743248" h="2406205">
+                  <a:moveTo>
+                    <a:pt x="0" y="240621"/>
+                  </a:moveTo>
+                  <a:cubicBezTo>
+                    <a:pt x="0" y="107730"/>
+                    <a:pt x="107730" y="0"/>
+                    <a:pt x="240621" y="0"/>
+                  </a:cubicBezTo>
+                  <a:lnTo>
+                    <a:pt x="2502628" y="0"/>
+                  </a:lnTo>
+                  <a:cubicBezTo>
+                    <a:pt x="2635519" y="0"/>
+                    <a:pt x="2743249" y="107730"/>
+                    <a:pt x="2743249" y="240621"/>
+                  </a:cubicBezTo>
+                  <a:cubicBezTo>
+                    <a:pt x="2743249" y="882276"/>
+                    <a:pt x="2743248" y="1523930"/>
+                    <a:pt x="2743248" y="2165585"/>
+                  </a:cubicBezTo>
+                  <a:cubicBezTo>
+                    <a:pt x="2743248" y="2298476"/>
+                    <a:pt x="2635518" y="2406206"/>
+                    <a:pt x="2502627" y="2406206"/>
+                  </a:cubicBezTo>
+                  <a:lnTo>
+                    <a:pt x="240621" y="2406205"/>
+                  </a:lnTo>
+                  <a:cubicBezTo>
+                    <a:pt x="107730" y="2406205"/>
+                    <a:pt x="0" y="2298475"/>
+                    <a:pt x="0" y="2165584"/>
+                  </a:cubicBezTo>
+                  <a:lnTo>
+                    <a:pt x="0" y="240621"/>
+                  </a:lnTo>
+                  <a:close/>
+                </a:path>
+              </a:pathLst>
+            </a:custGeom>
+          </p:spPr>
+          <p:style>
+            <a:lnRef idx="0">
+              <a:schemeClr val="lt1">
+                <a:hueOff val="0"/>
+                <a:satOff val="0"/>
+                <a:lumOff val="0"/>
+                <a:alphaOff val="0"/>
+              </a:schemeClr>
+            </a:lnRef>
+            <a:fillRef idx="3">
+              <a:schemeClr val="accent1">
+                <a:hueOff val="0"/>
+                <a:satOff val="0"/>
+                <a:lumOff val="0"/>
+                <a:alphaOff val="0"/>
+              </a:schemeClr>
+            </a:fillRef>
+            <a:effectRef idx="2">
+              <a:schemeClr val="accent1">
+                <a:hueOff val="0"/>
+                <a:satOff val="0"/>
+                <a:lumOff val="0"/>
+                <a:alphaOff val="0"/>
+              </a:schemeClr>
+            </a:effectRef>
+            <a:fontRef idx="minor">
+              <a:schemeClr val="lt1"/>
+            </a:fontRef>
+          </p:style>
+          <p:txBody>
+            <a:bodyPr spcFirstLastPara="0" vert="horz" wrap="square" lIns="131435" tIns="131435" rIns="131435" bIns="131435" numCol="1" spcCol="1270" anchor="t" anchorCtr="0">
+              <a:noAutofit/>
+            </a:bodyPr>
+            <a:lstStyle/>
+            <a:p>
+              <a:pPr defTabSz="711200">
+                <a:lnSpc>
+                  <a:spcPct val="90000"/>
+                </a:lnSpc>
+                <a:spcBef>
+                  <a:spcPct val="0"/>
+                </a:spcBef>
+                <a:spcAft>
+                  <a:spcPct val="35000"/>
+                </a:spcAft>
+              </a:pPr>
+              <a:r>
+                <a:rPr lang="en-US" sz="1600" b="1" dirty="0"/>
+                <a:t>Friday: “Refining Your Work” </a:t>
+              </a:r>
+            </a:p>
+            <a:p>
+              <a:pPr defTabSz="711200">
+                <a:lnSpc>
+                  <a:spcPct val="90000"/>
+                </a:lnSpc>
+                <a:spcBef>
+                  <a:spcPct val="0"/>
+                </a:spcBef>
+                <a:spcAft>
+                  <a:spcPct val="35000"/>
+                </a:spcAft>
+              </a:pPr>
+              <a:r>
+                <a:rPr lang="en-US" sz="1600" dirty="0">
+                  <a:solidFill>
+                    <a:srgbClr val="FF85FF"/>
+                  </a:solidFill>
+                </a:rPr>
+                <a:t>● Intro to Network Modeling</a:t>
+              </a:r>
+            </a:p>
+            <a:p>
+              <a:pPr defTabSz="711200">
+                <a:lnSpc>
+                  <a:spcPct val="90000"/>
+                </a:lnSpc>
+                <a:spcBef>
+                  <a:spcPct val="0"/>
+                </a:spcBef>
+                <a:spcAft>
+                  <a:spcPct val="35000"/>
+                </a:spcAft>
+              </a:pPr>
+              <a:r>
+                <a:rPr lang="en-US" sz="1600" dirty="0">
+                  <a:solidFill>
+                    <a:srgbClr val="FF85FF"/>
+                  </a:solidFill>
+                </a:rPr>
+                <a:t>● Intro to Spatial Modeling</a:t>
+              </a:r>
+              <a:endParaRPr lang="en-US" sz="1600" dirty="0">
+                <a:solidFill>
+                  <a:srgbClr val="8EFA00"/>
+                </a:solidFill>
+              </a:endParaRPr>
+            </a:p>
+            <a:p>
+              <a:pPr defTabSz="711200">
+                <a:lnSpc>
+                  <a:spcPct val="90000"/>
+                </a:lnSpc>
+                <a:spcBef>
+                  <a:spcPct val="0"/>
+                </a:spcBef>
+                <a:spcAft>
+                  <a:spcPct val="35000"/>
+                </a:spcAft>
+              </a:pPr>
+              <a:r>
+                <a:rPr lang="en-US" sz="1600" dirty="0">
+                  <a:solidFill>
+                    <a:srgbClr val="FF85FF"/>
+                  </a:solidFill>
+                </a:rPr>
+                <a:t>● Reading a Scientific Paper</a:t>
+              </a:r>
+            </a:p>
+            <a:p>
+              <a:pPr defTabSz="711200">
+                <a:lnSpc>
+                  <a:spcPct val="90000"/>
+                </a:lnSpc>
+                <a:spcBef>
+                  <a:spcPct val="0"/>
+                </a:spcBef>
+                <a:spcAft>
+                  <a:spcPct val="35000"/>
+                </a:spcAft>
+              </a:pPr>
+              <a:r>
+                <a:rPr lang="en-US" sz="1600" dirty="0">
+                  <a:solidFill>
+                    <a:srgbClr val="8EFA00"/>
+                  </a:solidFill>
+                </a:rPr>
+                <a:t>● Modeling Vector-Borne Disease</a:t>
+              </a:r>
+            </a:p>
+            <a:p>
+              <a:pPr defTabSz="711200">
+                <a:lnSpc>
+                  <a:spcPct val="90000"/>
+                </a:lnSpc>
+                <a:spcBef>
+                  <a:spcPct val="0"/>
+                </a:spcBef>
+                <a:spcAft>
+                  <a:spcPct val="35000"/>
+                </a:spcAft>
+              </a:pPr>
+              <a:r>
+                <a:rPr lang="en-US" sz="1600" dirty="0">
+                  <a:solidFill>
+                    <a:srgbClr val="FFFF00"/>
+                  </a:solidFill>
+                </a:rPr>
+                <a:t>● Final research plans</a:t>
+              </a:r>
+            </a:p>
+          </p:txBody>
+        </p:sp>
+        <p:sp>
+          <p:nvSpPr>
+            <p:cNvPr id="17" name="Rectangle 16"/>
+            <p:cNvSpPr/>
+            <p:nvPr/>
+          </p:nvSpPr>
+          <p:spPr>
+            <a:xfrm rot="8127676">
+              <a:off x="6265673" y="5009131"/>
+              <a:ext cx="2075619" cy="53639"/>
+            </a:xfrm>
+            <a:prstGeom prst="rect">
+              <a:avLst/>
+            </a:prstGeom>
+          </p:spPr>
+          <p:style>
+            <a:lnRef idx="0">
+              <a:schemeClr val="accent1">
+                <a:tint val="60000"/>
+                <a:hueOff val="0"/>
+                <a:satOff val="0"/>
+                <a:lumOff val="0"/>
+                <a:alphaOff val="0"/>
+              </a:schemeClr>
+            </a:lnRef>
+            <a:fillRef idx="3">
+              <a:schemeClr val="accent1">
+                <a:tint val="60000"/>
+                <a:hueOff val="0"/>
+                <a:satOff val="0"/>
+                <a:lumOff val="0"/>
+                <a:alphaOff val="0"/>
+              </a:schemeClr>
+            </a:fillRef>
+            <a:effectRef idx="2">
+              <a:schemeClr val="accent1">
+                <a:tint val="60000"/>
+                <a:hueOff val="0"/>
+                <a:satOff val="0"/>
+                <a:lumOff val="0"/>
+                <a:alphaOff val="0"/>
+              </a:schemeClr>
+            </a:effectRef>
+            <a:fontRef idx="minor">
+              <a:schemeClr val="lt1"/>
+            </a:fontRef>
+          </p:style>
+        </p:sp>
+        <p:sp>
+          <p:nvSpPr>
+            <p:cNvPr id="18" name="Freeform 17"/>
+            <p:cNvSpPr/>
+            <p:nvPr/>
+          </p:nvSpPr>
+          <p:spPr>
+            <a:xfrm>
+              <a:off x="5820977" y="3810127"/>
+              <a:ext cx="3112302" cy="1635502"/>
+            </a:xfrm>
+            <a:custGeom>
+              <a:avLst/>
+              <a:gdLst>
+                <a:gd name="connsiteX0" fmla="*/ 0 w 2615623"/>
+                <a:gd name="connsiteY0" fmla="*/ 193785 h 1937852"/>
+                <a:gd name="connsiteX1" fmla="*/ 193785 w 2615623"/>
+                <a:gd name="connsiteY1" fmla="*/ 0 h 1937852"/>
+                <a:gd name="connsiteX2" fmla="*/ 2421838 w 2615623"/>
+                <a:gd name="connsiteY2" fmla="*/ 0 h 1937852"/>
+                <a:gd name="connsiteX3" fmla="*/ 2615623 w 2615623"/>
+                <a:gd name="connsiteY3" fmla="*/ 193785 h 1937852"/>
+                <a:gd name="connsiteX4" fmla="*/ 2615623 w 2615623"/>
+                <a:gd name="connsiteY4" fmla="*/ 1744067 h 1937852"/>
+                <a:gd name="connsiteX5" fmla="*/ 2421838 w 2615623"/>
+                <a:gd name="connsiteY5" fmla="*/ 1937852 h 1937852"/>
+                <a:gd name="connsiteX6" fmla="*/ 193785 w 2615623"/>
+                <a:gd name="connsiteY6" fmla="*/ 1937852 h 1937852"/>
+                <a:gd name="connsiteX7" fmla="*/ 0 w 2615623"/>
+                <a:gd name="connsiteY7" fmla="*/ 1744067 h 1937852"/>
+                <a:gd name="connsiteX8" fmla="*/ 0 w 2615623"/>
+                <a:gd name="connsiteY8" fmla="*/ 193785 h 1937852"/>
+              </a:gdLst>
+              <a:ahLst/>
+              <a:cxnLst>
+                <a:cxn ang="0">
+                  <a:pos x="connsiteX0" y="connsiteY0"/>
+                </a:cxn>
+                <a:cxn ang="0">
+                  <a:pos x="connsiteX1" y="connsiteY1"/>
+                </a:cxn>
+                <a:cxn ang="0">
+                  <a:pos x="connsiteX2" y="connsiteY2"/>
+                </a:cxn>
+                <a:cxn ang="0">
+                  <a:pos x="connsiteX3" y="connsiteY3"/>
+                </a:cxn>
+                <a:cxn ang="0">
+                  <a:pos x="connsiteX4" y="connsiteY4"/>
+                </a:cxn>
+                <a:cxn ang="0">
+                  <a:pos x="connsiteX5" y="connsiteY5"/>
+                </a:cxn>
+                <a:cxn ang="0">
+                  <a:pos x="connsiteX6" y="connsiteY6"/>
+                </a:cxn>
+                <a:cxn ang="0">
+                  <a:pos x="connsiteX7" y="connsiteY7"/>
+                </a:cxn>
+                <a:cxn ang="0">
+                  <a:pos x="connsiteX8" y="connsiteY8"/>
+                </a:cxn>
+              </a:cxnLst>
+              <a:rect l="l" t="t" r="r" b="b"/>
+              <a:pathLst>
+                <a:path w="2615623" h="1937852">
+                  <a:moveTo>
+                    <a:pt x="0" y="193785"/>
+                  </a:moveTo>
+                  <a:cubicBezTo>
+                    <a:pt x="0" y="86760"/>
+                    <a:pt x="86760" y="0"/>
+                    <a:pt x="193785" y="0"/>
+                  </a:cubicBezTo>
+                  <a:lnTo>
+                    <a:pt x="2421838" y="0"/>
+                  </a:lnTo>
+                  <a:cubicBezTo>
+                    <a:pt x="2528863" y="0"/>
+                    <a:pt x="2615623" y="86760"/>
+                    <a:pt x="2615623" y="193785"/>
+                  </a:cubicBezTo>
+                  <a:lnTo>
+                    <a:pt x="2615623" y="1744067"/>
+                  </a:lnTo>
+                  <a:cubicBezTo>
+                    <a:pt x="2615623" y="1851092"/>
+                    <a:pt x="2528863" y="1937852"/>
+                    <a:pt x="2421838" y="1937852"/>
+                  </a:cubicBezTo>
+                  <a:lnTo>
+                    <a:pt x="193785" y="1937852"/>
+                  </a:lnTo>
+                  <a:cubicBezTo>
+                    <a:pt x="86760" y="1937852"/>
+                    <a:pt x="0" y="1851092"/>
+                    <a:pt x="0" y="1744067"/>
+                  </a:cubicBezTo>
+                  <a:lnTo>
+                    <a:pt x="0" y="193785"/>
+                  </a:lnTo>
+                  <a:close/>
+                </a:path>
+              </a:pathLst>
+            </a:custGeom>
+          </p:spPr>
+          <p:style>
+            <a:lnRef idx="0">
+              <a:schemeClr val="lt1">
+                <a:hueOff val="0"/>
+                <a:satOff val="0"/>
+                <a:lumOff val="0"/>
+                <a:alphaOff val="0"/>
+              </a:schemeClr>
+            </a:lnRef>
+            <a:fillRef idx="3">
+              <a:schemeClr val="accent1">
+                <a:hueOff val="0"/>
+                <a:satOff val="0"/>
+                <a:lumOff val="0"/>
+                <a:alphaOff val="0"/>
+              </a:schemeClr>
+            </a:fillRef>
+            <a:effectRef idx="2">
+              <a:schemeClr val="accent1">
+                <a:hueOff val="0"/>
+                <a:satOff val="0"/>
+                <a:lumOff val="0"/>
+                <a:alphaOff val="0"/>
+              </a:schemeClr>
+            </a:effectRef>
+            <a:fontRef idx="minor">
+              <a:schemeClr val="lt1"/>
+            </a:fontRef>
+          </p:style>
+          <p:txBody>
+            <a:bodyPr spcFirstLastPara="0" vert="horz" wrap="square" lIns="117718" tIns="117718" rIns="117718" bIns="117718" numCol="1" spcCol="1270" anchor="t" anchorCtr="0">
+              <a:noAutofit/>
+            </a:bodyPr>
+            <a:lstStyle/>
+            <a:p>
+              <a:pPr defTabSz="711200">
+                <a:lnSpc>
+                  <a:spcPct val="90000"/>
+                </a:lnSpc>
+                <a:spcBef>
+                  <a:spcPct val="0"/>
+                </a:spcBef>
+                <a:spcAft>
+                  <a:spcPct val="35000"/>
+                </a:spcAft>
+              </a:pPr>
+              <a:r>
+                <a:rPr lang="en-US" sz="1600" b="1" dirty="0"/>
+                <a:t>Saturday: “Putting it All in Perspective”</a:t>
+              </a:r>
+            </a:p>
+            <a:p>
+              <a:pPr defTabSz="711200">
+                <a:lnSpc>
+                  <a:spcPct val="90000"/>
+                </a:lnSpc>
+                <a:spcBef>
+                  <a:spcPct val="0"/>
+                </a:spcBef>
+                <a:spcAft>
+                  <a:spcPct val="35000"/>
+                </a:spcAft>
+              </a:pPr>
+              <a:r>
+                <a:rPr lang="en-US" sz="1600" dirty="0">
+                  <a:solidFill>
+                    <a:srgbClr val="FF85FF"/>
+                  </a:solidFill>
+                </a:rPr>
+                <a:t>● Modeling in Practice: The Lifecycle of a Modeling Project</a:t>
+              </a:r>
+            </a:p>
+            <a:p>
+              <a:pPr defTabSz="711200">
+                <a:lnSpc>
+                  <a:spcPct val="90000"/>
+                </a:lnSpc>
+                <a:spcBef>
+                  <a:spcPct val="0"/>
+                </a:spcBef>
+                <a:spcAft>
+                  <a:spcPct val="35000"/>
+                </a:spcAft>
+              </a:pPr>
+              <a:r>
+                <a:rPr lang="en-US" sz="1600" dirty="0">
+                  <a:solidFill>
+                    <a:srgbClr val="FFFF00"/>
+                  </a:solidFill>
+                </a:rPr>
+                <a:t>● Research plan work time</a:t>
+              </a:r>
+            </a:p>
+            <a:p>
+              <a:pPr defTabSz="711200">
+                <a:lnSpc>
+                  <a:spcPct val="90000"/>
+                </a:lnSpc>
+                <a:spcBef>
+                  <a:spcPct val="0"/>
+                </a:spcBef>
+                <a:spcAft>
+                  <a:spcPct val="35000"/>
+                </a:spcAft>
+              </a:pPr>
+              <a:r>
+                <a:rPr lang="en-US" sz="1600" dirty="0">
+                  <a:solidFill>
+                    <a:srgbClr val="FFFF00"/>
+                  </a:solidFill>
+                </a:rPr>
+                <a:t>● Research snapshots</a:t>
+              </a:r>
+            </a:p>
+            <a:p>
+              <a:pPr defTabSz="711200">
+                <a:lnSpc>
+                  <a:spcPct val="90000"/>
+                </a:lnSpc>
+                <a:spcBef>
+                  <a:spcPct val="0"/>
+                </a:spcBef>
+                <a:spcAft>
+                  <a:spcPct val="35000"/>
+                </a:spcAft>
+              </a:pPr>
+              <a:endParaRPr lang="en-US" sz="1600" dirty="0">
+                <a:solidFill>
+                  <a:srgbClr val="FFFF00"/>
+                </a:solidFill>
+              </a:endParaRPr>
+            </a:p>
+          </p:txBody>
+        </p:sp>
+        <p:sp>
+          <p:nvSpPr>
+            <p:cNvPr id="19" name="Freeform 18"/>
+            <p:cNvSpPr/>
+            <p:nvPr/>
+          </p:nvSpPr>
+          <p:spPr>
+            <a:xfrm>
+              <a:off x="3875889" y="5580566"/>
+              <a:ext cx="2946461" cy="672206"/>
+            </a:xfrm>
+            <a:custGeom>
+              <a:avLst/>
+              <a:gdLst>
+                <a:gd name="connsiteX0" fmla="*/ 0 w 2168164"/>
+                <a:gd name="connsiteY0" fmla="*/ 81885 h 818852"/>
+                <a:gd name="connsiteX1" fmla="*/ 81885 w 2168164"/>
+                <a:gd name="connsiteY1" fmla="*/ 0 h 818852"/>
+                <a:gd name="connsiteX2" fmla="*/ 2086279 w 2168164"/>
+                <a:gd name="connsiteY2" fmla="*/ 0 h 818852"/>
+                <a:gd name="connsiteX3" fmla="*/ 2168164 w 2168164"/>
+                <a:gd name="connsiteY3" fmla="*/ 81885 h 818852"/>
+                <a:gd name="connsiteX4" fmla="*/ 2168164 w 2168164"/>
+                <a:gd name="connsiteY4" fmla="*/ 736967 h 818852"/>
+                <a:gd name="connsiteX5" fmla="*/ 2086279 w 2168164"/>
+                <a:gd name="connsiteY5" fmla="*/ 818852 h 818852"/>
+                <a:gd name="connsiteX6" fmla="*/ 81885 w 2168164"/>
+                <a:gd name="connsiteY6" fmla="*/ 818852 h 818852"/>
+                <a:gd name="connsiteX7" fmla="*/ 0 w 2168164"/>
+                <a:gd name="connsiteY7" fmla="*/ 736967 h 818852"/>
+                <a:gd name="connsiteX8" fmla="*/ 0 w 2168164"/>
+                <a:gd name="connsiteY8" fmla="*/ 81885 h 818852"/>
+              </a:gdLst>
+              <a:ahLst/>
+              <a:cxnLst>
+                <a:cxn ang="0">
+                  <a:pos x="connsiteX0" y="connsiteY0"/>
+                </a:cxn>
+                <a:cxn ang="0">
+                  <a:pos x="connsiteX1" y="connsiteY1"/>
+                </a:cxn>
+                <a:cxn ang="0">
+                  <a:pos x="connsiteX2" y="connsiteY2"/>
+                </a:cxn>
+                <a:cxn ang="0">
+                  <a:pos x="connsiteX3" y="connsiteY3"/>
+                </a:cxn>
+                <a:cxn ang="0">
+                  <a:pos x="connsiteX4" y="connsiteY4"/>
+                </a:cxn>
+                <a:cxn ang="0">
+                  <a:pos x="connsiteX5" y="connsiteY5"/>
+                </a:cxn>
+                <a:cxn ang="0">
+                  <a:pos x="connsiteX6" y="connsiteY6"/>
+                </a:cxn>
+                <a:cxn ang="0">
+                  <a:pos x="connsiteX7" y="connsiteY7"/>
+                </a:cxn>
+                <a:cxn ang="0">
+                  <a:pos x="connsiteX8" y="connsiteY8"/>
+                </a:cxn>
+              </a:cxnLst>
+              <a:rect l="l" t="t" r="r" b="b"/>
+              <a:pathLst>
+                <a:path w="2168164" h="818852">
+                  <a:moveTo>
+                    <a:pt x="0" y="81885"/>
+                  </a:moveTo>
+                  <a:cubicBezTo>
+                    <a:pt x="0" y="36661"/>
+                    <a:pt x="36661" y="0"/>
+                    <a:pt x="81885" y="0"/>
+                  </a:cubicBezTo>
+                  <a:lnTo>
+                    <a:pt x="2086279" y="0"/>
+                  </a:lnTo>
+                  <a:cubicBezTo>
+                    <a:pt x="2131503" y="0"/>
+                    <a:pt x="2168164" y="36661"/>
+                    <a:pt x="2168164" y="81885"/>
+                  </a:cubicBezTo>
+                  <a:lnTo>
+                    <a:pt x="2168164" y="736967"/>
+                  </a:lnTo>
+                  <a:cubicBezTo>
+                    <a:pt x="2168164" y="782191"/>
+                    <a:pt x="2131503" y="818852"/>
+                    <a:pt x="2086279" y="818852"/>
+                  </a:cubicBezTo>
+                  <a:lnTo>
+                    <a:pt x="81885" y="818852"/>
+                  </a:lnTo>
+                  <a:cubicBezTo>
+                    <a:pt x="36661" y="818852"/>
+                    <a:pt x="0" y="782191"/>
+                    <a:pt x="0" y="736967"/>
+                  </a:cubicBezTo>
+                  <a:lnTo>
+                    <a:pt x="0" y="81885"/>
+                  </a:lnTo>
+                  <a:close/>
+                </a:path>
+              </a:pathLst>
+            </a:custGeom>
+          </p:spPr>
+          <p:style>
+            <a:lnRef idx="0">
+              <a:schemeClr val="lt1">
+                <a:hueOff val="0"/>
+                <a:satOff val="0"/>
+                <a:lumOff val="0"/>
+                <a:alphaOff val="0"/>
+              </a:schemeClr>
+            </a:lnRef>
+            <a:fillRef idx="3">
+              <a:schemeClr val="accent1">
+                <a:hueOff val="0"/>
+                <a:satOff val="0"/>
+                <a:lumOff val="0"/>
+                <a:alphaOff val="0"/>
+              </a:schemeClr>
+            </a:fillRef>
+            <a:effectRef idx="2">
+              <a:schemeClr val="accent1">
+                <a:hueOff val="0"/>
+                <a:satOff val="0"/>
+                <a:lumOff val="0"/>
+                <a:alphaOff val="0"/>
+              </a:schemeClr>
+            </a:effectRef>
+            <a:fontRef idx="minor">
+              <a:schemeClr val="lt1"/>
+            </a:fontRef>
+          </p:style>
+          <p:txBody>
+            <a:bodyPr spcFirstLastPara="0" vert="horz" wrap="square" lIns="84943" tIns="84943" rIns="84943" bIns="84943" numCol="1" spcCol="1270" anchor="t" anchorCtr="0">
+              <a:noAutofit/>
+            </a:bodyPr>
+            <a:lstStyle/>
+            <a:p>
+              <a:pPr defTabSz="711200">
+                <a:lnSpc>
+                  <a:spcPct val="90000"/>
+                </a:lnSpc>
+                <a:spcBef>
+                  <a:spcPct val="0"/>
+                </a:spcBef>
+                <a:spcAft>
+                  <a:spcPct val="35000"/>
+                </a:spcAft>
+              </a:pPr>
+              <a:r>
+                <a:rPr lang="en-US" sz="1600" b="1" dirty="0"/>
+                <a:t>Monday: “Sharing Your Work”</a:t>
+              </a:r>
+            </a:p>
+            <a:p>
+              <a:pPr defTabSz="711200">
+                <a:lnSpc>
+                  <a:spcPct val="90000"/>
+                </a:lnSpc>
+                <a:spcBef>
+                  <a:spcPct val="0"/>
+                </a:spcBef>
+                <a:spcAft>
+                  <a:spcPct val="35000"/>
+                </a:spcAft>
+              </a:pPr>
+              <a:r>
+                <a:rPr lang="en-US" sz="1600" dirty="0">
+                  <a:solidFill>
+                    <a:srgbClr val="FFFF00"/>
+                  </a:solidFill>
+                </a:rPr>
+                <a:t>● Final student presentations</a:t>
+              </a:r>
+            </a:p>
+          </p:txBody>
+        </p:sp>
+        <p:sp>
+          <p:nvSpPr>
+            <p:cNvPr id="12" name="Freeform 11"/>
+            <p:cNvSpPr/>
+            <p:nvPr/>
+          </p:nvSpPr>
+          <p:spPr>
+            <a:xfrm>
+              <a:off x="1755728" y="2745737"/>
+              <a:ext cx="3593392" cy="2216078"/>
+            </a:xfrm>
+            <a:custGeom>
+              <a:avLst/>
+              <a:gdLst>
+                <a:gd name="connsiteX0" fmla="*/ 0 w 2362534"/>
+                <a:gd name="connsiteY0" fmla="*/ 174937 h 1749374"/>
+                <a:gd name="connsiteX1" fmla="*/ 174937 w 2362534"/>
+                <a:gd name="connsiteY1" fmla="*/ 0 h 1749374"/>
+                <a:gd name="connsiteX2" fmla="*/ 2187597 w 2362534"/>
+                <a:gd name="connsiteY2" fmla="*/ 0 h 1749374"/>
+                <a:gd name="connsiteX3" fmla="*/ 2362534 w 2362534"/>
+                <a:gd name="connsiteY3" fmla="*/ 174937 h 1749374"/>
+                <a:gd name="connsiteX4" fmla="*/ 2362534 w 2362534"/>
+                <a:gd name="connsiteY4" fmla="*/ 1574437 h 1749374"/>
+                <a:gd name="connsiteX5" fmla="*/ 2187597 w 2362534"/>
+                <a:gd name="connsiteY5" fmla="*/ 1749374 h 1749374"/>
+                <a:gd name="connsiteX6" fmla="*/ 174937 w 2362534"/>
+                <a:gd name="connsiteY6" fmla="*/ 1749374 h 1749374"/>
+                <a:gd name="connsiteX7" fmla="*/ 0 w 2362534"/>
+                <a:gd name="connsiteY7" fmla="*/ 1574437 h 1749374"/>
+                <a:gd name="connsiteX8" fmla="*/ 0 w 2362534"/>
+                <a:gd name="connsiteY8" fmla="*/ 174937 h 1749374"/>
+              </a:gdLst>
+              <a:ahLst/>
+              <a:cxnLst>
+                <a:cxn ang="0">
+                  <a:pos x="connsiteX0" y="connsiteY0"/>
+                </a:cxn>
+                <a:cxn ang="0">
+                  <a:pos x="connsiteX1" y="connsiteY1"/>
+                </a:cxn>
+                <a:cxn ang="0">
+                  <a:pos x="connsiteX2" y="connsiteY2"/>
+                </a:cxn>
+                <a:cxn ang="0">
+                  <a:pos x="connsiteX3" y="connsiteY3"/>
+                </a:cxn>
+                <a:cxn ang="0">
+                  <a:pos x="connsiteX4" y="connsiteY4"/>
+                </a:cxn>
+                <a:cxn ang="0">
+                  <a:pos x="connsiteX5" y="connsiteY5"/>
+                </a:cxn>
+                <a:cxn ang="0">
+                  <a:pos x="connsiteX6" y="connsiteY6"/>
+                </a:cxn>
+                <a:cxn ang="0">
+                  <a:pos x="connsiteX7" y="connsiteY7"/>
+                </a:cxn>
+                <a:cxn ang="0">
+                  <a:pos x="connsiteX8" y="connsiteY8"/>
+                </a:cxn>
+              </a:cxnLst>
+              <a:rect l="l" t="t" r="r" b="b"/>
+              <a:pathLst>
+                <a:path w="2362534" h="1749374">
+                  <a:moveTo>
+                    <a:pt x="0" y="174937"/>
+                  </a:moveTo>
+                  <a:cubicBezTo>
+                    <a:pt x="0" y="78322"/>
+                    <a:pt x="78322" y="0"/>
+                    <a:pt x="174937" y="0"/>
+                  </a:cubicBezTo>
+                  <a:lnTo>
+                    <a:pt x="2187597" y="0"/>
+                  </a:lnTo>
+                  <a:cubicBezTo>
+                    <a:pt x="2284212" y="0"/>
+                    <a:pt x="2362534" y="78322"/>
+                    <a:pt x="2362534" y="174937"/>
+                  </a:cubicBezTo>
+                  <a:lnTo>
+                    <a:pt x="2362534" y="1574437"/>
+                  </a:lnTo>
+                  <a:cubicBezTo>
+                    <a:pt x="2362534" y="1671052"/>
+                    <a:pt x="2284212" y="1749374"/>
+                    <a:pt x="2187597" y="1749374"/>
+                  </a:cubicBezTo>
+                  <a:lnTo>
+                    <a:pt x="174937" y="1749374"/>
+                  </a:lnTo>
+                  <a:cubicBezTo>
+                    <a:pt x="78322" y="1749374"/>
+                    <a:pt x="0" y="1671052"/>
+                    <a:pt x="0" y="1574437"/>
+                  </a:cubicBezTo>
+                  <a:lnTo>
+                    <a:pt x="0" y="174937"/>
+                  </a:lnTo>
+                  <a:close/>
+                </a:path>
+              </a:pathLst>
+            </a:custGeom>
+          </p:spPr>
+          <p:style>
+            <a:lnRef idx="0">
+              <a:schemeClr val="lt1">
+                <a:hueOff val="0"/>
+                <a:satOff val="0"/>
+                <a:lumOff val="0"/>
+                <a:alphaOff val="0"/>
+              </a:schemeClr>
+            </a:lnRef>
+            <a:fillRef idx="3">
+              <a:schemeClr val="accent1">
+                <a:hueOff val="0"/>
+                <a:satOff val="0"/>
+                <a:lumOff val="0"/>
+                <a:alphaOff val="0"/>
+              </a:schemeClr>
+            </a:fillRef>
+            <a:effectRef idx="2">
+              <a:schemeClr val="accent1">
+                <a:hueOff val="0"/>
+                <a:satOff val="0"/>
+                <a:lumOff val="0"/>
+                <a:alphaOff val="0"/>
+              </a:schemeClr>
+            </a:effectRef>
+            <a:fontRef idx="minor">
+              <a:schemeClr val="lt1"/>
+            </a:fontRef>
+          </p:style>
+          <p:txBody>
+            <a:bodyPr spcFirstLastPara="0" vert="horz" wrap="square" lIns="112197" tIns="112197" rIns="112197" bIns="112197" numCol="1" spcCol="1270" anchor="t" anchorCtr="0">
+              <a:noAutofit/>
+            </a:bodyPr>
+            <a:lstStyle/>
+            <a:p>
+              <a:pPr defTabSz="711200">
+                <a:lnSpc>
+                  <a:spcPct val="90000"/>
+                </a:lnSpc>
+                <a:spcBef>
+                  <a:spcPct val="0"/>
+                </a:spcBef>
+                <a:spcAft>
+                  <a:spcPct val="35000"/>
+                </a:spcAft>
+              </a:pPr>
+              <a:r>
+                <a:rPr lang="en-US" sz="1600" b="1" dirty="0"/>
+                <a:t>Wednesday: “Thinking About Mechanism”</a:t>
+              </a:r>
+            </a:p>
+            <a:p>
+              <a:pPr defTabSz="711200">
+                <a:lnSpc>
+                  <a:spcPct val="90000"/>
+                </a:lnSpc>
+                <a:spcBef>
+                  <a:spcPct val="0"/>
+                </a:spcBef>
+                <a:spcAft>
+                  <a:spcPct val="35000"/>
+                </a:spcAft>
+              </a:pPr>
+              <a:r>
+                <a:rPr lang="en-US" sz="1600" dirty="0">
+                  <a:solidFill>
+                    <a:srgbClr val="FF85FF"/>
+                  </a:solidFill>
+                </a:rPr>
+                <a:t>● Intro to Compartmental Models &amp; Differential Equations</a:t>
+              </a:r>
+            </a:p>
+            <a:p>
+              <a:pPr defTabSz="711200">
+                <a:lnSpc>
+                  <a:spcPct val="90000"/>
+                </a:lnSpc>
+                <a:spcBef>
+                  <a:spcPct val="0"/>
+                </a:spcBef>
+                <a:spcAft>
+                  <a:spcPct val="35000"/>
+                </a:spcAft>
+              </a:pPr>
+              <a:r>
+                <a:rPr lang="en-US" sz="1600" dirty="0">
+                  <a:solidFill>
+                    <a:srgbClr val="8EFA00"/>
+                  </a:solidFill>
+                </a:rPr>
+                <a:t>● Building mechanistic models in R</a:t>
+              </a:r>
+            </a:p>
+            <a:p>
+              <a:pPr defTabSz="711200">
+                <a:lnSpc>
+                  <a:spcPct val="90000"/>
+                </a:lnSpc>
+                <a:spcBef>
+                  <a:spcPct val="0"/>
+                </a:spcBef>
+                <a:spcAft>
+                  <a:spcPct val="35000"/>
+                </a:spcAft>
+              </a:pPr>
+              <a:r>
+                <a:rPr lang="en-US" sz="1600" dirty="0">
+                  <a:solidFill>
+                    <a:srgbClr val="FFFF00"/>
+                  </a:solidFill>
+                </a:rPr>
+                <a:t>● Refining research questions for modeling</a:t>
+              </a:r>
+            </a:p>
+            <a:p>
+              <a:pPr defTabSz="711200">
+                <a:lnSpc>
+                  <a:spcPct val="90000"/>
+                </a:lnSpc>
+                <a:spcBef>
+                  <a:spcPct val="0"/>
+                </a:spcBef>
+                <a:spcAft>
+                  <a:spcPct val="35000"/>
+                </a:spcAft>
+              </a:pPr>
+              <a:r>
+                <a:rPr lang="en-US" sz="1600" dirty="0">
+                  <a:solidFill>
+                    <a:srgbClr val="FFFF00"/>
+                  </a:solidFill>
+                </a:rPr>
+                <a:t>● Defining a model world</a:t>
+              </a:r>
+            </a:p>
+            <a:p>
+              <a:pPr defTabSz="711200">
+                <a:lnSpc>
+                  <a:spcPct val="90000"/>
+                </a:lnSpc>
+                <a:spcBef>
+                  <a:spcPct val="0"/>
+                </a:spcBef>
+                <a:spcAft>
+                  <a:spcPct val="35000"/>
+                </a:spcAft>
+              </a:pPr>
+              <a:r>
+                <a:rPr lang="en-US" sz="1600" dirty="0">
+                  <a:solidFill>
+                    <a:srgbClr val="FFFF00"/>
+                  </a:solidFill>
+                </a:rPr>
+                <a:t>● Mentor research presentations</a:t>
+              </a:r>
+            </a:p>
+          </p:txBody>
+        </p:sp>
+      </p:grpSp>
+      <p:sp>
+        <p:nvSpPr>
+          <p:cNvPr id="20" name="Freeform 19"/>
+          <p:cNvSpPr/>
+          <p:nvPr/>
+        </p:nvSpPr>
+        <p:spPr>
+          <a:xfrm>
+            <a:off x="9817882" y="5713145"/>
+            <a:ext cx="2717073" cy="885432"/>
+          </a:xfrm>
+          <a:custGeom>
+            <a:avLst/>
+            <a:gdLst>
+              <a:gd name="connsiteX0" fmla="*/ 0 w 1790836"/>
+              <a:gd name="connsiteY0" fmla="*/ 139368 h 1393675"/>
+              <a:gd name="connsiteX1" fmla="*/ 139368 w 1790836"/>
+              <a:gd name="connsiteY1" fmla="*/ 0 h 1393675"/>
+              <a:gd name="connsiteX2" fmla="*/ 1651469 w 1790836"/>
+              <a:gd name="connsiteY2" fmla="*/ 0 h 1393675"/>
+              <a:gd name="connsiteX3" fmla="*/ 1790837 w 1790836"/>
+              <a:gd name="connsiteY3" fmla="*/ 139368 h 1393675"/>
+              <a:gd name="connsiteX4" fmla="*/ 1790836 w 1790836"/>
+              <a:gd name="connsiteY4" fmla="*/ 1254308 h 1393675"/>
+              <a:gd name="connsiteX5" fmla="*/ 1651468 w 1790836"/>
+              <a:gd name="connsiteY5" fmla="*/ 1393676 h 1393675"/>
+              <a:gd name="connsiteX6" fmla="*/ 139368 w 1790836"/>
+              <a:gd name="connsiteY6" fmla="*/ 1393675 h 1393675"/>
+              <a:gd name="connsiteX7" fmla="*/ 0 w 1790836"/>
+              <a:gd name="connsiteY7" fmla="*/ 1254307 h 1393675"/>
+              <a:gd name="connsiteX8" fmla="*/ 0 w 1790836"/>
+              <a:gd name="connsiteY8" fmla="*/ 139368 h 1393675"/>
+            </a:gdLst>
+            <a:ahLst/>
+            <a:cxnLst>
+              <a:cxn ang="0">
+                <a:pos x="connsiteX0" y="connsiteY0"/>
+              </a:cxn>
+              <a:cxn ang="0">
+                <a:pos x="connsiteX1" y="connsiteY1"/>
+              </a:cxn>
+              <a:cxn ang="0">
+                <a:pos x="connsiteX2" y="connsiteY2"/>
+              </a:cxn>
+              <a:cxn ang="0">
+                <a:pos x="connsiteX3" y="connsiteY3"/>
+              </a:cxn>
+              <a:cxn ang="0">
+                <a:pos x="connsiteX4" y="connsiteY4"/>
+              </a:cxn>
+              <a:cxn ang="0">
+                <a:pos x="connsiteX5" y="connsiteY5"/>
+              </a:cxn>
+              <a:cxn ang="0">
+                <a:pos x="connsiteX6" y="connsiteY6"/>
+              </a:cxn>
+              <a:cxn ang="0">
+                <a:pos x="connsiteX7" y="connsiteY7"/>
+              </a:cxn>
+              <a:cxn ang="0">
+                <a:pos x="connsiteX8" y="connsiteY8"/>
+              </a:cxn>
+            </a:cxnLst>
+            <a:rect l="l" t="t" r="r" b="b"/>
+            <a:pathLst>
+              <a:path w="1790836" h="1393675">
+                <a:moveTo>
+                  <a:pt x="0" y="139368"/>
+                </a:moveTo>
+                <a:cubicBezTo>
+                  <a:pt x="0" y="62397"/>
+                  <a:pt x="62397" y="0"/>
+                  <a:pt x="139368" y="0"/>
+                </a:cubicBezTo>
+                <a:lnTo>
+                  <a:pt x="1651469" y="0"/>
+                </a:lnTo>
+                <a:cubicBezTo>
+                  <a:pt x="1728440" y="0"/>
+                  <a:pt x="1790837" y="62397"/>
+                  <a:pt x="1790837" y="139368"/>
+                </a:cubicBezTo>
+                <a:cubicBezTo>
+                  <a:pt x="1790837" y="511015"/>
+                  <a:pt x="1790836" y="882661"/>
+                  <a:pt x="1790836" y="1254308"/>
+                </a:cubicBezTo>
+                <a:cubicBezTo>
+                  <a:pt x="1790836" y="1331279"/>
+                  <a:pt x="1728439" y="1393676"/>
+                  <a:pt x="1651468" y="1393676"/>
+                </a:cubicBezTo>
+                <a:lnTo>
+                  <a:pt x="139368" y="1393675"/>
+                </a:lnTo>
+                <a:cubicBezTo>
+                  <a:pt x="62397" y="1393675"/>
+                  <a:pt x="0" y="1331278"/>
+                  <a:pt x="0" y="1254307"/>
+                </a:cubicBezTo>
+                <a:lnTo>
+                  <a:pt x="0" y="139368"/>
+                </a:lnTo>
+                <a:close/>
+              </a:path>
+            </a:pathLst>
+          </a:custGeom>
+          <a:noFill/>
+          <a:ln>
+            <a:noFill/>
+          </a:ln>
+        </p:spPr>
+        <p:style>
+          <a:lnRef idx="0">
+            <a:schemeClr val="lt1">
+              <a:hueOff val="0"/>
+              <a:satOff val="0"/>
+              <a:lumOff val="0"/>
+              <a:alphaOff val="0"/>
+            </a:schemeClr>
+          </a:lnRef>
+          <a:fillRef idx="3">
+            <a:schemeClr val="accent1">
+              <a:hueOff val="0"/>
+              <a:satOff val="0"/>
+              <a:lumOff val="0"/>
+              <a:alphaOff val="0"/>
+            </a:schemeClr>
+          </a:fillRef>
+          <a:effectRef idx="2">
+            <a:schemeClr val="accent1">
+              <a:hueOff val="0"/>
+              <a:satOff val="0"/>
+              <a:lumOff val="0"/>
+              <a:alphaOff val="0"/>
+            </a:schemeClr>
+          </a:effectRef>
+          <a:fontRef idx="minor">
+            <a:schemeClr val="lt1"/>
+          </a:fontRef>
+        </p:style>
+        <p:txBody>
+          <a:bodyPr spcFirstLastPara="0" vert="horz" wrap="square" lIns="101779" tIns="101779" rIns="101779" bIns="101779" numCol="1" spcCol="1270" anchor="t" anchorCtr="0">
+            <a:noAutofit/>
+          </a:bodyPr>
+          <a:lstStyle/>
+          <a:p>
+            <a:pPr defTabSz="711200">
+              <a:lnSpc>
+                <a:spcPct val="90000"/>
+              </a:lnSpc>
+              <a:spcBef>
+                <a:spcPct val="0"/>
+              </a:spcBef>
+              <a:spcAft>
+                <a:spcPct val="35000"/>
+              </a:spcAft>
+            </a:pPr>
+            <a:r>
+              <a:rPr lang="en-US" sz="1600" b="1" dirty="0">
+                <a:solidFill>
+                  <a:srgbClr val="8EFA00"/>
+                </a:solidFill>
+              </a:rPr>
+              <a:t>● Programming</a:t>
+            </a:r>
+          </a:p>
+          <a:p>
+            <a:pPr defTabSz="711200">
+              <a:lnSpc>
+                <a:spcPct val="90000"/>
+              </a:lnSpc>
+              <a:spcBef>
+                <a:spcPct val="0"/>
+              </a:spcBef>
+              <a:spcAft>
+                <a:spcPct val="35000"/>
+              </a:spcAft>
+            </a:pPr>
+            <a:r>
+              <a:rPr lang="en-US" sz="1600" b="1" dirty="0">
+                <a:solidFill>
+                  <a:srgbClr val="FF85FF"/>
+                </a:solidFill>
+              </a:rPr>
+              <a:t>● Modeling</a:t>
+            </a:r>
+          </a:p>
+          <a:p>
+            <a:pPr defTabSz="711200">
+              <a:lnSpc>
+                <a:spcPct val="90000"/>
+              </a:lnSpc>
+              <a:spcBef>
+                <a:spcPct val="0"/>
+              </a:spcBef>
+              <a:spcAft>
+                <a:spcPct val="35000"/>
+              </a:spcAft>
+            </a:pPr>
+            <a:r>
+              <a:rPr lang="en-US" sz="1600" b="1" dirty="0">
+                <a:solidFill>
+                  <a:srgbClr val="FFFF00"/>
+                </a:solidFill>
+              </a:rPr>
+              <a:t>● Research Development</a:t>
+            </a:r>
+          </a:p>
+          <a:p>
+            <a:pPr marL="114300" lvl="1" indent="-114300" defTabSz="577850">
+              <a:lnSpc>
+                <a:spcPct val="90000"/>
+              </a:lnSpc>
+              <a:spcBef>
+                <a:spcPct val="0"/>
+              </a:spcBef>
+              <a:spcAft>
+                <a:spcPct val="15000"/>
+              </a:spcAft>
+              <a:buChar char="•"/>
+            </a:pPr>
+            <a:endParaRPr lang="en-US" sz="1600" b="1" dirty="0"/>
+          </a:p>
+        </p:txBody>
+      </p:sp>
+      <p:sp>
+        <p:nvSpPr>
+          <p:cNvPr id="21" name="Freeform 20">
+            <a:extLst>
+              <a:ext uri="{FF2B5EF4-FFF2-40B4-BE49-F238E27FC236}">
+                <a16:creationId xmlns:a16="http://schemas.microsoft.com/office/drawing/2014/main" id="{95F3768C-8D54-684C-8DAA-809F30D5E83A}"/>
+              </a:ext>
+            </a:extLst>
+          </p:cNvPr>
+          <p:cNvSpPr/>
+          <p:nvPr/>
+        </p:nvSpPr>
+        <p:spPr>
+          <a:xfrm>
+            <a:off x="44500" y="746643"/>
+            <a:ext cx="3356980" cy="1567234"/>
+          </a:xfrm>
+          <a:custGeom>
+            <a:avLst/>
+            <a:gdLst>
+              <a:gd name="connsiteX0" fmla="*/ 0 w 1790836"/>
+              <a:gd name="connsiteY0" fmla="*/ 139368 h 1393675"/>
+              <a:gd name="connsiteX1" fmla="*/ 139368 w 1790836"/>
+              <a:gd name="connsiteY1" fmla="*/ 0 h 1393675"/>
+              <a:gd name="connsiteX2" fmla="*/ 1651469 w 1790836"/>
+              <a:gd name="connsiteY2" fmla="*/ 0 h 1393675"/>
+              <a:gd name="connsiteX3" fmla="*/ 1790837 w 1790836"/>
+              <a:gd name="connsiteY3" fmla="*/ 139368 h 1393675"/>
+              <a:gd name="connsiteX4" fmla="*/ 1790836 w 1790836"/>
+              <a:gd name="connsiteY4" fmla="*/ 1254308 h 1393675"/>
+              <a:gd name="connsiteX5" fmla="*/ 1651468 w 1790836"/>
+              <a:gd name="connsiteY5" fmla="*/ 1393676 h 1393675"/>
+              <a:gd name="connsiteX6" fmla="*/ 139368 w 1790836"/>
+              <a:gd name="connsiteY6" fmla="*/ 1393675 h 1393675"/>
+              <a:gd name="connsiteX7" fmla="*/ 0 w 1790836"/>
+              <a:gd name="connsiteY7" fmla="*/ 1254307 h 1393675"/>
+              <a:gd name="connsiteX8" fmla="*/ 0 w 1790836"/>
+              <a:gd name="connsiteY8" fmla="*/ 139368 h 1393675"/>
+            </a:gdLst>
+            <a:ahLst/>
+            <a:cxnLst>
+              <a:cxn ang="0">
+                <a:pos x="connsiteX0" y="connsiteY0"/>
+              </a:cxn>
+              <a:cxn ang="0">
+                <a:pos x="connsiteX1" y="connsiteY1"/>
+              </a:cxn>
+              <a:cxn ang="0">
+                <a:pos x="connsiteX2" y="connsiteY2"/>
+              </a:cxn>
+              <a:cxn ang="0">
+                <a:pos x="connsiteX3" y="connsiteY3"/>
+              </a:cxn>
+              <a:cxn ang="0">
+                <a:pos x="connsiteX4" y="connsiteY4"/>
+              </a:cxn>
+              <a:cxn ang="0">
+                <a:pos x="connsiteX5" y="connsiteY5"/>
+              </a:cxn>
+              <a:cxn ang="0">
+                <a:pos x="connsiteX6" y="connsiteY6"/>
+              </a:cxn>
+              <a:cxn ang="0">
+                <a:pos x="connsiteX7" y="connsiteY7"/>
+              </a:cxn>
+              <a:cxn ang="0">
+                <a:pos x="connsiteX8" y="connsiteY8"/>
+              </a:cxn>
+            </a:cxnLst>
+            <a:rect l="l" t="t" r="r" b="b"/>
+            <a:pathLst>
+              <a:path w="1790836" h="1393675">
+                <a:moveTo>
+                  <a:pt x="0" y="139368"/>
+                </a:moveTo>
+                <a:cubicBezTo>
+                  <a:pt x="0" y="62397"/>
+                  <a:pt x="62397" y="0"/>
+                  <a:pt x="139368" y="0"/>
+                </a:cubicBezTo>
+                <a:lnTo>
+                  <a:pt x="1651469" y="0"/>
+                </a:lnTo>
+                <a:cubicBezTo>
+                  <a:pt x="1728440" y="0"/>
+                  <a:pt x="1790837" y="62397"/>
+                  <a:pt x="1790837" y="139368"/>
+                </a:cubicBezTo>
+                <a:cubicBezTo>
+                  <a:pt x="1790837" y="511015"/>
+                  <a:pt x="1790836" y="882661"/>
+                  <a:pt x="1790836" y="1254308"/>
+                </a:cubicBezTo>
+                <a:cubicBezTo>
+                  <a:pt x="1790836" y="1331279"/>
+                  <a:pt x="1728439" y="1393676"/>
+                  <a:pt x="1651468" y="1393676"/>
+                </a:cubicBezTo>
+                <a:lnTo>
+                  <a:pt x="139368" y="1393675"/>
+                </a:lnTo>
+                <a:cubicBezTo>
+                  <a:pt x="62397" y="1393675"/>
+                  <a:pt x="0" y="1331278"/>
+                  <a:pt x="0" y="1254307"/>
+                </a:cubicBezTo>
+                <a:lnTo>
+                  <a:pt x="0" y="139368"/>
+                </a:lnTo>
+                <a:close/>
+              </a:path>
+            </a:pathLst>
+          </a:custGeom>
+        </p:spPr>
+        <p:style>
+          <a:lnRef idx="0">
+            <a:schemeClr val="lt1">
+              <a:hueOff val="0"/>
+              <a:satOff val="0"/>
+              <a:lumOff val="0"/>
+              <a:alphaOff val="0"/>
+            </a:schemeClr>
+          </a:lnRef>
+          <a:fillRef idx="3">
+            <a:schemeClr val="accent1">
+              <a:hueOff val="0"/>
+              <a:satOff val="0"/>
+              <a:lumOff val="0"/>
+              <a:alphaOff val="0"/>
+            </a:schemeClr>
+          </a:fillRef>
+          <a:effectRef idx="2">
+            <a:schemeClr val="accent1">
+              <a:hueOff val="0"/>
+              <a:satOff val="0"/>
+              <a:lumOff val="0"/>
+              <a:alphaOff val="0"/>
+            </a:schemeClr>
+          </a:effectRef>
+          <a:fontRef idx="minor">
+            <a:schemeClr val="lt1"/>
+          </a:fontRef>
+        </p:style>
+        <p:txBody>
+          <a:bodyPr spcFirstLastPara="0" vert="horz" wrap="square" lIns="101779" tIns="101779" rIns="101779" bIns="101779" numCol="1" spcCol="1270" anchor="t" anchorCtr="0">
+            <a:noAutofit/>
+          </a:bodyPr>
+          <a:lstStyle/>
+          <a:p>
+            <a:pPr defTabSz="711200">
+              <a:lnSpc>
+                <a:spcPct val="90000"/>
+              </a:lnSpc>
+              <a:spcBef>
+                <a:spcPct val="0"/>
+              </a:spcBef>
+              <a:spcAft>
+                <a:spcPct val="35000"/>
+              </a:spcAft>
+            </a:pPr>
+            <a:r>
+              <a:rPr lang="en-US" sz="1600" b="1" dirty="0"/>
+              <a:t>Saturday: R Bootcamp</a:t>
+            </a:r>
+          </a:p>
+          <a:p>
+            <a:pPr marL="285750" indent="-285750" defTabSz="711200">
+              <a:lnSpc>
+                <a:spcPct val="90000"/>
+              </a:lnSpc>
+              <a:spcBef>
+                <a:spcPct val="0"/>
+              </a:spcBef>
+              <a:spcAft>
+                <a:spcPct val="35000"/>
+              </a:spcAft>
+              <a:buFont typeface="Arial" panose="020B0604020202020204" pitchFamily="34" charset="0"/>
+              <a:buChar char="•"/>
+            </a:pPr>
+            <a:r>
+              <a:rPr lang="en-US" sz="1600" dirty="0">
+                <a:solidFill>
+                  <a:srgbClr val="8EFA00"/>
+                </a:solidFill>
+              </a:rPr>
+              <a:t>Intro to R Studio</a:t>
+            </a:r>
+          </a:p>
+          <a:p>
+            <a:pPr marL="285750" indent="-285750" defTabSz="711200">
+              <a:lnSpc>
+                <a:spcPct val="90000"/>
+              </a:lnSpc>
+              <a:spcBef>
+                <a:spcPct val="0"/>
+              </a:spcBef>
+              <a:spcAft>
+                <a:spcPct val="35000"/>
+              </a:spcAft>
+              <a:buFont typeface="Arial" panose="020B0604020202020204" pitchFamily="34" charset="0"/>
+              <a:buChar char="•"/>
+            </a:pPr>
+            <a:r>
+              <a:rPr lang="en-US" sz="1600" dirty="0">
+                <a:solidFill>
+                  <a:srgbClr val="8EFA00"/>
+                </a:solidFill>
+              </a:rPr>
+              <a:t>Exploring and Visualizing Data in R</a:t>
+            </a:r>
+          </a:p>
+          <a:p>
+            <a:pPr marL="285750" indent="-285750" defTabSz="711200">
+              <a:lnSpc>
+                <a:spcPct val="90000"/>
+              </a:lnSpc>
+              <a:spcBef>
+                <a:spcPct val="0"/>
+              </a:spcBef>
+              <a:spcAft>
+                <a:spcPct val="35000"/>
+              </a:spcAft>
+              <a:buFont typeface="Arial" panose="020B0604020202020204" pitchFamily="34" charset="0"/>
+              <a:buChar char="•"/>
+            </a:pPr>
+            <a:r>
+              <a:rPr lang="en-US" sz="1600" dirty="0">
+                <a:solidFill>
+                  <a:srgbClr val="8EFA00"/>
+                </a:solidFill>
+              </a:rPr>
+              <a:t>For-loops, Functions, and If-Else Statements</a:t>
+            </a:r>
+          </a:p>
+          <a:p>
+            <a:pPr defTabSz="711200">
+              <a:lnSpc>
+                <a:spcPct val="90000"/>
+              </a:lnSpc>
+              <a:spcBef>
+                <a:spcPct val="0"/>
+              </a:spcBef>
+              <a:spcAft>
+                <a:spcPct val="35000"/>
+              </a:spcAft>
+            </a:pPr>
+            <a:endParaRPr lang="en-US" sz="1600" b="1" dirty="0"/>
+          </a:p>
+          <a:p>
+            <a:pPr defTabSz="711200">
+              <a:lnSpc>
+                <a:spcPct val="90000"/>
+              </a:lnSpc>
+              <a:spcBef>
+                <a:spcPct val="0"/>
+              </a:spcBef>
+              <a:spcAft>
+                <a:spcPct val="35000"/>
+              </a:spcAft>
+            </a:pPr>
+            <a:endParaRPr lang="en-US" sz="1600" dirty="0"/>
+          </a:p>
+          <a:p>
+            <a:pPr marL="114300" lvl="1" indent="-114300" defTabSz="577850">
+              <a:lnSpc>
+                <a:spcPct val="90000"/>
+              </a:lnSpc>
+              <a:spcBef>
+                <a:spcPct val="0"/>
+              </a:spcBef>
+              <a:spcAft>
+                <a:spcPct val="15000"/>
+              </a:spcAft>
+              <a:buChar char="•"/>
+            </a:pPr>
+            <a:endParaRPr lang="en-US" sz="1600" dirty="0"/>
+          </a:p>
+        </p:txBody>
+      </p:sp>
+      <p:sp>
+        <p:nvSpPr>
+          <p:cNvPr id="22" name="Freeform 21">
+            <a:extLst>
+              <a:ext uri="{FF2B5EF4-FFF2-40B4-BE49-F238E27FC236}">
+                <a16:creationId xmlns:a16="http://schemas.microsoft.com/office/drawing/2014/main" id="{150D94E9-9096-6745-970D-4EEACAD01273}"/>
+              </a:ext>
+            </a:extLst>
+          </p:cNvPr>
+          <p:cNvSpPr/>
+          <p:nvPr/>
+        </p:nvSpPr>
+        <p:spPr>
+          <a:xfrm>
+            <a:off x="52674" y="80442"/>
+            <a:ext cx="1828080" cy="561421"/>
+          </a:xfrm>
+          <a:custGeom>
+            <a:avLst/>
+            <a:gdLst>
+              <a:gd name="connsiteX0" fmla="*/ 0 w 1790836"/>
+              <a:gd name="connsiteY0" fmla="*/ 139368 h 1393675"/>
+              <a:gd name="connsiteX1" fmla="*/ 139368 w 1790836"/>
+              <a:gd name="connsiteY1" fmla="*/ 0 h 1393675"/>
+              <a:gd name="connsiteX2" fmla="*/ 1651469 w 1790836"/>
+              <a:gd name="connsiteY2" fmla="*/ 0 h 1393675"/>
+              <a:gd name="connsiteX3" fmla="*/ 1790837 w 1790836"/>
+              <a:gd name="connsiteY3" fmla="*/ 139368 h 1393675"/>
+              <a:gd name="connsiteX4" fmla="*/ 1790836 w 1790836"/>
+              <a:gd name="connsiteY4" fmla="*/ 1254308 h 1393675"/>
+              <a:gd name="connsiteX5" fmla="*/ 1651468 w 1790836"/>
+              <a:gd name="connsiteY5" fmla="*/ 1393676 h 1393675"/>
+              <a:gd name="connsiteX6" fmla="*/ 139368 w 1790836"/>
+              <a:gd name="connsiteY6" fmla="*/ 1393675 h 1393675"/>
+              <a:gd name="connsiteX7" fmla="*/ 0 w 1790836"/>
+              <a:gd name="connsiteY7" fmla="*/ 1254307 h 1393675"/>
+              <a:gd name="connsiteX8" fmla="*/ 0 w 1790836"/>
+              <a:gd name="connsiteY8" fmla="*/ 139368 h 1393675"/>
+            </a:gdLst>
+            <a:ahLst/>
+            <a:cxnLst>
+              <a:cxn ang="0">
+                <a:pos x="connsiteX0" y="connsiteY0"/>
+              </a:cxn>
+              <a:cxn ang="0">
+                <a:pos x="connsiteX1" y="connsiteY1"/>
+              </a:cxn>
+              <a:cxn ang="0">
+                <a:pos x="connsiteX2" y="connsiteY2"/>
+              </a:cxn>
+              <a:cxn ang="0">
+                <a:pos x="connsiteX3" y="connsiteY3"/>
+              </a:cxn>
+              <a:cxn ang="0">
+                <a:pos x="connsiteX4" y="connsiteY4"/>
+              </a:cxn>
+              <a:cxn ang="0">
+                <a:pos x="connsiteX5" y="connsiteY5"/>
+              </a:cxn>
+              <a:cxn ang="0">
+                <a:pos x="connsiteX6" y="connsiteY6"/>
+              </a:cxn>
+              <a:cxn ang="0">
+                <a:pos x="connsiteX7" y="connsiteY7"/>
+              </a:cxn>
+              <a:cxn ang="0">
+                <a:pos x="connsiteX8" y="connsiteY8"/>
+              </a:cxn>
+            </a:cxnLst>
+            <a:rect l="l" t="t" r="r" b="b"/>
+            <a:pathLst>
+              <a:path w="1790836" h="1393675">
+                <a:moveTo>
+                  <a:pt x="0" y="139368"/>
+                </a:moveTo>
+                <a:cubicBezTo>
+                  <a:pt x="0" y="62397"/>
+                  <a:pt x="62397" y="0"/>
+                  <a:pt x="139368" y="0"/>
+                </a:cubicBezTo>
+                <a:lnTo>
+                  <a:pt x="1651469" y="0"/>
+                </a:lnTo>
+                <a:cubicBezTo>
+                  <a:pt x="1728440" y="0"/>
+                  <a:pt x="1790837" y="62397"/>
+                  <a:pt x="1790837" y="139368"/>
+                </a:cubicBezTo>
+                <a:cubicBezTo>
+                  <a:pt x="1790837" y="511015"/>
+                  <a:pt x="1790836" y="882661"/>
+                  <a:pt x="1790836" y="1254308"/>
+                </a:cubicBezTo>
+                <a:cubicBezTo>
+                  <a:pt x="1790836" y="1331279"/>
+                  <a:pt x="1728439" y="1393676"/>
+                  <a:pt x="1651468" y="1393676"/>
+                </a:cubicBezTo>
+                <a:lnTo>
+                  <a:pt x="139368" y="1393675"/>
+                </a:lnTo>
+                <a:cubicBezTo>
+                  <a:pt x="62397" y="1393675"/>
+                  <a:pt x="0" y="1331278"/>
+                  <a:pt x="0" y="1254307"/>
+                </a:cubicBezTo>
+                <a:lnTo>
+                  <a:pt x="0" y="139368"/>
+                </a:lnTo>
+                <a:close/>
+              </a:path>
+            </a:pathLst>
+          </a:custGeom>
+        </p:spPr>
+        <p:style>
+          <a:lnRef idx="0">
+            <a:schemeClr val="lt1">
+              <a:hueOff val="0"/>
+              <a:satOff val="0"/>
+              <a:lumOff val="0"/>
+              <a:alphaOff val="0"/>
+            </a:schemeClr>
+          </a:lnRef>
+          <a:fillRef idx="3">
+            <a:schemeClr val="accent1">
+              <a:hueOff val="0"/>
+              <a:satOff val="0"/>
+              <a:lumOff val="0"/>
+              <a:alphaOff val="0"/>
+            </a:schemeClr>
+          </a:fillRef>
+          <a:effectRef idx="2">
+            <a:schemeClr val="accent1">
+              <a:hueOff val="0"/>
+              <a:satOff val="0"/>
+              <a:lumOff val="0"/>
+              <a:alphaOff val="0"/>
+            </a:schemeClr>
+          </a:effectRef>
+          <a:fontRef idx="minor">
+            <a:schemeClr val="lt1"/>
+          </a:fontRef>
+        </p:style>
+        <p:txBody>
+          <a:bodyPr spcFirstLastPara="0" vert="horz" wrap="square" lIns="101779" tIns="101779" rIns="101779" bIns="101779" numCol="1" spcCol="1270" anchor="t" anchorCtr="0">
+            <a:noAutofit/>
+          </a:bodyPr>
+          <a:lstStyle/>
+          <a:p>
+            <a:pPr defTabSz="711200">
+              <a:lnSpc>
+                <a:spcPct val="90000"/>
+              </a:lnSpc>
+              <a:spcBef>
+                <a:spcPct val="0"/>
+              </a:spcBef>
+              <a:spcAft>
+                <a:spcPct val="35000"/>
+              </a:spcAft>
+            </a:pPr>
+            <a:r>
+              <a:rPr lang="en-US" sz="1600" b="1" dirty="0"/>
+              <a:t>Sunday: Travel</a:t>
+            </a:r>
+            <a:endParaRPr lang="en-US" sz="1300" dirty="0"/>
+          </a:p>
+        </p:txBody>
+      </p:sp>
+      <p:cxnSp>
+        <p:nvCxnSpPr>
+          <p:cNvPr id="24" name="Straight Connector 23">
+            <a:extLst>
+              <a:ext uri="{FF2B5EF4-FFF2-40B4-BE49-F238E27FC236}">
+                <a16:creationId xmlns:a16="http://schemas.microsoft.com/office/drawing/2014/main" id="{F468F7D6-D5D7-FF4C-8FB9-7B3CF61F6F3E}"/>
+              </a:ext>
+            </a:extLst>
+          </p:cNvPr>
+          <p:cNvCxnSpPr/>
+          <p:nvPr/>
+        </p:nvCxnSpPr>
+        <p:spPr>
+          <a:xfrm flipH="1">
+            <a:off x="773995" y="532428"/>
+            <a:ext cx="57355" cy="238429"/>
+          </a:xfrm>
+          <a:prstGeom prst="line">
+            <a:avLst/>
+          </a:prstGeom>
+          <a:ln w="38100">
+            <a:solidFill>
+              <a:schemeClr val="accent1">
+                <a:lumMod val="40000"/>
+                <a:lumOff val="60000"/>
+              </a:schemeClr>
+            </a:solidFill>
+          </a:ln>
+        </p:spPr>
+        <p:style>
+          <a:lnRef idx="1">
+            <a:schemeClr val="accent1"/>
+          </a:lnRef>
+          <a:fillRef idx="0">
+            <a:schemeClr val="accent1"/>
+          </a:fillRef>
+          <a:effectRef idx="0">
+            <a:schemeClr val="accent1"/>
+          </a:effectRef>
+          <a:fontRef idx="minor">
+            <a:schemeClr val="tx1"/>
+          </a:fontRef>
+        </p:style>
+      </p:cxnSp>
+      <p:sp>
+        <p:nvSpPr>
+          <p:cNvPr id="2" name="Rounded Rectangle 1">
+            <a:extLst>
+              <a:ext uri="{FF2B5EF4-FFF2-40B4-BE49-F238E27FC236}">
+                <a16:creationId xmlns:a16="http://schemas.microsoft.com/office/drawing/2014/main" id="{C2D5BE28-53C6-014C-89DB-52631A8444B3}"/>
+              </a:ext>
+            </a:extLst>
+          </p:cNvPr>
+          <p:cNvSpPr/>
+          <p:nvPr/>
+        </p:nvSpPr>
+        <p:spPr>
+          <a:xfrm>
+            <a:off x="14288" y="770857"/>
+            <a:ext cx="3401480" cy="1543020"/>
+          </a:xfrm>
+          <a:prstGeom prst="roundRect">
+            <a:avLst/>
+          </a:prstGeom>
+          <a:noFill/>
+          <a:ln w="76200">
+            <a:solidFill>
+              <a:srgbClr val="FF0000"/>
+            </a:solidFill>
+          </a:ln>
+        </p:spPr>
+        <p:style>
+          <a:lnRef idx="2">
+            <a:schemeClr val="accent1">
+              <a:shade val="50000"/>
+            </a:schemeClr>
+          </a:lnRef>
+          <a:fillRef idx="1">
+            <a:schemeClr val="accent1"/>
+          </a:fillRef>
+          <a:effectRef idx="0">
+            <a:schemeClr val="accent1"/>
+          </a:effectRef>
+          <a:fontRef idx="minor">
+            <a:schemeClr val="lt1"/>
+          </a:fontRef>
+        </p:style>
+        <p:txBody>
+          <a:bodyPr rtlCol="0" anchor="ctr"/>
+          <a:lstStyle/>
+          <a:p>
+            <a:pPr algn="ctr"/>
+            <a:endParaRPr lang="en-US"/>
+          </a:p>
+        </p:txBody>
+      </p:sp>
+    </p:spTree>
+    <p:extLst>
+      <p:ext uri="{BB962C8B-B14F-4D97-AF65-F5344CB8AC3E}">
+        <p14:creationId xmlns:p14="http://schemas.microsoft.com/office/powerpoint/2010/main" val="3834772421"/>
+      </p:ext>
+    </p:extLst>
+  </p:cSld>
+  <p:clrMapOvr>
+    <a:masterClrMapping/>
+  </p:clrMapOvr>
+</p:sld>
+</file>
+
+<file path=ppt/slides/slide6.xml><?xml version="1.0" encoding="utf-8"?>
 <p:sld xmlns:a="http://schemas.openxmlformats.org/drawingml/2006/main" xmlns:r="http://schemas.openxmlformats.org/officeDocument/2006/relationships" xmlns:p="http://schemas.openxmlformats.org/presentationml/2006/main">
   <p:cSld>
     <p:spTree>
@@ -3262,27 +9487,11 @@
           <a:p>
             <a:r>
               <a:rPr lang="en-US" sz="1800" dirty="0"/>
-              <a:t>2:00-3:30pm: Lecture/Tutorial/Live Coding: </a:t>
-            </a:r>
-            <a:r>
-              <a:rPr lang="en-US" sz="1800"/>
-              <a:t>Writing For-loops, </a:t>
-            </a:r>
-            <a:r>
-              <a:rPr lang="en-US" sz="1800" dirty="0"/>
-              <a:t>Functions, and </a:t>
-            </a:r>
-            <a:r>
-              <a:rPr lang="en-US" sz="1800"/>
-              <a:t>If-Else Statements</a:t>
-            </a:r>
-            <a:r>
-              <a:rPr lang="en-US" sz="1800" b="1"/>
-              <a:t>(</a:t>
+              <a:t>2:00-3:30pm: Lecture/Tutorial/Live Coding: Writing For-loops, Functions, and If-Else Statements </a:t>
             </a:r>
             <a:r>
               <a:rPr lang="en-US" sz="1800" b="1" dirty="0"/>
-              <a:t>Cara)</a:t>
+              <a:t>(Cara)</a:t>
             </a:r>
             <a:endParaRPr lang="en-US" sz="1800" dirty="0"/>
           </a:p>
